--- a/HUB_RASA.pptx
+++ b/HUB_RASA.pptx
@@ -7,9 +7,10 @@
   <p:sldIdLst>
     <p:sldId id="256" r:id="rId2"/>
     <p:sldId id="257" r:id="rId3"/>
-    <p:sldId id="262" r:id="rId4"/>
-    <p:sldId id="264" r:id="rId5"/>
-    <p:sldId id="263" r:id="rId6"/>
+    <p:sldId id="265" r:id="rId4"/>
+    <p:sldId id="262" r:id="rId5"/>
+    <p:sldId id="264" r:id="rId6"/>
+    <p:sldId id="263" r:id="rId7"/>
   </p:sldIdLst>
   <p:sldSz cx="12192000" cy="6858000"/>
   <p:notesSz cx="6858000" cy="9144000"/>
@@ -6073,7 +6074,7 @@
         <p:spPr>
           <a:xfrm>
             <a:off x="237518" y="1583310"/>
-            <a:ext cx="4513792" cy="914401"/>
+            <a:ext cx="5579502" cy="914401"/>
           </a:xfrm>
           <a:prstGeom prst="rect">
             <a:avLst/>
@@ -6081,7 +6082,7 @@
         </p:spPr>
         <p:txBody>
           <a:bodyPr vert="horz" lIns="91440" tIns="45720" rIns="91440" bIns="45720" rtlCol="0" anchor="t">
-            <a:normAutofit fontScale="92500" lnSpcReduction="20000"/>
+            <a:normAutofit fontScale="85000" lnSpcReduction="20000"/>
           </a:bodyPr>
           <a:lstStyle/>
           <a:p>
@@ -6102,6 +6103,22 @@
               </a:rPr>
               <a:t>Principe :</a:t>
             </a:r>
+          </a:p>
+          <a:p>
+            <a:pPr>
+              <a:spcAft>
+                <a:spcPts val="1000"/>
+              </a:spcAft>
+              <a:buClr>
+                <a:schemeClr val="tx1"/>
+              </a:buClr>
+              <a:buSzPct val="100000"/>
+            </a:pPr>
+            <a:endParaRPr lang="en-US" cap="all" dirty="0">
+              <a:solidFill>
+                <a:srgbClr val="FFFFFF"/>
+              </a:solidFill>
+            </a:endParaRPr>
           </a:p>
           <a:p>
             <a:pPr>
@@ -6127,7 +6144,23 @@
                   <a:srgbClr val="FFFFFF"/>
                 </a:solidFill>
               </a:rPr>
-              <a:t> un chatbot customizable </a:t>
+              <a:t> un chatbot </a:t>
+            </a:r>
+            <a:r>
+              <a:rPr lang="en-US" cap="all" dirty="0" err="1">
+                <a:solidFill>
+                  <a:srgbClr val="FFFFFF"/>
+                </a:solidFill>
+              </a:rPr>
+              <a:t>customisable</a:t>
+            </a:r>
+            <a:r>
+              <a:rPr lang="en-US" cap="all" dirty="0">
+                <a:solidFill>
+                  <a:srgbClr val="FFFFFF"/>
+                </a:solidFill>
+              </a:rPr>
+              <a:t> </a:t>
             </a:r>
             <a:r>
               <a:rPr lang="en-US" cap="all" dirty="0" err="1">
@@ -10803,6 +10836,5070 @@
       </p:sp>
       <p:pic>
         <p:nvPicPr>
+          <p:cNvPr id="1026" name="Picture 2" descr="Rasa NLU: Language Understanding for Chatbots and AI assistants">
+            <a:extLst>
+              <a:ext uri="{FF2B5EF4-FFF2-40B4-BE49-F238E27FC236}">
+                <a16:creationId xmlns:a16="http://schemas.microsoft.com/office/drawing/2014/main" id="{CF033BE7-EFB1-6542-BD97-DCE8E334C981}"/>
+              </a:ext>
+            </a:extLst>
+          </p:cNvPr>
+          <p:cNvPicPr>
+            <a:picLocks noChangeAspect="1" noChangeArrowheads="1"/>
+          </p:cNvPicPr>
+          <p:nvPr/>
+        </p:nvPicPr>
+        <p:blipFill>
+          <a:blip r:embed="rId3">
+            <a:extLst>
+              <a:ext uri="{28A0092B-C50C-407E-A947-70E740481C1C}">
+                <a14:useLocalDpi xmlns:a14="http://schemas.microsoft.com/office/drawing/2010/main" val="0"/>
+              </a:ext>
+            </a:extLst>
+          </a:blip>
+          <a:srcRect/>
+          <a:stretch>
+            <a:fillRect/>
+          </a:stretch>
+        </p:blipFill>
+        <p:spPr bwMode="auto">
+          <a:xfrm>
+            <a:off x="7075662" y="2892134"/>
+            <a:ext cx="4089400" cy="1981200"/>
+          </a:xfrm>
+          <a:prstGeom prst="rect">
+            <a:avLst/>
+          </a:prstGeom>
+          <a:noFill/>
+          <a:extLst>
+            <a:ext uri="{909E8E84-426E-40DD-AFC4-6F175D3DCCD1}">
+              <a14:hiddenFill xmlns:a14="http://schemas.microsoft.com/office/drawing/2010/main">
+                <a:solidFill>
+                  <a:srgbClr val="FFFFFF"/>
+                </a:solidFill>
+              </a14:hiddenFill>
+            </a:ext>
+          </a:extLst>
+        </p:spPr>
+      </p:pic>
+      <p:pic>
+        <p:nvPicPr>
+          <p:cNvPr id="10" name="Picture 4">
+            <a:extLst>
+              <a:ext uri="{FF2B5EF4-FFF2-40B4-BE49-F238E27FC236}">
+                <a16:creationId xmlns:a16="http://schemas.microsoft.com/office/drawing/2014/main" id="{A7105FFE-94C9-9243-8B68-78832DD61C5E}"/>
+              </a:ext>
+            </a:extLst>
+          </p:cNvPr>
+          <p:cNvPicPr>
+            <a:picLocks noChangeAspect="1" noChangeArrowheads="1"/>
+          </p:cNvPicPr>
+          <p:nvPr/>
+        </p:nvPicPr>
+        <p:blipFill>
+          <a:blip r:embed="rId4">
+            <a:extLst>
+              <a:ext uri="{28A0092B-C50C-407E-A947-70E740481C1C}">
+                <a14:useLocalDpi xmlns:a14="http://schemas.microsoft.com/office/drawing/2010/main" val="0"/>
+              </a:ext>
+            </a:extLst>
+          </a:blip>
+          <a:srcRect/>
+          <a:stretch>
+            <a:fillRect/>
+          </a:stretch>
+        </p:blipFill>
+        <p:spPr bwMode="auto">
+          <a:xfrm>
+            <a:off x="292159" y="3134936"/>
+            <a:ext cx="5212363" cy="2593286"/>
+          </a:xfrm>
+          <a:prstGeom prst="rect">
+            <a:avLst/>
+          </a:prstGeom>
+          <a:noFill/>
+          <a:extLst>
+            <a:ext uri="{909E8E84-426E-40DD-AFC4-6F175D3DCCD1}">
+              <a14:hiddenFill xmlns:a14="http://schemas.microsoft.com/office/drawing/2010/main">
+                <a:solidFill>
+                  <a:srgbClr val="FFFFFF"/>
+                </a:solidFill>
+              </a14:hiddenFill>
+            </a:ext>
+          </a:extLst>
+        </p:spPr>
+      </p:pic>
+    </p:spTree>
+    <p:extLst>
+      <p:ext uri="{BB962C8B-B14F-4D97-AF65-F5344CB8AC3E}">
+        <p14:creationId xmlns:p14="http://schemas.microsoft.com/office/powerpoint/2010/main" val="3152852766"/>
+      </p:ext>
+    </p:extLst>
+  </p:cSld>
+  <p:clrMapOvr>
+    <a:overrideClrMapping bg1="lt1" tx1="dk1" bg2="lt2" tx2="dk2" accent1="accent1" accent2="accent2" accent3="accent3" accent4="accent4" accent5="accent5" accent6="accent6" hlink="hlink" folHlink="folHlink"/>
+  </p:clrMapOvr>
+</p:sld>
+</file>
+
+<file path=ppt/slides/slide3.xml><?xml version="1.0" encoding="utf-8"?>
+<p:sld xmlns:a="http://schemas.openxmlformats.org/drawingml/2006/main" xmlns:r="http://schemas.openxmlformats.org/officeDocument/2006/relationships" xmlns:p="http://schemas.openxmlformats.org/presentationml/2006/main">
+  <p:cSld>
+    <p:bg>
+      <p:bgPr>
+        <a:solidFill>
+          <a:schemeClr val="bg1"/>
+        </a:solidFill>
+        <a:effectLst/>
+      </p:bgPr>
+    </p:bg>
+    <p:spTree>
+      <p:nvGrpSpPr>
+        <p:cNvPr id="1" name=""/>
+        <p:cNvGrpSpPr/>
+        <p:nvPr/>
+      </p:nvGrpSpPr>
+      <p:grpSpPr>
+        <a:xfrm>
+          <a:off x="0" y="0"/>
+          <a:ext cx="0" cy="0"/>
+          <a:chOff x="0" y="0"/>
+          <a:chExt cx="0" cy="0"/>
+        </a:xfrm>
+      </p:grpSpPr>
+      <p:pic>
+        <p:nvPicPr>
+          <p:cNvPr id="73" name="Picture 72">
+            <a:extLst>
+              <a:ext uri="{FF2B5EF4-FFF2-40B4-BE49-F238E27FC236}">
+                <a16:creationId xmlns:a16="http://schemas.microsoft.com/office/drawing/2014/main" id="{6AF6706C-CF07-43A1-BCC4-CBA5D33820DA}"/>
+              </a:ext>
+              <a:ext uri="{C183D7F6-B498-43B3-948B-1728B52AA6E4}">
+                <adec:decorative xmlns:adec="http://schemas.microsoft.com/office/drawing/2017/decorative" val="1"/>
+              </a:ext>
+            </a:extLst>
+          </p:cNvPr>
+          <p:cNvPicPr>
+            <a:picLocks noGrp="1" noRot="1" noChangeAspect="1" noMove="1" noResize="1" noEditPoints="1" noAdjustHandles="1" noChangeArrowheads="1" noChangeShapeType="1" noCrop="1"/>
+          </p:cNvPicPr>
+          <p:nvPr>
+            <p:extLst>
+              <p:ext uri="{386F3935-93C4-4BCD-93E2-E3B085C9AB24}">
+                <p16:designElem xmlns:p16="http://schemas.microsoft.com/office/powerpoint/2015/main" val="1"/>
+              </p:ext>
+            </p:extLst>
+          </p:nvPr>
+        </p:nvPicPr>
+        <p:blipFill>
+          <a:blip r:embed="rId2">
+            <a:extLst>
+              <a:ext uri="{28A0092B-C50C-407E-A947-70E740481C1C}">
+                <a14:useLocalDpi xmlns:a14="http://schemas.microsoft.com/office/drawing/2010/main" val="0"/>
+              </a:ext>
+            </a:extLst>
+          </a:blip>
+          <a:stretch>
+            <a:fillRect/>
+          </a:stretch>
+        </p:blipFill>
+        <p:spPr>
+          <a:xfrm>
+            <a:off x="0" y="0"/>
+            <a:ext cx="12188825" cy="6856214"/>
+          </a:xfrm>
+          <a:prstGeom prst="rect">
+            <a:avLst/>
+          </a:prstGeom>
+        </p:spPr>
+      </p:pic>
+      <p:sp>
+        <p:nvSpPr>
+          <p:cNvPr id="75" name="Rectangle 74">
+            <a:extLst>
+              <a:ext uri="{FF2B5EF4-FFF2-40B4-BE49-F238E27FC236}">
+                <a16:creationId xmlns:a16="http://schemas.microsoft.com/office/drawing/2014/main" id="{1F94DC1C-47D1-41D7-8B1B-9A036D614027}"/>
+              </a:ext>
+              <a:ext uri="{C183D7F6-B498-43B3-948B-1728B52AA6E4}">
+                <adec:decorative xmlns:adec="http://schemas.microsoft.com/office/drawing/2017/decorative" val="1"/>
+              </a:ext>
+            </a:extLst>
+          </p:cNvPr>
+          <p:cNvSpPr>
+            <a:spLocks noGrp="1" noRot="1" noChangeAspect="1" noMove="1" noResize="1" noEditPoints="1" noAdjustHandles="1" noChangeArrowheads="1" noChangeShapeType="1" noTextEdit="1"/>
+          </p:cNvSpPr>
+          <p:nvPr>
+            <p:extLst>
+              <p:ext uri="{386F3935-93C4-4BCD-93E2-E3B085C9AB24}">
+                <p16:designElem xmlns:p16="http://schemas.microsoft.com/office/powerpoint/2015/main" val="1"/>
+              </p:ext>
+            </p:extLst>
+          </p:nvPr>
+        </p:nvSpPr>
+        <p:spPr>
+          <a:xfrm>
+            <a:off x="0" y="0"/>
+            <a:ext cx="12188952" cy="6858000"/>
+          </a:xfrm>
+          <a:prstGeom prst="rect">
+            <a:avLst/>
+          </a:prstGeom>
+          <a:ln>
+            <a:noFill/>
+          </a:ln>
+        </p:spPr>
+        <p:style>
+          <a:lnRef idx="2">
+            <a:schemeClr val="accent1">
+              <a:shade val="50000"/>
+            </a:schemeClr>
+          </a:lnRef>
+          <a:fillRef idx="1003">
+            <a:schemeClr val="lt1"/>
+          </a:fillRef>
+          <a:effectRef idx="0">
+            <a:schemeClr val="accent1"/>
+          </a:effectRef>
+          <a:fontRef idx="minor">
+            <a:schemeClr val="lt1"/>
+          </a:fontRef>
+        </p:style>
+        <p:txBody>
+          <a:bodyPr rtlCol="0" anchor="ctr"/>
+          <a:lstStyle/>
+          <a:p>
+            <a:pPr algn="ctr"/>
+            <a:endParaRPr lang="en-US"/>
+          </a:p>
+        </p:txBody>
+      </p:sp>
+      <p:pic>
+        <p:nvPicPr>
+          <p:cNvPr id="77" name="Picture 76">
+            <a:extLst>
+              <a:ext uri="{FF2B5EF4-FFF2-40B4-BE49-F238E27FC236}">
+                <a16:creationId xmlns:a16="http://schemas.microsoft.com/office/drawing/2014/main" id="{811383CE-CE86-4E1C-B289-798EB9E6E0E5}"/>
+              </a:ext>
+              <a:ext uri="{C183D7F6-B498-43B3-948B-1728B52AA6E4}">
+                <adec:decorative xmlns:adec="http://schemas.microsoft.com/office/drawing/2017/decorative" val="1"/>
+              </a:ext>
+            </a:extLst>
+          </p:cNvPr>
+          <p:cNvPicPr>
+            <a:picLocks noGrp="1" noRot="1" noChangeAspect="1" noMove="1" noResize="1" noEditPoints="1" noAdjustHandles="1" noChangeArrowheads="1" noChangeShapeType="1" noCrop="1"/>
+          </p:cNvPicPr>
+          <p:nvPr>
+            <p:extLst>
+              <p:ext uri="{386F3935-93C4-4BCD-93E2-E3B085C9AB24}">
+                <p16:designElem xmlns:p16="http://schemas.microsoft.com/office/powerpoint/2015/main" val="1"/>
+              </p:ext>
+            </p:extLst>
+          </p:nvPr>
+        </p:nvPicPr>
+        <p:blipFill rotWithShape="1">
+          <a:blip r:embed="rId2">
+            <a:extLst>
+              <a:ext uri="{28A0092B-C50C-407E-A947-70E740481C1C}">
+                <a14:useLocalDpi xmlns:a14="http://schemas.microsoft.com/office/drawing/2010/main" val="0"/>
+              </a:ext>
+            </a:extLst>
+          </a:blip>
+          <a:srcRect r="51622"/>
+          <a:stretch/>
+        </p:blipFill>
+        <p:spPr>
+          <a:xfrm>
+            <a:off x="1" y="0"/>
+            <a:ext cx="5896768" cy="6856214"/>
+          </a:xfrm>
+          <a:prstGeom prst="rect">
+            <a:avLst/>
+          </a:prstGeom>
+        </p:spPr>
+      </p:pic>
+      <p:sp>
+        <p:nvSpPr>
+          <p:cNvPr id="2" name="Titre 1">
+            <a:extLst>
+              <a:ext uri="{FF2B5EF4-FFF2-40B4-BE49-F238E27FC236}">
+                <a16:creationId xmlns:a16="http://schemas.microsoft.com/office/drawing/2014/main" id="{18B4857F-0FF8-8749-8461-93A3D1944A44}"/>
+              </a:ext>
+            </a:extLst>
+          </p:cNvPr>
+          <p:cNvSpPr>
+            <a:spLocks noGrp="1"/>
+          </p:cNvSpPr>
+          <p:nvPr>
+            <p:ph type="title"/>
+          </p:nvPr>
+        </p:nvSpPr>
+        <p:spPr>
+          <a:xfrm>
+            <a:off x="-142932" y="-1634235"/>
+            <a:ext cx="4513792" cy="2819398"/>
+          </a:xfrm>
+        </p:spPr>
+        <p:txBody>
+          <a:bodyPr vert="horz" lIns="91440" tIns="45720" rIns="91440" bIns="45720" rtlCol="0" anchor="b">
+            <a:normAutofit/>
+          </a:bodyPr>
+          <a:lstStyle/>
+          <a:p>
+            <a:pPr algn="r"/>
+            <a:r>
+              <a:rPr lang="en-US" sz="4800" dirty="0">
+                <a:solidFill>
+                  <a:srgbClr val="FFFFFF"/>
+                </a:solidFill>
+              </a:rPr>
+              <a:t>Presentation</a:t>
+            </a:r>
+          </a:p>
+        </p:txBody>
+      </p:sp>
+      <p:sp>
+        <p:nvSpPr>
+          <p:cNvPr id="4" name="ZoneTexte 3">
+            <a:extLst>
+              <a:ext uri="{FF2B5EF4-FFF2-40B4-BE49-F238E27FC236}">
+                <a16:creationId xmlns:a16="http://schemas.microsoft.com/office/drawing/2014/main" id="{AC60F3CE-9118-E44A-9EA1-D9193CC3D38B}"/>
+              </a:ext>
+            </a:extLst>
+          </p:cNvPr>
+          <p:cNvSpPr txBox="1"/>
+          <p:nvPr/>
+        </p:nvSpPr>
+        <p:spPr>
+          <a:xfrm>
+            <a:off x="237518" y="1583310"/>
+            <a:ext cx="4513792" cy="914401"/>
+          </a:xfrm>
+          <a:prstGeom prst="rect">
+            <a:avLst/>
+          </a:prstGeom>
+        </p:spPr>
+        <p:txBody>
+          <a:bodyPr vert="horz" lIns="91440" tIns="45720" rIns="91440" bIns="45720" rtlCol="0" anchor="t">
+            <a:normAutofit fontScale="92500" lnSpcReduction="20000"/>
+          </a:bodyPr>
+          <a:lstStyle/>
+          <a:p>
+            <a:pPr>
+              <a:spcAft>
+                <a:spcPts val="1000"/>
+              </a:spcAft>
+              <a:buClr>
+                <a:schemeClr val="tx1"/>
+              </a:buClr>
+              <a:buSzPct val="100000"/>
+            </a:pPr>
+            <a:r>
+              <a:rPr lang="en-US" cap="all" dirty="0">
+                <a:solidFill>
+                  <a:srgbClr val="FFFFFF"/>
+                </a:solidFill>
+              </a:rPr>
+              <a:t>Principe :</a:t>
+            </a:r>
+          </a:p>
+          <a:p>
+            <a:pPr>
+              <a:spcAft>
+                <a:spcPts val="1000"/>
+              </a:spcAft>
+              <a:buClr>
+                <a:schemeClr val="tx1"/>
+              </a:buClr>
+              <a:buSzPct val="100000"/>
+            </a:pPr>
+            <a:r>
+              <a:rPr lang="en-US" cap="all" dirty="0" err="1">
+                <a:solidFill>
+                  <a:srgbClr val="FFFFFF"/>
+                </a:solidFill>
+              </a:rPr>
+              <a:t>Créer</a:t>
+            </a:r>
+            <a:r>
+              <a:rPr lang="en-US" cap="all" dirty="0">
+                <a:solidFill>
+                  <a:srgbClr val="FFFFFF"/>
+                </a:solidFill>
+              </a:rPr>
+              <a:t> un chatbot customizable </a:t>
+            </a:r>
+            <a:r>
+              <a:rPr lang="en-US" cap="all" dirty="0" err="1">
+                <a:solidFill>
+                  <a:srgbClr val="FFFFFF"/>
+                </a:solidFill>
+              </a:rPr>
+              <a:t>rapidement</a:t>
+            </a:r>
+            <a:r>
+              <a:rPr lang="en-US" cap="all" dirty="0">
+                <a:solidFill>
+                  <a:srgbClr val="FFFFFF"/>
+                </a:solidFill>
+              </a:rPr>
+              <a:t> </a:t>
+            </a:r>
+          </a:p>
+        </p:txBody>
+      </p:sp>
+      <p:sp useBgFill="1">
+        <p:nvSpPr>
+          <p:cNvPr id="79" name="Freeform 5">
+            <a:extLst>
+              <a:ext uri="{FF2B5EF4-FFF2-40B4-BE49-F238E27FC236}">
+                <a16:creationId xmlns:a16="http://schemas.microsoft.com/office/drawing/2014/main" id="{AC12A592-C02D-46EF-8E1F-9335DB8D71DF}"/>
+              </a:ext>
+              <a:ext uri="{C183D7F6-B498-43B3-948B-1728B52AA6E4}">
+                <adec:decorative xmlns:adec="http://schemas.microsoft.com/office/drawing/2017/decorative" val="1"/>
+              </a:ext>
+            </a:extLst>
+          </p:cNvPr>
+          <p:cNvSpPr>
+            <a:spLocks noGrp="1" noRot="1" noChangeAspect="1" noMove="1" noResize="1" noEditPoints="1" noAdjustHandles="1" noChangeArrowheads="1" noChangeShapeType="1" noTextEdit="1"/>
+          </p:cNvSpPr>
+          <p:nvPr>
+            <p:extLst>
+              <p:ext uri="{386F3935-93C4-4BCD-93E2-E3B085C9AB24}">
+                <p16:designElem xmlns:p16="http://schemas.microsoft.com/office/powerpoint/2015/main" val="1"/>
+              </p:ext>
+            </p:extLst>
+          </p:nvPr>
+        </p:nvSpPr>
+        <p:spPr bwMode="grayWhite">
+          <a:xfrm>
+            <a:off x="5827529" y="660400"/>
+            <a:ext cx="6381405" cy="6214533"/>
+          </a:xfrm>
+          <a:custGeom>
+            <a:avLst/>
+            <a:gdLst>
+              <a:gd name="T0" fmla="*/ 1333 w 1333"/>
+              <a:gd name="T1" fmla="*/ 1031 h 1298"/>
+              <a:gd name="T2" fmla="*/ 1333 w 1333"/>
+              <a:gd name="T3" fmla="*/ 380 h 1298"/>
+              <a:gd name="T4" fmla="*/ 706 w 1333"/>
+              <a:gd name="T5" fmla="*/ 0 h 1298"/>
+              <a:gd name="T6" fmla="*/ 0 w 1333"/>
+              <a:gd name="T7" fmla="*/ 706 h 1298"/>
+              <a:gd name="T8" fmla="*/ 323 w 1333"/>
+              <a:gd name="T9" fmla="*/ 1298 h 1298"/>
+              <a:gd name="T10" fmla="*/ 1090 w 1333"/>
+              <a:gd name="T11" fmla="*/ 1298 h 1298"/>
+              <a:gd name="T12" fmla="*/ 1333 w 1333"/>
+              <a:gd name="T13" fmla="*/ 1031 h 1298"/>
+            </a:gdLst>
+            <a:ahLst/>
+            <a:cxnLst>
+              <a:cxn ang="0">
+                <a:pos x="T0" y="T1"/>
+              </a:cxn>
+              <a:cxn ang="0">
+                <a:pos x="T2" y="T3"/>
+              </a:cxn>
+              <a:cxn ang="0">
+                <a:pos x="T4" y="T5"/>
+              </a:cxn>
+              <a:cxn ang="0">
+                <a:pos x="T6" y="T7"/>
+              </a:cxn>
+              <a:cxn ang="0">
+                <a:pos x="T8" y="T9"/>
+              </a:cxn>
+              <a:cxn ang="0">
+                <a:pos x="T10" y="T11"/>
+              </a:cxn>
+              <a:cxn ang="0">
+                <a:pos x="T12" y="T13"/>
+              </a:cxn>
+            </a:cxnLst>
+            <a:rect l="0" t="0" r="r" b="b"/>
+            <a:pathLst>
+              <a:path w="1333" h="1298">
+                <a:moveTo>
+                  <a:pt x="1333" y="1031"/>
+                </a:moveTo>
+                <a:cubicBezTo>
+                  <a:pt x="1333" y="380"/>
+                  <a:pt x="1333" y="380"/>
+                  <a:pt x="1333" y="380"/>
+                </a:cubicBezTo>
+                <a:cubicBezTo>
+                  <a:pt x="1215" y="154"/>
+                  <a:pt x="979" y="0"/>
+                  <a:pt x="706" y="0"/>
+                </a:cubicBezTo>
+                <a:cubicBezTo>
+                  <a:pt x="317" y="0"/>
+                  <a:pt x="0" y="316"/>
+                  <a:pt x="0" y="706"/>
+                </a:cubicBezTo>
+                <a:cubicBezTo>
+                  <a:pt x="0" y="954"/>
+                  <a:pt x="129" y="1172"/>
+                  <a:pt x="323" y="1298"/>
+                </a:cubicBezTo>
+                <a:cubicBezTo>
+                  <a:pt x="1090" y="1298"/>
+                  <a:pt x="1090" y="1298"/>
+                  <a:pt x="1090" y="1298"/>
+                </a:cubicBezTo>
+                <a:cubicBezTo>
+                  <a:pt x="1193" y="1232"/>
+                  <a:pt x="1276" y="1140"/>
+                  <a:pt x="1333" y="1031"/>
+                </a:cubicBezTo>
+                <a:close/>
+              </a:path>
+            </a:pathLst>
+          </a:custGeom>
+          <a:ln w="50800" cap="sq" cmpd="dbl">
+            <a:gradFill flip="none" rotWithShape="1">
+              <a:gsLst>
+                <a:gs pos="0">
+                  <a:srgbClr val="FFFFFF"/>
+                </a:gs>
+                <a:gs pos="100000">
+                  <a:schemeClr val="tx1">
+                    <a:alpha val="0"/>
+                  </a:schemeClr>
+                </a:gs>
+              </a:gsLst>
+              <a:path path="circle">
+                <a:fillToRect l="50000" t="50000" r="50000" b="50000"/>
+              </a:path>
+              <a:tileRect/>
+            </a:gradFill>
+            <a:miter lim="800000"/>
+          </a:ln>
+          <a:effectLst>
+            <a:outerShdw blurRad="254000" algn="tl" rotWithShape="0">
+              <a:srgbClr val="000000">
+                <a:alpha val="43000"/>
+              </a:srgbClr>
+            </a:outerShdw>
+          </a:effectLst>
+        </p:spPr>
+        <p:txBody>
+          <a:bodyPr vert="horz" lIns="91440" tIns="45720" rIns="91440" bIns="45720" rtlCol="0" anchor="t">
+            <a:normAutofit/>
+          </a:bodyPr>
+          <a:lstStyle/>
+          <a:p>
+            <a:pPr algn="ctr">
+              <a:spcAft>
+                <a:spcPts val="1000"/>
+              </a:spcAft>
+              <a:buClr>
+                <a:schemeClr val="tx1"/>
+              </a:buClr>
+              <a:buSzPct val="100000"/>
+              <a:buFont typeface="Arial"/>
+              <a:buNone/>
+            </a:pPr>
+            <a:endParaRPr lang="en-US" sz="1600" cap="all"/>
+          </a:p>
+        </p:txBody>
+      </p:sp>
+      <p:sp>
+        <p:nvSpPr>
+          <p:cNvPr id="81" name="Freeform 14">
+            <a:extLst>
+              <a:ext uri="{FF2B5EF4-FFF2-40B4-BE49-F238E27FC236}">
+                <a16:creationId xmlns:a16="http://schemas.microsoft.com/office/drawing/2014/main" id="{24005816-5BCA-4665-8A58-5580F8E9C84A}"/>
+              </a:ext>
+              <a:ext uri="{C183D7F6-B498-43B3-948B-1728B52AA6E4}">
+                <adec:decorative xmlns:adec="http://schemas.microsoft.com/office/drawing/2017/decorative" val="1"/>
+              </a:ext>
+            </a:extLst>
+          </p:cNvPr>
+          <p:cNvSpPr>
+            <a:spLocks noGrp="1" noRot="1" noChangeAspect="1" noMove="1" noResize="1" noEditPoints="1" noAdjustHandles="1" noChangeArrowheads="1" noChangeShapeType="1" noTextEdit="1"/>
+          </p:cNvSpPr>
+          <p:nvPr>
+            <p:extLst>
+              <p:ext uri="{386F3935-93C4-4BCD-93E2-E3B085C9AB24}">
+                <p16:designElem xmlns:p16="http://schemas.microsoft.com/office/powerpoint/2015/main" val="1"/>
+              </p:ext>
+            </p:extLst>
+          </p:nvPr>
+        </p:nvSpPr>
+        <p:spPr>
+          <a:xfrm>
+            <a:off x="5281603" y="104899"/>
+            <a:ext cx="6896713" cy="6005491"/>
+          </a:xfrm>
+          <a:custGeom>
+            <a:avLst/>
+            <a:gdLst>
+              <a:gd name="connsiteX0" fmla="*/ 3912717 w 6896713"/>
+              <a:gd name="connsiteY0" fmla="*/ 0 h 6005491"/>
+              <a:gd name="connsiteX1" fmla="*/ 6679426 w 6896713"/>
+              <a:gd name="connsiteY1" fmla="*/ 1146008 h 6005491"/>
+              <a:gd name="connsiteX2" fmla="*/ 6896713 w 6896713"/>
+              <a:gd name="connsiteY2" fmla="*/ 1385085 h 6005491"/>
+              <a:gd name="connsiteX3" fmla="*/ 6896713 w 6896713"/>
+              <a:gd name="connsiteY3" fmla="*/ 1431256 h 6005491"/>
+              <a:gd name="connsiteX4" fmla="*/ 6657442 w 6896713"/>
+              <a:gd name="connsiteY4" fmla="*/ 1167992 h 6005491"/>
+              <a:gd name="connsiteX5" fmla="*/ 3912717 w 6896713"/>
+              <a:gd name="connsiteY5" fmla="*/ 31089 h 6005491"/>
+              <a:gd name="connsiteX6" fmla="*/ 31089 w 6896713"/>
+              <a:gd name="connsiteY6" fmla="*/ 3912717 h 6005491"/>
+              <a:gd name="connsiteX7" fmla="*/ 593046 w 6896713"/>
+              <a:gd name="connsiteY7" fmla="*/ 5925483 h 6005491"/>
+              <a:gd name="connsiteX8" fmla="*/ 633874 w 6896713"/>
+              <a:gd name="connsiteY8" fmla="*/ 5989169 h 6005491"/>
+              <a:gd name="connsiteX9" fmla="*/ 607415 w 6896713"/>
+              <a:gd name="connsiteY9" fmla="*/ 6005491 h 6005491"/>
+              <a:gd name="connsiteX10" fmla="*/ 566458 w 6896713"/>
+              <a:gd name="connsiteY10" fmla="*/ 5941603 h 6005491"/>
+              <a:gd name="connsiteX11" fmla="*/ 0 w 6896713"/>
+              <a:gd name="connsiteY11" fmla="*/ 3912717 h 6005491"/>
+              <a:gd name="connsiteX12" fmla="*/ 3912717 w 6896713"/>
+              <a:gd name="connsiteY12" fmla="*/ 0 h 6005491"/>
+            </a:gdLst>
+            <a:ahLst/>
+            <a:cxnLst>
+              <a:cxn ang="0">
+                <a:pos x="connsiteX0" y="connsiteY0"/>
+              </a:cxn>
+              <a:cxn ang="0">
+                <a:pos x="connsiteX1" y="connsiteY1"/>
+              </a:cxn>
+              <a:cxn ang="0">
+                <a:pos x="connsiteX2" y="connsiteY2"/>
+              </a:cxn>
+              <a:cxn ang="0">
+                <a:pos x="connsiteX3" y="connsiteY3"/>
+              </a:cxn>
+              <a:cxn ang="0">
+                <a:pos x="connsiteX4" y="connsiteY4"/>
+              </a:cxn>
+              <a:cxn ang="0">
+                <a:pos x="connsiteX5" y="connsiteY5"/>
+              </a:cxn>
+              <a:cxn ang="0">
+                <a:pos x="connsiteX6" y="connsiteY6"/>
+              </a:cxn>
+              <a:cxn ang="0">
+                <a:pos x="connsiteX7" y="connsiteY7"/>
+              </a:cxn>
+              <a:cxn ang="0">
+                <a:pos x="connsiteX8" y="connsiteY8"/>
+              </a:cxn>
+              <a:cxn ang="0">
+                <a:pos x="connsiteX9" y="connsiteY9"/>
+              </a:cxn>
+              <a:cxn ang="0">
+                <a:pos x="connsiteX10" y="connsiteY10"/>
+              </a:cxn>
+              <a:cxn ang="0">
+                <a:pos x="connsiteX11" y="connsiteY11"/>
+              </a:cxn>
+              <a:cxn ang="0">
+                <a:pos x="connsiteX12" y="connsiteY12"/>
+              </a:cxn>
+            </a:cxnLst>
+            <a:rect l="l" t="t" r="r" b="b"/>
+            <a:pathLst>
+              <a:path w="6896713" h="6005491">
+                <a:moveTo>
+                  <a:pt x="3912717" y="0"/>
+                </a:moveTo>
+                <a:cubicBezTo>
+                  <a:pt x="4993184" y="0"/>
+                  <a:pt x="5971363" y="437946"/>
+                  <a:pt x="6679426" y="1146008"/>
+                </a:cubicBezTo>
+                <a:lnTo>
+                  <a:pt x="6896713" y="1385085"/>
+                </a:lnTo>
+                <a:lnTo>
+                  <a:pt x="6896713" y="1431256"/>
+                </a:lnTo>
+                <a:lnTo>
+                  <a:pt x="6657442" y="1167992"/>
+                </a:lnTo>
+                <a:cubicBezTo>
+                  <a:pt x="5955006" y="465555"/>
+                  <a:pt x="4984599" y="31089"/>
+                  <a:pt x="3912717" y="31089"/>
+                </a:cubicBezTo>
+                <a:cubicBezTo>
+                  <a:pt x="1768953" y="31089"/>
+                  <a:pt x="31089" y="1768953"/>
+                  <a:pt x="31089" y="3912717"/>
+                </a:cubicBezTo>
+                <a:cubicBezTo>
+                  <a:pt x="31089" y="4649636"/>
+                  <a:pt x="236442" y="5338592"/>
+                  <a:pt x="593046" y="5925483"/>
+                </a:cubicBezTo>
+                <a:lnTo>
+                  <a:pt x="633874" y="5989169"/>
+                </a:lnTo>
+                <a:lnTo>
+                  <a:pt x="607415" y="6005491"/>
+                </a:lnTo>
+                <a:lnTo>
+                  <a:pt x="566458" y="5941603"/>
+                </a:lnTo>
+                <a:cubicBezTo>
+                  <a:pt x="206998" y="5350013"/>
+                  <a:pt x="0" y="4655538"/>
+                  <a:pt x="0" y="3912717"/>
+                </a:cubicBezTo>
+                <a:cubicBezTo>
+                  <a:pt x="0" y="1751783"/>
+                  <a:pt x="1751783" y="0"/>
+                  <a:pt x="3912717" y="0"/>
+                </a:cubicBezTo>
+                <a:close/>
+              </a:path>
+            </a:pathLst>
+          </a:custGeom>
+          <a:solidFill>
+            <a:srgbClr val="FFFFFF">
+              <a:alpha val="41961"/>
+            </a:srgbClr>
+          </a:solidFill>
+          <a:ln>
+            <a:noFill/>
+          </a:ln>
+        </p:spPr>
+        <p:style>
+          <a:lnRef idx="2">
+            <a:schemeClr val="accent1">
+              <a:shade val="50000"/>
+            </a:schemeClr>
+          </a:lnRef>
+          <a:fillRef idx="1">
+            <a:schemeClr val="accent1"/>
+          </a:fillRef>
+          <a:effectRef idx="0">
+            <a:schemeClr val="accent1"/>
+          </a:effectRef>
+          <a:fontRef idx="minor">
+            <a:schemeClr val="lt1"/>
+          </a:fontRef>
+        </p:style>
+        <p:txBody>
+          <a:bodyPr rtlCol="0" anchor="ctr"/>
+          <a:lstStyle/>
+          <a:p>
+            <a:pPr algn="ctr"/>
+            <a:endParaRPr lang="en-US"/>
+          </a:p>
+        </p:txBody>
+      </p:sp>
+      <p:grpSp>
+        <p:nvGrpSpPr>
+          <p:cNvPr id="83" name="Group 82">
+            <a:extLst>
+              <a:ext uri="{FF2B5EF4-FFF2-40B4-BE49-F238E27FC236}">
+                <a16:creationId xmlns:a16="http://schemas.microsoft.com/office/drawing/2014/main" id="{BF07F359-8CA3-4854-91E7-EE6004020511}"/>
+              </a:ext>
+              <a:ext uri="{C183D7F6-B498-43B3-948B-1728B52AA6E4}">
+                <adec:decorative xmlns:adec="http://schemas.microsoft.com/office/drawing/2017/decorative" val="1"/>
+              </a:ext>
+            </a:extLst>
+          </p:cNvPr>
+          <p:cNvGrpSpPr>
+            <a:grpSpLocks noGrp="1" noUngrp="1" noRot="1" noChangeAspect="1" noMove="1" noResize="1"/>
+          </p:cNvGrpSpPr>
+          <p:nvPr>
+            <p:extLst>
+              <p:ext uri="{386F3935-93C4-4BCD-93E2-E3B085C9AB24}">
+                <p16:designElem xmlns:p16="http://schemas.microsoft.com/office/powerpoint/2015/main" val="1"/>
+              </p:ext>
+            </p:extLst>
+          </p:nvPr>
+        </p:nvGrpSpPr>
+        <p:grpSpPr>
+          <a:xfrm>
+            <a:off x="5516018" y="331504"/>
+            <a:ext cx="6675982" cy="5235326"/>
+            <a:chOff x="5516018" y="331504"/>
+            <a:chExt cx="6675982" cy="5235326"/>
+          </a:xfrm>
+        </p:grpSpPr>
+        <p:cxnSp>
+          <p:nvCxnSpPr>
+            <p:cNvPr id="84" name="Straight Connector 83">
+              <a:extLst>
+                <a:ext uri="{FF2B5EF4-FFF2-40B4-BE49-F238E27FC236}">
+                  <a16:creationId xmlns:a16="http://schemas.microsoft.com/office/drawing/2014/main" id="{8A7FCE86-4904-4337-8D0A-3ABA73F609EF}"/>
+                </a:ext>
+                <a:ext uri="{C183D7F6-B498-43B3-948B-1728B52AA6E4}">
+                  <adec:decorative xmlns:adec="http://schemas.microsoft.com/office/drawing/2017/decorative" val="1"/>
+                </a:ext>
+              </a:extLst>
+            </p:cNvPr>
+            <p:cNvCxnSpPr/>
+            <p:nvPr>
+              <p:extLst>
+                <p:ext uri="{386F3935-93C4-4BCD-93E2-E3B085C9AB24}">
+                  <p16:designElem xmlns:p16="http://schemas.microsoft.com/office/powerpoint/2015/main" val="1"/>
+                </p:ext>
+              </p:extLst>
+            </p:nvPr>
+          </p:nvCxnSpPr>
+          <p:spPr>
+            <a:xfrm flipH="1">
+              <a:off x="9266830" y="331504"/>
+              <a:ext cx="3394" cy="182880"/>
+            </a:xfrm>
+            <a:prstGeom prst="line">
+              <a:avLst/>
+            </a:prstGeom>
+            <a:ln>
+              <a:solidFill>
+                <a:srgbClr val="FFFFFF">
+                  <a:alpha val="30196"/>
+                </a:srgbClr>
+              </a:solidFill>
+            </a:ln>
+          </p:spPr>
+          <p:style>
+            <a:lnRef idx="1">
+              <a:schemeClr val="accent1"/>
+            </a:lnRef>
+            <a:fillRef idx="0">
+              <a:schemeClr val="accent1"/>
+            </a:fillRef>
+            <a:effectRef idx="0">
+              <a:schemeClr val="accent1"/>
+            </a:effectRef>
+            <a:fontRef idx="minor">
+              <a:schemeClr val="tx1"/>
+            </a:fontRef>
+          </p:style>
+        </p:cxnSp>
+        <p:cxnSp>
+          <p:nvCxnSpPr>
+            <p:cNvPr id="85" name="Straight Connector 84">
+              <a:extLst>
+                <a:ext uri="{FF2B5EF4-FFF2-40B4-BE49-F238E27FC236}">
+                  <a16:creationId xmlns:a16="http://schemas.microsoft.com/office/drawing/2014/main" id="{BA32C234-504D-411A-A62B-C1CFD8CE74D5}"/>
+                </a:ext>
+                <a:ext uri="{C183D7F6-B498-43B3-948B-1728B52AA6E4}">
+                  <adec:decorative xmlns:adec="http://schemas.microsoft.com/office/drawing/2017/decorative" val="1"/>
+                </a:ext>
+              </a:extLst>
+            </p:cNvPr>
+            <p:cNvCxnSpPr/>
+            <p:nvPr>
+              <p:extLst>
+                <p:ext uri="{386F3935-93C4-4BCD-93E2-E3B085C9AB24}">
+                  <p16:designElem xmlns:p16="http://schemas.microsoft.com/office/powerpoint/2015/main" val="1"/>
+                </p:ext>
+              </p:extLst>
+            </p:nvPr>
+          </p:nvCxnSpPr>
+          <p:spPr>
+            <a:xfrm rot="120000" flipH="1">
+              <a:off x="9408861" y="338328"/>
+              <a:ext cx="3394" cy="182880"/>
+            </a:xfrm>
+            <a:prstGeom prst="line">
+              <a:avLst/>
+            </a:prstGeom>
+            <a:ln>
+              <a:solidFill>
+                <a:srgbClr val="FFFFFF">
+                  <a:alpha val="30196"/>
+                </a:srgbClr>
+              </a:solidFill>
+            </a:ln>
+          </p:spPr>
+          <p:style>
+            <a:lnRef idx="1">
+              <a:schemeClr val="accent1"/>
+            </a:lnRef>
+            <a:fillRef idx="0">
+              <a:schemeClr val="accent1"/>
+            </a:fillRef>
+            <a:effectRef idx="0">
+              <a:schemeClr val="accent1"/>
+            </a:effectRef>
+            <a:fontRef idx="minor">
+              <a:schemeClr val="tx1"/>
+            </a:fontRef>
+          </p:style>
+        </p:cxnSp>
+        <p:cxnSp>
+          <p:nvCxnSpPr>
+            <p:cNvPr id="86" name="Straight Connector 85">
+              <a:extLst>
+                <a:ext uri="{FF2B5EF4-FFF2-40B4-BE49-F238E27FC236}">
+                  <a16:creationId xmlns:a16="http://schemas.microsoft.com/office/drawing/2014/main" id="{881593A9-FD94-454C-9225-478E90706132}"/>
+                </a:ext>
+                <a:ext uri="{C183D7F6-B498-43B3-948B-1728B52AA6E4}">
+                  <adec:decorative xmlns:adec="http://schemas.microsoft.com/office/drawing/2017/decorative" val="1"/>
+                </a:ext>
+              </a:extLst>
+            </p:cNvPr>
+            <p:cNvCxnSpPr/>
+            <p:nvPr>
+              <p:extLst>
+                <p:ext uri="{386F3935-93C4-4BCD-93E2-E3B085C9AB24}">
+                  <p16:designElem xmlns:p16="http://schemas.microsoft.com/office/powerpoint/2015/main" val="1"/>
+                </p:ext>
+              </p:extLst>
+            </p:nvPr>
+          </p:nvCxnSpPr>
+          <p:spPr>
+            <a:xfrm rot="240000" flipH="1">
+              <a:off x="9551700" y="347636"/>
+              <a:ext cx="3394" cy="182880"/>
+            </a:xfrm>
+            <a:prstGeom prst="line">
+              <a:avLst/>
+            </a:prstGeom>
+            <a:ln>
+              <a:solidFill>
+                <a:srgbClr val="FFFFFF">
+                  <a:alpha val="30196"/>
+                </a:srgbClr>
+              </a:solidFill>
+            </a:ln>
+          </p:spPr>
+          <p:style>
+            <a:lnRef idx="1">
+              <a:schemeClr val="accent1"/>
+            </a:lnRef>
+            <a:fillRef idx="0">
+              <a:schemeClr val="accent1"/>
+            </a:fillRef>
+            <a:effectRef idx="0">
+              <a:schemeClr val="accent1"/>
+            </a:effectRef>
+            <a:fontRef idx="minor">
+              <a:schemeClr val="tx1"/>
+            </a:fontRef>
+          </p:style>
+        </p:cxnSp>
+        <p:cxnSp>
+          <p:nvCxnSpPr>
+            <p:cNvPr id="87" name="Straight Connector 86">
+              <a:extLst>
+                <a:ext uri="{FF2B5EF4-FFF2-40B4-BE49-F238E27FC236}">
+                  <a16:creationId xmlns:a16="http://schemas.microsoft.com/office/drawing/2014/main" id="{FA3524A1-6DED-4D15-ADE5-F797DBCEC728}"/>
+                </a:ext>
+                <a:ext uri="{C183D7F6-B498-43B3-948B-1728B52AA6E4}">
+                  <adec:decorative xmlns:adec="http://schemas.microsoft.com/office/drawing/2017/decorative" val="1"/>
+                </a:ext>
+              </a:extLst>
+            </p:cNvPr>
+            <p:cNvCxnSpPr/>
+            <p:nvPr>
+              <p:extLst>
+                <p:ext uri="{386F3935-93C4-4BCD-93E2-E3B085C9AB24}">
+                  <p16:designElem xmlns:p16="http://schemas.microsoft.com/office/powerpoint/2015/main" val="1"/>
+                </p:ext>
+              </p:extLst>
+            </p:nvPr>
+          </p:nvCxnSpPr>
+          <p:spPr>
+            <a:xfrm rot="360000" flipH="1">
+              <a:off x="9688748" y="368088"/>
+              <a:ext cx="3394" cy="182880"/>
+            </a:xfrm>
+            <a:prstGeom prst="line">
+              <a:avLst/>
+            </a:prstGeom>
+            <a:ln>
+              <a:solidFill>
+                <a:srgbClr val="FFFFFF">
+                  <a:alpha val="30196"/>
+                </a:srgbClr>
+              </a:solidFill>
+            </a:ln>
+          </p:spPr>
+          <p:style>
+            <a:lnRef idx="1">
+              <a:schemeClr val="accent1"/>
+            </a:lnRef>
+            <a:fillRef idx="0">
+              <a:schemeClr val="accent1"/>
+            </a:fillRef>
+            <a:effectRef idx="0">
+              <a:schemeClr val="accent1"/>
+            </a:effectRef>
+            <a:fontRef idx="minor">
+              <a:schemeClr val="tx1"/>
+            </a:fontRef>
+          </p:style>
+        </p:cxnSp>
+        <p:cxnSp>
+          <p:nvCxnSpPr>
+            <p:cNvPr id="88" name="Straight Connector 87">
+              <a:extLst>
+                <a:ext uri="{FF2B5EF4-FFF2-40B4-BE49-F238E27FC236}">
+                  <a16:creationId xmlns:a16="http://schemas.microsoft.com/office/drawing/2014/main" id="{AA8491CF-856E-4A54-84A5-45C558D41A7B}"/>
+                </a:ext>
+                <a:ext uri="{C183D7F6-B498-43B3-948B-1728B52AA6E4}">
+                  <adec:decorative xmlns:adec="http://schemas.microsoft.com/office/drawing/2017/decorative" val="1"/>
+                </a:ext>
+              </a:extLst>
+            </p:cNvPr>
+            <p:cNvCxnSpPr/>
+            <p:nvPr>
+              <p:extLst>
+                <p:ext uri="{386F3935-93C4-4BCD-93E2-E3B085C9AB24}">
+                  <p16:designElem xmlns:p16="http://schemas.microsoft.com/office/powerpoint/2015/main" val="1"/>
+                </p:ext>
+              </p:extLst>
+            </p:nvPr>
+          </p:nvCxnSpPr>
+          <p:spPr>
+            <a:xfrm rot="540000" flipH="1">
+              <a:off x="9824866" y="389224"/>
+              <a:ext cx="3394" cy="182880"/>
+            </a:xfrm>
+            <a:prstGeom prst="line">
+              <a:avLst/>
+            </a:prstGeom>
+            <a:ln>
+              <a:solidFill>
+                <a:srgbClr val="FFFFFF">
+                  <a:alpha val="30196"/>
+                </a:srgbClr>
+              </a:solidFill>
+            </a:ln>
+          </p:spPr>
+          <p:style>
+            <a:lnRef idx="1">
+              <a:schemeClr val="accent1"/>
+            </a:lnRef>
+            <a:fillRef idx="0">
+              <a:schemeClr val="accent1"/>
+            </a:fillRef>
+            <a:effectRef idx="0">
+              <a:schemeClr val="accent1"/>
+            </a:effectRef>
+            <a:fontRef idx="minor">
+              <a:schemeClr val="tx1"/>
+            </a:fontRef>
+          </p:style>
+        </p:cxnSp>
+        <p:cxnSp>
+          <p:nvCxnSpPr>
+            <p:cNvPr id="89" name="Straight Connector 88">
+              <a:extLst>
+                <a:ext uri="{FF2B5EF4-FFF2-40B4-BE49-F238E27FC236}">
+                  <a16:creationId xmlns:a16="http://schemas.microsoft.com/office/drawing/2014/main" id="{AD63A388-BF18-4ABD-96E0-5946B1ABB1D6}"/>
+                </a:ext>
+                <a:ext uri="{C183D7F6-B498-43B3-948B-1728B52AA6E4}">
+                  <adec:decorative xmlns:adec="http://schemas.microsoft.com/office/drawing/2017/decorative" val="1"/>
+                </a:ext>
+              </a:extLst>
+            </p:cNvPr>
+            <p:cNvCxnSpPr/>
+            <p:nvPr>
+              <p:extLst>
+                <p:ext uri="{386F3935-93C4-4BCD-93E2-E3B085C9AB24}">
+                  <p16:designElem xmlns:p16="http://schemas.microsoft.com/office/powerpoint/2015/main" val="1"/>
+                </p:ext>
+              </p:extLst>
+            </p:nvPr>
+          </p:nvCxnSpPr>
+          <p:spPr>
+            <a:xfrm rot="660000" flipH="1">
+              <a:off x="9966867" y="417549"/>
+              <a:ext cx="3394" cy="182880"/>
+            </a:xfrm>
+            <a:prstGeom prst="line">
+              <a:avLst/>
+            </a:prstGeom>
+            <a:ln>
+              <a:solidFill>
+                <a:srgbClr val="FFFFFF">
+                  <a:alpha val="30196"/>
+                </a:srgbClr>
+              </a:solidFill>
+            </a:ln>
+          </p:spPr>
+          <p:style>
+            <a:lnRef idx="1">
+              <a:schemeClr val="accent1"/>
+            </a:lnRef>
+            <a:fillRef idx="0">
+              <a:schemeClr val="accent1"/>
+            </a:fillRef>
+            <a:effectRef idx="0">
+              <a:schemeClr val="accent1"/>
+            </a:effectRef>
+            <a:fontRef idx="minor">
+              <a:schemeClr val="tx1"/>
+            </a:fontRef>
+          </p:style>
+        </p:cxnSp>
+        <p:cxnSp>
+          <p:nvCxnSpPr>
+            <p:cNvPr id="90" name="Straight Connector 89">
+              <a:extLst>
+                <a:ext uri="{FF2B5EF4-FFF2-40B4-BE49-F238E27FC236}">
+                  <a16:creationId xmlns:a16="http://schemas.microsoft.com/office/drawing/2014/main" id="{9CF6D779-BD20-4058-AC29-AF4E2510C2C2}"/>
+                </a:ext>
+                <a:ext uri="{C183D7F6-B498-43B3-948B-1728B52AA6E4}">
+                  <adec:decorative xmlns:adec="http://schemas.microsoft.com/office/drawing/2017/decorative" val="1"/>
+                </a:ext>
+              </a:extLst>
+            </p:cNvPr>
+            <p:cNvCxnSpPr/>
+            <p:nvPr>
+              <p:extLst>
+                <p:ext uri="{386F3935-93C4-4BCD-93E2-E3B085C9AB24}">
+                  <p16:designElem xmlns:p16="http://schemas.microsoft.com/office/powerpoint/2015/main" val="1"/>
+                </p:ext>
+              </p:extLst>
+            </p:nvPr>
+          </p:nvCxnSpPr>
+          <p:spPr>
+            <a:xfrm rot="780000" flipH="1">
+              <a:off x="10104425" y="445874"/>
+              <a:ext cx="3394" cy="182880"/>
+            </a:xfrm>
+            <a:prstGeom prst="line">
+              <a:avLst/>
+            </a:prstGeom>
+            <a:ln>
+              <a:solidFill>
+                <a:srgbClr val="FFFFFF">
+                  <a:alpha val="30196"/>
+                </a:srgbClr>
+              </a:solidFill>
+            </a:ln>
+          </p:spPr>
+          <p:style>
+            <a:lnRef idx="1">
+              <a:schemeClr val="accent1"/>
+            </a:lnRef>
+            <a:fillRef idx="0">
+              <a:schemeClr val="accent1"/>
+            </a:fillRef>
+            <a:effectRef idx="0">
+              <a:schemeClr val="accent1"/>
+            </a:effectRef>
+            <a:fontRef idx="minor">
+              <a:schemeClr val="tx1"/>
+            </a:fontRef>
+          </p:style>
+        </p:cxnSp>
+        <p:cxnSp>
+          <p:nvCxnSpPr>
+            <p:cNvPr id="91" name="Straight Connector 90">
+              <a:extLst>
+                <a:ext uri="{FF2B5EF4-FFF2-40B4-BE49-F238E27FC236}">
+                  <a16:creationId xmlns:a16="http://schemas.microsoft.com/office/drawing/2014/main" id="{4189C0F2-FCB0-4636-9B05-F9FCBB2020A6}"/>
+                </a:ext>
+                <a:ext uri="{C183D7F6-B498-43B3-948B-1728B52AA6E4}">
+                  <adec:decorative xmlns:adec="http://schemas.microsoft.com/office/drawing/2017/decorative" val="1"/>
+                </a:ext>
+              </a:extLst>
+            </p:cNvPr>
+            <p:cNvCxnSpPr/>
+            <p:nvPr>
+              <p:extLst>
+                <p:ext uri="{386F3935-93C4-4BCD-93E2-E3B085C9AB24}">
+                  <p16:designElem xmlns:p16="http://schemas.microsoft.com/office/powerpoint/2015/main" val="1"/>
+                </p:ext>
+              </p:extLst>
+            </p:nvPr>
+          </p:nvCxnSpPr>
+          <p:spPr>
+            <a:xfrm rot="900000" flipH="1">
+              <a:off x="10240513" y="479483"/>
+              <a:ext cx="3394" cy="182880"/>
+            </a:xfrm>
+            <a:prstGeom prst="line">
+              <a:avLst/>
+            </a:prstGeom>
+            <a:ln>
+              <a:solidFill>
+                <a:srgbClr val="FFFFFF">
+                  <a:alpha val="30196"/>
+                </a:srgbClr>
+              </a:solidFill>
+            </a:ln>
+          </p:spPr>
+          <p:style>
+            <a:lnRef idx="1">
+              <a:schemeClr val="accent1"/>
+            </a:lnRef>
+            <a:fillRef idx="0">
+              <a:schemeClr val="accent1"/>
+            </a:fillRef>
+            <a:effectRef idx="0">
+              <a:schemeClr val="accent1"/>
+            </a:effectRef>
+            <a:fontRef idx="minor">
+              <a:schemeClr val="tx1"/>
+            </a:fontRef>
+          </p:style>
+        </p:cxnSp>
+        <p:cxnSp>
+          <p:nvCxnSpPr>
+            <p:cNvPr id="92" name="Straight Connector 91">
+              <a:extLst>
+                <a:ext uri="{FF2B5EF4-FFF2-40B4-BE49-F238E27FC236}">
+                  <a16:creationId xmlns:a16="http://schemas.microsoft.com/office/drawing/2014/main" id="{E74CB59A-0AC3-4235-A93D-73EE12466967}"/>
+                </a:ext>
+                <a:ext uri="{C183D7F6-B498-43B3-948B-1728B52AA6E4}">
+                  <adec:decorative xmlns:adec="http://schemas.microsoft.com/office/drawing/2017/decorative" val="1"/>
+                </a:ext>
+              </a:extLst>
+            </p:cNvPr>
+            <p:cNvCxnSpPr/>
+            <p:nvPr>
+              <p:extLst>
+                <p:ext uri="{386F3935-93C4-4BCD-93E2-E3B085C9AB24}">
+                  <p16:designElem xmlns:p16="http://schemas.microsoft.com/office/powerpoint/2015/main" val="1"/>
+                </p:ext>
+              </p:extLst>
+            </p:nvPr>
+          </p:nvCxnSpPr>
+          <p:spPr>
+            <a:xfrm rot="1080000" flipH="1">
+              <a:off x="10373882" y="524355"/>
+              <a:ext cx="3394" cy="182880"/>
+            </a:xfrm>
+            <a:prstGeom prst="line">
+              <a:avLst/>
+            </a:prstGeom>
+            <a:ln>
+              <a:solidFill>
+                <a:srgbClr val="FFFFFF">
+                  <a:alpha val="30196"/>
+                </a:srgbClr>
+              </a:solidFill>
+            </a:ln>
+          </p:spPr>
+          <p:style>
+            <a:lnRef idx="1">
+              <a:schemeClr val="accent1"/>
+            </a:lnRef>
+            <a:fillRef idx="0">
+              <a:schemeClr val="accent1"/>
+            </a:fillRef>
+            <a:effectRef idx="0">
+              <a:schemeClr val="accent1"/>
+            </a:effectRef>
+            <a:fontRef idx="minor">
+              <a:schemeClr val="tx1"/>
+            </a:fontRef>
+          </p:style>
+        </p:cxnSp>
+        <p:cxnSp>
+          <p:nvCxnSpPr>
+            <p:cNvPr id="93" name="Straight Connector 92">
+              <a:extLst>
+                <a:ext uri="{FF2B5EF4-FFF2-40B4-BE49-F238E27FC236}">
+                  <a16:creationId xmlns:a16="http://schemas.microsoft.com/office/drawing/2014/main" id="{2B6E97A3-E95A-4D79-A8F8-1945EA2634FB}"/>
+                </a:ext>
+                <a:ext uri="{C183D7F6-B498-43B3-948B-1728B52AA6E4}">
+                  <adec:decorative xmlns:adec="http://schemas.microsoft.com/office/drawing/2017/decorative" val="1"/>
+                </a:ext>
+              </a:extLst>
+            </p:cNvPr>
+            <p:cNvCxnSpPr/>
+            <p:nvPr>
+              <p:extLst>
+                <p:ext uri="{386F3935-93C4-4BCD-93E2-E3B085C9AB24}">
+                  <p16:designElem xmlns:p16="http://schemas.microsoft.com/office/powerpoint/2015/main" val="1"/>
+                </p:ext>
+              </p:extLst>
+            </p:nvPr>
+          </p:nvCxnSpPr>
+          <p:spPr>
+            <a:xfrm rot="1200000" flipH="1">
+              <a:off x="10505632" y="570628"/>
+              <a:ext cx="3394" cy="182880"/>
+            </a:xfrm>
+            <a:prstGeom prst="line">
+              <a:avLst/>
+            </a:prstGeom>
+            <a:ln>
+              <a:solidFill>
+                <a:srgbClr val="FFFFFF">
+                  <a:alpha val="30196"/>
+                </a:srgbClr>
+              </a:solidFill>
+            </a:ln>
+          </p:spPr>
+          <p:style>
+            <a:lnRef idx="1">
+              <a:schemeClr val="accent1"/>
+            </a:lnRef>
+            <a:fillRef idx="0">
+              <a:schemeClr val="accent1"/>
+            </a:fillRef>
+            <a:effectRef idx="0">
+              <a:schemeClr val="accent1"/>
+            </a:effectRef>
+            <a:fontRef idx="minor">
+              <a:schemeClr val="tx1"/>
+            </a:fontRef>
+          </p:style>
+        </p:cxnSp>
+        <p:cxnSp>
+          <p:nvCxnSpPr>
+            <p:cNvPr id="94" name="Straight Connector 93">
+              <a:extLst>
+                <a:ext uri="{FF2B5EF4-FFF2-40B4-BE49-F238E27FC236}">
+                  <a16:creationId xmlns:a16="http://schemas.microsoft.com/office/drawing/2014/main" id="{9F4ABF86-0905-4DE8-8F0B-D10D3D6F9C41}"/>
+                </a:ext>
+                <a:ext uri="{C183D7F6-B498-43B3-948B-1728B52AA6E4}">
+                  <adec:decorative xmlns:adec="http://schemas.microsoft.com/office/drawing/2017/decorative" val="1"/>
+                </a:ext>
+              </a:extLst>
+            </p:cNvPr>
+            <p:cNvCxnSpPr/>
+            <p:nvPr>
+              <p:extLst>
+                <p:ext uri="{386F3935-93C4-4BCD-93E2-E3B085C9AB24}">
+                  <p16:designElem xmlns:p16="http://schemas.microsoft.com/office/powerpoint/2015/main" val="1"/>
+                </p:ext>
+              </p:extLst>
+            </p:nvPr>
+          </p:nvCxnSpPr>
+          <p:spPr>
+            <a:xfrm rot="1320000" flipH="1">
+              <a:off x="10637382" y="621344"/>
+              <a:ext cx="3394" cy="182880"/>
+            </a:xfrm>
+            <a:prstGeom prst="line">
+              <a:avLst/>
+            </a:prstGeom>
+            <a:ln>
+              <a:solidFill>
+                <a:srgbClr val="FFFFFF">
+                  <a:alpha val="30196"/>
+                </a:srgbClr>
+              </a:solidFill>
+            </a:ln>
+          </p:spPr>
+          <p:style>
+            <a:lnRef idx="1">
+              <a:schemeClr val="accent1"/>
+            </a:lnRef>
+            <a:fillRef idx="0">
+              <a:schemeClr val="accent1"/>
+            </a:fillRef>
+            <a:effectRef idx="0">
+              <a:schemeClr val="accent1"/>
+            </a:effectRef>
+            <a:fontRef idx="minor">
+              <a:schemeClr val="tx1"/>
+            </a:fontRef>
+          </p:style>
+        </p:cxnSp>
+        <p:cxnSp>
+          <p:nvCxnSpPr>
+            <p:cNvPr id="95" name="Straight Connector 94">
+              <a:extLst>
+                <a:ext uri="{FF2B5EF4-FFF2-40B4-BE49-F238E27FC236}">
+                  <a16:creationId xmlns:a16="http://schemas.microsoft.com/office/drawing/2014/main" id="{4FAAFEF7-DFA1-48C7-9E4E-FF7B1453C718}"/>
+                </a:ext>
+                <a:ext uri="{C183D7F6-B498-43B3-948B-1728B52AA6E4}">
+                  <adec:decorative xmlns:adec="http://schemas.microsoft.com/office/drawing/2017/decorative" val="1"/>
+                </a:ext>
+              </a:extLst>
+            </p:cNvPr>
+            <p:cNvCxnSpPr/>
+            <p:nvPr>
+              <p:extLst>
+                <p:ext uri="{386F3935-93C4-4BCD-93E2-E3B085C9AB24}">
+                  <p16:designElem xmlns:p16="http://schemas.microsoft.com/office/powerpoint/2015/main" val="1"/>
+                </p:ext>
+              </p:extLst>
+            </p:nvPr>
+          </p:nvCxnSpPr>
+          <p:spPr>
+            <a:xfrm rot="1440000" flipH="1">
+              <a:off x="10760965" y="690439"/>
+              <a:ext cx="3394" cy="182880"/>
+            </a:xfrm>
+            <a:prstGeom prst="line">
+              <a:avLst/>
+            </a:prstGeom>
+            <a:ln>
+              <a:solidFill>
+                <a:srgbClr val="FFFFFF">
+                  <a:alpha val="30196"/>
+                </a:srgbClr>
+              </a:solidFill>
+            </a:ln>
+          </p:spPr>
+          <p:style>
+            <a:lnRef idx="1">
+              <a:schemeClr val="accent1"/>
+            </a:lnRef>
+            <a:fillRef idx="0">
+              <a:schemeClr val="accent1"/>
+            </a:fillRef>
+            <a:effectRef idx="0">
+              <a:schemeClr val="accent1"/>
+            </a:effectRef>
+            <a:fontRef idx="minor">
+              <a:schemeClr val="tx1"/>
+            </a:fontRef>
+          </p:style>
+        </p:cxnSp>
+        <p:cxnSp>
+          <p:nvCxnSpPr>
+            <p:cNvPr id="96" name="Straight Connector 95">
+              <a:extLst>
+                <a:ext uri="{FF2B5EF4-FFF2-40B4-BE49-F238E27FC236}">
+                  <a16:creationId xmlns:a16="http://schemas.microsoft.com/office/drawing/2014/main" id="{ED828735-DFD9-4894-8461-77A2FB0C9276}"/>
+                </a:ext>
+                <a:ext uri="{C183D7F6-B498-43B3-948B-1728B52AA6E4}">
+                  <adec:decorative xmlns:adec="http://schemas.microsoft.com/office/drawing/2017/decorative" val="1"/>
+                </a:ext>
+              </a:extLst>
+            </p:cNvPr>
+            <p:cNvCxnSpPr/>
+            <p:nvPr>
+              <p:extLst>
+                <p:ext uri="{386F3935-93C4-4BCD-93E2-E3B085C9AB24}">
+                  <p16:designElem xmlns:p16="http://schemas.microsoft.com/office/powerpoint/2015/main" val="1"/>
+                </p:ext>
+              </p:extLst>
+            </p:nvPr>
+          </p:nvCxnSpPr>
+          <p:spPr>
+            <a:xfrm rot="1620000" flipH="1">
+              <a:off x="10888991" y="755091"/>
+              <a:ext cx="3394" cy="182880"/>
+            </a:xfrm>
+            <a:prstGeom prst="line">
+              <a:avLst/>
+            </a:prstGeom>
+            <a:ln>
+              <a:solidFill>
+                <a:srgbClr val="FFFFFF">
+                  <a:alpha val="30196"/>
+                </a:srgbClr>
+              </a:solidFill>
+            </a:ln>
+          </p:spPr>
+          <p:style>
+            <a:lnRef idx="1">
+              <a:schemeClr val="accent1"/>
+            </a:lnRef>
+            <a:fillRef idx="0">
+              <a:schemeClr val="accent1"/>
+            </a:fillRef>
+            <a:effectRef idx="0">
+              <a:schemeClr val="accent1"/>
+            </a:effectRef>
+            <a:fontRef idx="minor">
+              <a:schemeClr val="tx1"/>
+            </a:fontRef>
+          </p:style>
+        </p:cxnSp>
+        <p:cxnSp>
+          <p:nvCxnSpPr>
+            <p:cNvPr id="97" name="Straight Connector 96">
+              <a:extLst>
+                <a:ext uri="{FF2B5EF4-FFF2-40B4-BE49-F238E27FC236}">
+                  <a16:creationId xmlns:a16="http://schemas.microsoft.com/office/drawing/2014/main" id="{7A6C2585-E93E-489D-8819-FCEE3CFF11C5}"/>
+                </a:ext>
+                <a:ext uri="{C183D7F6-B498-43B3-948B-1728B52AA6E4}">
+                  <adec:decorative xmlns:adec="http://schemas.microsoft.com/office/drawing/2017/decorative" val="1"/>
+                </a:ext>
+              </a:extLst>
+            </p:cNvPr>
+            <p:cNvCxnSpPr/>
+            <p:nvPr>
+              <p:extLst>
+                <p:ext uri="{386F3935-93C4-4BCD-93E2-E3B085C9AB24}">
+                  <p16:designElem xmlns:p16="http://schemas.microsoft.com/office/powerpoint/2015/main" val="1"/>
+                </p:ext>
+              </p:extLst>
+            </p:nvPr>
+          </p:nvCxnSpPr>
+          <p:spPr>
+            <a:xfrm rot="1740000" flipH="1">
+              <a:off x="11010193" y="819743"/>
+              <a:ext cx="3394" cy="182880"/>
+            </a:xfrm>
+            <a:prstGeom prst="line">
+              <a:avLst/>
+            </a:prstGeom>
+            <a:ln>
+              <a:solidFill>
+                <a:srgbClr val="FFFFFF">
+                  <a:alpha val="30196"/>
+                </a:srgbClr>
+              </a:solidFill>
+            </a:ln>
+          </p:spPr>
+          <p:style>
+            <a:lnRef idx="1">
+              <a:schemeClr val="accent1"/>
+            </a:lnRef>
+            <a:fillRef idx="0">
+              <a:schemeClr val="accent1"/>
+            </a:fillRef>
+            <a:effectRef idx="0">
+              <a:schemeClr val="accent1"/>
+            </a:effectRef>
+            <a:fontRef idx="minor">
+              <a:schemeClr val="tx1"/>
+            </a:fontRef>
+          </p:style>
+        </p:cxnSp>
+        <p:cxnSp>
+          <p:nvCxnSpPr>
+            <p:cNvPr id="98" name="Straight Connector 97">
+              <a:extLst>
+                <a:ext uri="{FF2B5EF4-FFF2-40B4-BE49-F238E27FC236}">
+                  <a16:creationId xmlns:a16="http://schemas.microsoft.com/office/drawing/2014/main" id="{E57C1F25-FC5C-4082-B4F6-888F8E467EE5}"/>
+                </a:ext>
+                <a:ext uri="{C183D7F6-B498-43B3-948B-1728B52AA6E4}">
+                  <adec:decorative xmlns:adec="http://schemas.microsoft.com/office/drawing/2017/decorative" val="1"/>
+                </a:ext>
+              </a:extLst>
+            </p:cNvPr>
+            <p:cNvCxnSpPr/>
+            <p:nvPr>
+              <p:extLst>
+                <p:ext uri="{386F3935-93C4-4BCD-93E2-E3B085C9AB24}">
+                  <p16:designElem xmlns:p16="http://schemas.microsoft.com/office/powerpoint/2015/main" val="1"/>
+                </p:ext>
+              </p:extLst>
+            </p:nvPr>
+          </p:nvCxnSpPr>
+          <p:spPr>
+            <a:xfrm rot="1860000" flipH="1">
+              <a:off x="11129014" y="895662"/>
+              <a:ext cx="3394" cy="182880"/>
+            </a:xfrm>
+            <a:prstGeom prst="line">
+              <a:avLst/>
+            </a:prstGeom>
+            <a:ln>
+              <a:solidFill>
+                <a:srgbClr val="FFFFFF">
+                  <a:alpha val="30196"/>
+                </a:srgbClr>
+              </a:solidFill>
+            </a:ln>
+          </p:spPr>
+          <p:style>
+            <a:lnRef idx="1">
+              <a:schemeClr val="accent1"/>
+            </a:lnRef>
+            <a:fillRef idx="0">
+              <a:schemeClr val="accent1"/>
+            </a:fillRef>
+            <a:effectRef idx="0">
+              <a:schemeClr val="accent1"/>
+            </a:effectRef>
+            <a:fontRef idx="minor">
+              <a:schemeClr val="tx1"/>
+            </a:fontRef>
+          </p:style>
+        </p:cxnSp>
+        <p:cxnSp>
+          <p:nvCxnSpPr>
+            <p:cNvPr id="99" name="Straight Connector 98">
+              <a:extLst>
+                <a:ext uri="{FF2B5EF4-FFF2-40B4-BE49-F238E27FC236}">
+                  <a16:creationId xmlns:a16="http://schemas.microsoft.com/office/drawing/2014/main" id="{F5DF4BDB-CA1D-4DA1-8D26-6BAEE0A21AE7}"/>
+                </a:ext>
+                <a:ext uri="{C183D7F6-B498-43B3-948B-1728B52AA6E4}">
+                  <adec:decorative xmlns:adec="http://schemas.microsoft.com/office/drawing/2017/decorative" val="1"/>
+                </a:ext>
+              </a:extLst>
+            </p:cNvPr>
+            <p:cNvCxnSpPr/>
+            <p:nvPr>
+              <p:extLst>
+                <p:ext uri="{386F3935-93C4-4BCD-93E2-E3B085C9AB24}">
+                  <p16:designElem xmlns:p16="http://schemas.microsoft.com/office/powerpoint/2015/main" val="1"/>
+                </p:ext>
+              </p:extLst>
+            </p:nvPr>
+          </p:nvCxnSpPr>
+          <p:spPr>
+            <a:xfrm rot="1980000" flipH="1">
+              <a:off x="11249872" y="968091"/>
+              <a:ext cx="3394" cy="182880"/>
+            </a:xfrm>
+            <a:prstGeom prst="line">
+              <a:avLst/>
+            </a:prstGeom>
+            <a:ln>
+              <a:solidFill>
+                <a:srgbClr val="FFFFFF">
+                  <a:alpha val="30196"/>
+                </a:srgbClr>
+              </a:solidFill>
+            </a:ln>
+          </p:spPr>
+          <p:style>
+            <a:lnRef idx="1">
+              <a:schemeClr val="accent1"/>
+            </a:lnRef>
+            <a:fillRef idx="0">
+              <a:schemeClr val="accent1"/>
+            </a:fillRef>
+            <a:effectRef idx="0">
+              <a:schemeClr val="accent1"/>
+            </a:effectRef>
+            <a:fontRef idx="minor">
+              <a:schemeClr val="tx1"/>
+            </a:fontRef>
+          </p:style>
+        </p:cxnSp>
+        <p:cxnSp>
+          <p:nvCxnSpPr>
+            <p:cNvPr id="100" name="Straight Connector 99">
+              <a:extLst>
+                <a:ext uri="{FF2B5EF4-FFF2-40B4-BE49-F238E27FC236}">
+                  <a16:creationId xmlns:a16="http://schemas.microsoft.com/office/drawing/2014/main" id="{3315D2A0-DDA4-4A25-9CC7-7F90CCF0C409}"/>
+                </a:ext>
+                <a:ext uri="{C183D7F6-B498-43B3-948B-1728B52AA6E4}">
+                  <adec:decorative xmlns:adec="http://schemas.microsoft.com/office/drawing/2017/decorative" val="1"/>
+                </a:ext>
+              </a:extLst>
+            </p:cNvPr>
+            <p:cNvCxnSpPr/>
+            <p:nvPr>
+              <p:extLst>
+                <p:ext uri="{386F3935-93C4-4BCD-93E2-E3B085C9AB24}">
+                  <p16:designElem xmlns:p16="http://schemas.microsoft.com/office/powerpoint/2015/main" val="1"/>
+                </p:ext>
+              </p:extLst>
+            </p:nvPr>
+          </p:nvCxnSpPr>
+          <p:spPr>
+            <a:xfrm rot="2160000" flipH="1">
+              <a:off x="11366875" y="1048084"/>
+              <a:ext cx="3394" cy="182880"/>
+            </a:xfrm>
+            <a:prstGeom prst="line">
+              <a:avLst/>
+            </a:prstGeom>
+            <a:ln>
+              <a:solidFill>
+                <a:srgbClr val="FFFFFF">
+                  <a:alpha val="30196"/>
+                </a:srgbClr>
+              </a:solidFill>
+            </a:ln>
+          </p:spPr>
+          <p:style>
+            <a:lnRef idx="1">
+              <a:schemeClr val="accent1"/>
+            </a:lnRef>
+            <a:fillRef idx="0">
+              <a:schemeClr val="accent1"/>
+            </a:fillRef>
+            <a:effectRef idx="0">
+              <a:schemeClr val="accent1"/>
+            </a:effectRef>
+            <a:fontRef idx="minor">
+              <a:schemeClr val="tx1"/>
+            </a:fontRef>
+          </p:style>
+        </p:cxnSp>
+        <p:cxnSp>
+          <p:nvCxnSpPr>
+            <p:cNvPr id="101" name="Straight Connector 100">
+              <a:extLst>
+                <a:ext uri="{FF2B5EF4-FFF2-40B4-BE49-F238E27FC236}">
+                  <a16:creationId xmlns:a16="http://schemas.microsoft.com/office/drawing/2014/main" id="{75312B72-7E7D-4B0B-960E-7D7C9540EBDC}"/>
+                </a:ext>
+                <a:ext uri="{C183D7F6-B498-43B3-948B-1728B52AA6E4}">
+                  <adec:decorative xmlns:adec="http://schemas.microsoft.com/office/drawing/2017/decorative" val="1"/>
+                </a:ext>
+              </a:extLst>
+            </p:cNvPr>
+            <p:cNvCxnSpPr/>
+            <p:nvPr>
+              <p:extLst>
+                <p:ext uri="{386F3935-93C4-4BCD-93E2-E3B085C9AB24}">
+                  <p16:designElem xmlns:p16="http://schemas.microsoft.com/office/powerpoint/2015/main" val="1"/>
+                </p:ext>
+              </p:extLst>
+            </p:nvPr>
+          </p:nvCxnSpPr>
+          <p:spPr>
+            <a:xfrm rot="2280000" flipH="1">
+              <a:off x="11474058" y="1131525"/>
+              <a:ext cx="3394" cy="182880"/>
+            </a:xfrm>
+            <a:prstGeom prst="line">
+              <a:avLst/>
+            </a:prstGeom>
+            <a:ln>
+              <a:solidFill>
+                <a:srgbClr val="FFFFFF">
+                  <a:alpha val="30196"/>
+                </a:srgbClr>
+              </a:solidFill>
+            </a:ln>
+          </p:spPr>
+          <p:style>
+            <a:lnRef idx="1">
+              <a:schemeClr val="accent1"/>
+            </a:lnRef>
+            <a:fillRef idx="0">
+              <a:schemeClr val="accent1"/>
+            </a:fillRef>
+            <a:effectRef idx="0">
+              <a:schemeClr val="accent1"/>
+            </a:effectRef>
+            <a:fontRef idx="minor">
+              <a:schemeClr val="tx1"/>
+            </a:fontRef>
+          </p:style>
+        </p:cxnSp>
+        <p:cxnSp>
+          <p:nvCxnSpPr>
+            <p:cNvPr id="102" name="Straight Connector 101">
+              <a:extLst>
+                <a:ext uri="{FF2B5EF4-FFF2-40B4-BE49-F238E27FC236}">
+                  <a16:creationId xmlns:a16="http://schemas.microsoft.com/office/drawing/2014/main" id="{C48B42BB-3C0E-4546-957B-AB593E308C93}"/>
+                </a:ext>
+                <a:ext uri="{C183D7F6-B498-43B3-948B-1728B52AA6E4}">
+                  <adec:decorative xmlns:adec="http://schemas.microsoft.com/office/drawing/2017/decorative" val="1"/>
+                </a:ext>
+              </a:extLst>
+            </p:cNvPr>
+            <p:cNvCxnSpPr/>
+            <p:nvPr>
+              <p:extLst>
+                <p:ext uri="{386F3935-93C4-4BCD-93E2-E3B085C9AB24}">
+                  <p16:designElem xmlns:p16="http://schemas.microsoft.com/office/powerpoint/2015/main" val="1"/>
+                </p:ext>
+              </p:extLst>
+            </p:nvPr>
+          </p:nvCxnSpPr>
+          <p:spPr>
+            <a:xfrm rot="2400000" flipH="1">
+              <a:off x="11583303" y="1221790"/>
+              <a:ext cx="3394" cy="182880"/>
+            </a:xfrm>
+            <a:prstGeom prst="line">
+              <a:avLst/>
+            </a:prstGeom>
+            <a:ln>
+              <a:solidFill>
+                <a:srgbClr val="FFFFFF">
+                  <a:alpha val="30196"/>
+                </a:srgbClr>
+              </a:solidFill>
+            </a:ln>
+          </p:spPr>
+          <p:style>
+            <a:lnRef idx="1">
+              <a:schemeClr val="accent1"/>
+            </a:lnRef>
+            <a:fillRef idx="0">
+              <a:schemeClr val="accent1"/>
+            </a:fillRef>
+            <a:effectRef idx="0">
+              <a:schemeClr val="accent1"/>
+            </a:effectRef>
+            <a:fontRef idx="minor">
+              <a:schemeClr val="tx1"/>
+            </a:fontRef>
+          </p:style>
+        </p:cxnSp>
+        <p:cxnSp>
+          <p:nvCxnSpPr>
+            <p:cNvPr id="103" name="Straight Connector 102">
+              <a:extLst>
+                <a:ext uri="{FF2B5EF4-FFF2-40B4-BE49-F238E27FC236}">
+                  <a16:creationId xmlns:a16="http://schemas.microsoft.com/office/drawing/2014/main" id="{437809D5-5F69-4BC6-A661-44B2A8A68220}"/>
+                </a:ext>
+                <a:ext uri="{C183D7F6-B498-43B3-948B-1728B52AA6E4}">
+                  <adec:decorative xmlns:adec="http://schemas.microsoft.com/office/drawing/2017/decorative" val="1"/>
+                </a:ext>
+              </a:extLst>
+            </p:cNvPr>
+            <p:cNvCxnSpPr/>
+            <p:nvPr>
+              <p:extLst>
+                <p:ext uri="{386F3935-93C4-4BCD-93E2-E3B085C9AB24}">
+                  <p16:designElem xmlns:p16="http://schemas.microsoft.com/office/powerpoint/2015/main" val="1"/>
+                </p:ext>
+              </p:extLst>
+            </p:nvPr>
+          </p:nvCxnSpPr>
+          <p:spPr>
+            <a:xfrm rot="2520000" flipH="1">
+              <a:off x="11685344" y="1321772"/>
+              <a:ext cx="3394" cy="182880"/>
+            </a:xfrm>
+            <a:prstGeom prst="line">
+              <a:avLst/>
+            </a:prstGeom>
+            <a:ln>
+              <a:solidFill>
+                <a:srgbClr val="FFFFFF">
+                  <a:alpha val="30196"/>
+                </a:srgbClr>
+              </a:solidFill>
+            </a:ln>
+          </p:spPr>
+          <p:style>
+            <a:lnRef idx="1">
+              <a:schemeClr val="accent1"/>
+            </a:lnRef>
+            <a:fillRef idx="0">
+              <a:schemeClr val="accent1"/>
+            </a:fillRef>
+            <a:effectRef idx="0">
+              <a:schemeClr val="accent1"/>
+            </a:effectRef>
+            <a:fontRef idx="minor">
+              <a:schemeClr val="tx1"/>
+            </a:fontRef>
+          </p:style>
+        </p:cxnSp>
+        <p:cxnSp>
+          <p:nvCxnSpPr>
+            <p:cNvPr id="104" name="Straight Connector 103">
+              <a:extLst>
+                <a:ext uri="{FF2B5EF4-FFF2-40B4-BE49-F238E27FC236}">
+                  <a16:creationId xmlns:a16="http://schemas.microsoft.com/office/drawing/2014/main" id="{B269CB4C-8BB5-4F63-8961-7EB8FE56D44A}"/>
+                </a:ext>
+                <a:ext uri="{C183D7F6-B498-43B3-948B-1728B52AA6E4}">
+                  <adec:decorative xmlns:adec="http://schemas.microsoft.com/office/drawing/2017/decorative" val="1"/>
+                </a:ext>
+              </a:extLst>
+            </p:cNvPr>
+            <p:cNvCxnSpPr/>
+            <p:nvPr>
+              <p:extLst>
+                <p:ext uri="{386F3935-93C4-4BCD-93E2-E3B085C9AB24}">
+                  <p16:designElem xmlns:p16="http://schemas.microsoft.com/office/powerpoint/2015/main" val="1"/>
+                </p:ext>
+              </p:extLst>
+            </p:nvPr>
+          </p:nvCxnSpPr>
+          <p:spPr>
+            <a:xfrm rot="2700000" flipH="1">
+              <a:off x="11787704" y="1417630"/>
+              <a:ext cx="3394" cy="182880"/>
+            </a:xfrm>
+            <a:prstGeom prst="line">
+              <a:avLst/>
+            </a:prstGeom>
+            <a:ln>
+              <a:solidFill>
+                <a:srgbClr val="FFFFFF">
+                  <a:alpha val="30196"/>
+                </a:srgbClr>
+              </a:solidFill>
+            </a:ln>
+          </p:spPr>
+          <p:style>
+            <a:lnRef idx="1">
+              <a:schemeClr val="accent1"/>
+            </a:lnRef>
+            <a:fillRef idx="0">
+              <a:schemeClr val="accent1"/>
+            </a:fillRef>
+            <a:effectRef idx="0">
+              <a:schemeClr val="accent1"/>
+            </a:effectRef>
+            <a:fontRef idx="minor">
+              <a:schemeClr val="tx1"/>
+            </a:fontRef>
+          </p:style>
+        </p:cxnSp>
+        <p:cxnSp>
+          <p:nvCxnSpPr>
+            <p:cNvPr id="105" name="Straight Connector 104">
+              <a:extLst>
+                <a:ext uri="{FF2B5EF4-FFF2-40B4-BE49-F238E27FC236}">
+                  <a16:creationId xmlns:a16="http://schemas.microsoft.com/office/drawing/2014/main" id="{D5E7B60C-3F52-49EA-99F5-BE42AF88DD33}"/>
+                </a:ext>
+                <a:ext uri="{C183D7F6-B498-43B3-948B-1728B52AA6E4}">
+                  <adec:decorative xmlns:adec="http://schemas.microsoft.com/office/drawing/2017/decorative" val="1"/>
+                </a:ext>
+              </a:extLst>
+            </p:cNvPr>
+            <p:cNvCxnSpPr/>
+            <p:nvPr>
+              <p:extLst>
+                <p:ext uri="{386F3935-93C4-4BCD-93E2-E3B085C9AB24}">
+                  <p16:designElem xmlns:p16="http://schemas.microsoft.com/office/powerpoint/2015/main" val="1"/>
+                </p:ext>
+              </p:extLst>
+            </p:nvPr>
+          </p:nvCxnSpPr>
+          <p:spPr>
+            <a:xfrm rot="2820000" flipH="1">
+              <a:off x="11880859" y="1517931"/>
+              <a:ext cx="3394" cy="182880"/>
+            </a:xfrm>
+            <a:prstGeom prst="line">
+              <a:avLst/>
+            </a:prstGeom>
+            <a:ln>
+              <a:solidFill>
+                <a:srgbClr val="FFFFFF">
+                  <a:alpha val="30196"/>
+                </a:srgbClr>
+              </a:solidFill>
+            </a:ln>
+          </p:spPr>
+          <p:style>
+            <a:lnRef idx="1">
+              <a:schemeClr val="accent1"/>
+            </a:lnRef>
+            <a:fillRef idx="0">
+              <a:schemeClr val="accent1"/>
+            </a:fillRef>
+            <a:effectRef idx="0">
+              <a:schemeClr val="accent1"/>
+            </a:effectRef>
+            <a:fontRef idx="minor">
+              <a:schemeClr val="tx1"/>
+            </a:fontRef>
+          </p:style>
+        </p:cxnSp>
+        <p:cxnSp>
+          <p:nvCxnSpPr>
+            <p:cNvPr id="106" name="Straight Connector 105">
+              <a:extLst>
+                <a:ext uri="{FF2B5EF4-FFF2-40B4-BE49-F238E27FC236}">
+                  <a16:creationId xmlns:a16="http://schemas.microsoft.com/office/drawing/2014/main" id="{1C5E885C-0F0D-4E11-8B78-4CE951E26921}"/>
+                </a:ext>
+                <a:ext uri="{C183D7F6-B498-43B3-948B-1728B52AA6E4}">
+                  <adec:decorative xmlns:adec="http://schemas.microsoft.com/office/drawing/2017/decorative" val="1"/>
+                </a:ext>
+              </a:extLst>
+            </p:cNvPr>
+            <p:cNvCxnSpPr/>
+            <p:nvPr>
+              <p:extLst>
+                <p:ext uri="{386F3935-93C4-4BCD-93E2-E3B085C9AB24}">
+                  <p16:designElem xmlns:p16="http://schemas.microsoft.com/office/powerpoint/2015/main" val="1"/>
+                </p:ext>
+              </p:extLst>
+            </p:nvPr>
+          </p:nvCxnSpPr>
+          <p:spPr>
+            <a:xfrm rot="2940000" flipH="1">
+              <a:off x="11969252" y="1627437"/>
+              <a:ext cx="3394" cy="182880"/>
+            </a:xfrm>
+            <a:prstGeom prst="line">
+              <a:avLst/>
+            </a:prstGeom>
+            <a:ln>
+              <a:solidFill>
+                <a:srgbClr val="FFFFFF">
+                  <a:alpha val="30196"/>
+                </a:srgbClr>
+              </a:solidFill>
+            </a:ln>
+          </p:spPr>
+          <p:style>
+            <a:lnRef idx="1">
+              <a:schemeClr val="accent1"/>
+            </a:lnRef>
+            <a:fillRef idx="0">
+              <a:schemeClr val="accent1"/>
+            </a:fillRef>
+            <a:effectRef idx="0">
+              <a:schemeClr val="accent1"/>
+            </a:effectRef>
+            <a:fontRef idx="minor">
+              <a:schemeClr val="tx1"/>
+            </a:fontRef>
+          </p:style>
+        </p:cxnSp>
+        <p:cxnSp>
+          <p:nvCxnSpPr>
+            <p:cNvPr id="107" name="Straight Connector 106">
+              <a:extLst>
+                <a:ext uri="{FF2B5EF4-FFF2-40B4-BE49-F238E27FC236}">
+                  <a16:creationId xmlns:a16="http://schemas.microsoft.com/office/drawing/2014/main" id="{4BFA6E20-F564-4CA4-9150-FDD50B02CD24}"/>
+                </a:ext>
+                <a:ext uri="{C183D7F6-B498-43B3-948B-1728B52AA6E4}">
+                  <adec:decorative xmlns:adec="http://schemas.microsoft.com/office/drawing/2017/decorative" val="1"/>
+                </a:ext>
+              </a:extLst>
+            </p:cNvPr>
+            <p:cNvCxnSpPr/>
+            <p:nvPr>
+              <p:extLst>
+                <p:ext uri="{386F3935-93C4-4BCD-93E2-E3B085C9AB24}">
+                  <p16:designElem xmlns:p16="http://schemas.microsoft.com/office/powerpoint/2015/main" val="1"/>
+                </p:ext>
+              </p:extLst>
+            </p:nvPr>
+          </p:nvCxnSpPr>
+          <p:spPr>
+            <a:xfrm rot="3060000" flipH="1">
+              <a:off x="12062016" y="1736011"/>
+              <a:ext cx="3394" cy="182880"/>
+            </a:xfrm>
+            <a:prstGeom prst="line">
+              <a:avLst/>
+            </a:prstGeom>
+            <a:ln>
+              <a:solidFill>
+                <a:srgbClr val="FFFFFF">
+                  <a:alpha val="30196"/>
+                </a:srgbClr>
+              </a:solidFill>
+            </a:ln>
+          </p:spPr>
+          <p:style>
+            <a:lnRef idx="1">
+              <a:schemeClr val="accent1"/>
+            </a:lnRef>
+            <a:fillRef idx="0">
+              <a:schemeClr val="accent1"/>
+            </a:fillRef>
+            <a:effectRef idx="0">
+              <a:schemeClr val="accent1"/>
+            </a:effectRef>
+            <a:fontRef idx="minor">
+              <a:schemeClr val="tx1"/>
+            </a:fontRef>
+          </p:style>
+        </p:cxnSp>
+        <p:cxnSp>
+          <p:nvCxnSpPr>
+            <p:cNvPr id="108" name="Straight Connector 107">
+              <a:extLst>
+                <a:ext uri="{FF2B5EF4-FFF2-40B4-BE49-F238E27FC236}">
+                  <a16:creationId xmlns:a16="http://schemas.microsoft.com/office/drawing/2014/main" id="{C3C02C6B-B913-486F-ACAE-432DE1F7704D}"/>
+                </a:ext>
+                <a:ext uri="{C183D7F6-B498-43B3-948B-1728B52AA6E4}">
+                  <adec:decorative xmlns:adec="http://schemas.microsoft.com/office/drawing/2017/decorative" val="1"/>
+                </a:ext>
+              </a:extLst>
+            </p:cNvPr>
+            <p:cNvCxnSpPr/>
+            <p:nvPr>
+              <p:extLst>
+                <p:ext uri="{386F3935-93C4-4BCD-93E2-E3B085C9AB24}">
+                  <p16:designElem xmlns:p16="http://schemas.microsoft.com/office/powerpoint/2015/main" val="1"/>
+                </p:ext>
+              </p:extLst>
+            </p:nvPr>
+          </p:nvCxnSpPr>
+          <p:spPr>
+            <a:xfrm flipH="1">
+              <a:off x="12074680" y="1910249"/>
+              <a:ext cx="117320" cy="82912"/>
+            </a:xfrm>
+            <a:prstGeom prst="line">
+              <a:avLst/>
+            </a:prstGeom>
+            <a:ln>
+              <a:solidFill>
+                <a:srgbClr val="FFFFFF">
+                  <a:alpha val="30196"/>
+                </a:srgbClr>
+              </a:solidFill>
+            </a:ln>
+          </p:spPr>
+          <p:style>
+            <a:lnRef idx="1">
+              <a:schemeClr val="accent1"/>
+            </a:lnRef>
+            <a:fillRef idx="0">
+              <a:schemeClr val="accent1"/>
+            </a:fillRef>
+            <a:effectRef idx="0">
+              <a:schemeClr val="accent1"/>
+            </a:effectRef>
+            <a:fontRef idx="minor">
+              <a:schemeClr val="tx1"/>
+            </a:fontRef>
+          </p:style>
+        </p:cxnSp>
+        <p:cxnSp>
+          <p:nvCxnSpPr>
+            <p:cNvPr id="109" name="Straight Connector 108">
+              <a:extLst>
+                <a:ext uri="{FF2B5EF4-FFF2-40B4-BE49-F238E27FC236}">
+                  <a16:creationId xmlns:a16="http://schemas.microsoft.com/office/drawing/2014/main" id="{B6B5EE64-D401-45A4-82D4-85D4BF5C8EC6}"/>
+                </a:ext>
+                <a:ext uri="{C183D7F6-B498-43B3-948B-1728B52AA6E4}">
+                  <adec:decorative xmlns:adec="http://schemas.microsoft.com/office/drawing/2017/decorative" val="1"/>
+                </a:ext>
+              </a:extLst>
+            </p:cNvPr>
+            <p:cNvCxnSpPr/>
+            <p:nvPr>
+              <p:extLst>
+                <p:ext uri="{386F3935-93C4-4BCD-93E2-E3B085C9AB24}">
+                  <p16:designElem xmlns:p16="http://schemas.microsoft.com/office/powerpoint/2015/main" val="1"/>
+                </p:ext>
+              </p:extLst>
+            </p:nvPr>
+          </p:nvCxnSpPr>
+          <p:spPr>
+            <a:xfrm flipH="1">
+              <a:off x="12149943" y="2083594"/>
+              <a:ext cx="39676" cy="21436"/>
+            </a:xfrm>
+            <a:prstGeom prst="line">
+              <a:avLst/>
+            </a:prstGeom>
+            <a:ln>
+              <a:solidFill>
+                <a:srgbClr val="FFFFFF">
+                  <a:alpha val="30196"/>
+                </a:srgbClr>
+              </a:solidFill>
+            </a:ln>
+          </p:spPr>
+          <p:style>
+            <a:lnRef idx="1">
+              <a:schemeClr val="accent1"/>
+            </a:lnRef>
+            <a:fillRef idx="0">
+              <a:schemeClr val="accent1"/>
+            </a:fillRef>
+            <a:effectRef idx="0">
+              <a:schemeClr val="accent1"/>
+            </a:effectRef>
+            <a:fontRef idx="minor">
+              <a:schemeClr val="tx1"/>
+            </a:fontRef>
+          </p:style>
+        </p:cxnSp>
+        <p:cxnSp>
+          <p:nvCxnSpPr>
+            <p:cNvPr id="110" name="Straight Connector 109">
+              <a:extLst>
+                <a:ext uri="{FF2B5EF4-FFF2-40B4-BE49-F238E27FC236}">
+                  <a16:creationId xmlns:a16="http://schemas.microsoft.com/office/drawing/2014/main" id="{5F622D05-678C-405E-A74F-8D92A9C64438}"/>
+                </a:ext>
+                <a:ext uri="{C183D7F6-B498-43B3-948B-1728B52AA6E4}">
+                  <adec:decorative xmlns:adec="http://schemas.microsoft.com/office/drawing/2017/decorative" val="1"/>
+                </a:ext>
+              </a:extLst>
+            </p:cNvPr>
+            <p:cNvCxnSpPr/>
+            <p:nvPr>
+              <p:extLst>
+                <p:ext uri="{386F3935-93C4-4BCD-93E2-E3B085C9AB24}">
+                  <p16:designElem xmlns:p16="http://schemas.microsoft.com/office/powerpoint/2015/main" val="1"/>
+                </p:ext>
+              </p:extLst>
+            </p:nvPr>
+          </p:nvCxnSpPr>
+          <p:spPr>
+            <a:xfrm rot="-180000" flipH="1">
+              <a:off x="9127990" y="334251"/>
+              <a:ext cx="3394" cy="182880"/>
+            </a:xfrm>
+            <a:prstGeom prst="line">
+              <a:avLst/>
+            </a:prstGeom>
+            <a:ln>
+              <a:solidFill>
+                <a:srgbClr val="FFFFFF">
+                  <a:alpha val="30196"/>
+                </a:srgbClr>
+              </a:solidFill>
+            </a:ln>
+          </p:spPr>
+          <p:style>
+            <a:lnRef idx="1">
+              <a:schemeClr val="accent1"/>
+            </a:lnRef>
+            <a:fillRef idx="0">
+              <a:schemeClr val="accent1"/>
+            </a:fillRef>
+            <a:effectRef idx="0">
+              <a:schemeClr val="accent1"/>
+            </a:effectRef>
+            <a:fontRef idx="minor">
+              <a:schemeClr val="tx1"/>
+            </a:fontRef>
+          </p:style>
+        </p:cxnSp>
+        <p:cxnSp>
+          <p:nvCxnSpPr>
+            <p:cNvPr id="111" name="Straight Connector 110">
+              <a:extLst>
+                <a:ext uri="{FF2B5EF4-FFF2-40B4-BE49-F238E27FC236}">
+                  <a16:creationId xmlns:a16="http://schemas.microsoft.com/office/drawing/2014/main" id="{D8E01EF1-6517-49CC-9891-1BD6D0F49D00}"/>
+                </a:ext>
+                <a:ext uri="{C183D7F6-B498-43B3-948B-1728B52AA6E4}">
+                  <adec:decorative xmlns:adec="http://schemas.microsoft.com/office/drawing/2017/decorative" val="1"/>
+                </a:ext>
+              </a:extLst>
+            </p:cNvPr>
+            <p:cNvCxnSpPr/>
+            <p:nvPr>
+              <p:extLst>
+                <p:ext uri="{386F3935-93C4-4BCD-93E2-E3B085C9AB24}">
+                  <p16:designElem xmlns:p16="http://schemas.microsoft.com/office/powerpoint/2015/main" val="1"/>
+                </p:ext>
+              </p:extLst>
+            </p:nvPr>
+          </p:nvCxnSpPr>
+          <p:spPr>
+            <a:xfrm rot="-300000" flipH="1">
+              <a:off x="8987576" y="336633"/>
+              <a:ext cx="3394" cy="182880"/>
+            </a:xfrm>
+            <a:prstGeom prst="line">
+              <a:avLst/>
+            </a:prstGeom>
+            <a:ln>
+              <a:solidFill>
+                <a:srgbClr val="FFFFFF">
+                  <a:alpha val="30196"/>
+                </a:srgbClr>
+              </a:solidFill>
+            </a:ln>
+          </p:spPr>
+          <p:style>
+            <a:lnRef idx="1">
+              <a:schemeClr val="accent1"/>
+            </a:lnRef>
+            <a:fillRef idx="0">
+              <a:schemeClr val="accent1"/>
+            </a:fillRef>
+            <a:effectRef idx="0">
+              <a:schemeClr val="accent1"/>
+            </a:effectRef>
+            <a:fontRef idx="minor">
+              <a:schemeClr val="tx1"/>
+            </a:fontRef>
+          </p:style>
+        </p:cxnSp>
+        <p:cxnSp>
+          <p:nvCxnSpPr>
+            <p:cNvPr id="112" name="Straight Connector 111">
+              <a:extLst>
+                <a:ext uri="{FF2B5EF4-FFF2-40B4-BE49-F238E27FC236}">
+                  <a16:creationId xmlns:a16="http://schemas.microsoft.com/office/drawing/2014/main" id="{EC93E79A-63A6-4782-9D2C-BC50CD3B9444}"/>
+                </a:ext>
+                <a:ext uri="{C183D7F6-B498-43B3-948B-1728B52AA6E4}">
+                  <adec:decorative xmlns:adec="http://schemas.microsoft.com/office/drawing/2017/decorative" val="1"/>
+                </a:ext>
+              </a:extLst>
+            </p:cNvPr>
+            <p:cNvCxnSpPr/>
+            <p:nvPr>
+              <p:extLst>
+                <p:ext uri="{386F3935-93C4-4BCD-93E2-E3B085C9AB24}">
+                  <p16:designElem xmlns:p16="http://schemas.microsoft.com/office/powerpoint/2015/main" val="1"/>
+                </p:ext>
+              </p:extLst>
+            </p:nvPr>
+          </p:nvCxnSpPr>
+          <p:spPr>
+            <a:xfrm rot="-420000" flipH="1">
+              <a:off x="8844859" y="351176"/>
+              <a:ext cx="3394" cy="182880"/>
+            </a:xfrm>
+            <a:prstGeom prst="line">
+              <a:avLst/>
+            </a:prstGeom>
+            <a:ln>
+              <a:solidFill>
+                <a:srgbClr val="FFFFFF">
+                  <a:alpha val="30196"/>
+                </a:srgbClr>
+              </a:solidFill>
+            </a:ln>
+          </p:spPr>
+          <p:style>
+            <a:lnRef idx="1">
+              <a:schemeClr val="accent1"/>
+            </a:lnRef>
+            <a:fillRef idx="0">
+              <a:schemeClr val="accent1"/>
+            </a:fillRef>
+            <a:effectRef idx="0">
+              <a:schemeClr val="accent1"/>
+            </a:effectRef>
+            <a:fontRef idx="minor">
+              <a:schemeClr val="tx1"/>
+            </a:fontRef>
+          </p:style>
+        </p:cxnSp>
+        <p:cxnSp>
+          <p:nvCxnSpPr>
+            <p:cNvPr id="113" name="Straight Connector 112">
+              <a:extLst>
+                <a:ext uri="{FF2B5EF4-FFF2-40B4-BE49-F238E27FC236}">
+                  <a16:creationId xmlns:a16="http://schemas.microsoft.com/office/drawing/2014/main" id="{46C4B4DB-9B57-4C69-96EB-3E1910CEF40A}"/>
+                </a:ext>
+                <a:ext uri="{C183D7F6-B498-43B3-948B-1728B52AA6E4}">
+                  <adec:decorative xmlns:adec="http://schemas.microsoft.com/office/drawing/2017/decorative" val="1"/>
+                </a:ext>
+              </a:extLst>
+            </p:cNvPr>
+            <p:cNvCxnSpPr/>
+            <p:nvPr>
+              <p:extLst>
+                <p:ext uri="{386F3935-93C4-4BCD-93E2-E3B085C9AB24}">
+                  <p16:designElem xmlns:p16="http://schemas.microsoft.com/office/powerpoint/2015/main" val="1"/>
+                </p:ext>
+              </p:extLst>
+            </p:nvPr>
+          </p:nvCxnSpPr>
+          <p:spPr>
+            <a:xfrm rot="-540000" flipH="1">
+              <a:off x="8706904" y="365719"/>
+              <a:ext cx="3394" cy="182880"/>
+            </a:xfrm>
+            <a:prstGeom prst="line">
+              <a:avLst/>
+            </a:prstGeom>
+            <a:ln>
+              <a:solidFill>
+                <a:srgbClr val="FFFFFF">
+                  <a:alpha val="30196"/>
+                </a:srgbClr>
+              </a:solidFill>
+            </a:ln>
+          </p:spPr>
+          <p:style>
+            <a:lnRef idx="1">
+              <a:schemeClr val="accent1"/>
+            </a:lnRef>
+            <a:fillRef idx="0">
+              <a:schemeClr val="accent1"/>
+            </a:fillRef>
+            <a:effectRef idx="0">
+              <a:schemeClr val="accent1"/>
+            </a:effectRef>
+            <a:fontRef idx="minor">
+              <a:schemeClr val="tx1"/>
+            </a:fontRef>
+          </p:style>
+        </p:cxnSp>
+        <p:cxnSp>
+          <p:nvCxnSpPr>
+            <p:cNvPr id="114" name="Straight Connector 113">
+              <a:extLst>
+                <a:ext uri="{FF2B5EF4-FFF2-40B4-BE49-F238E27FC236}">
+                  <a16:creationId xmlns:a16="http://schemas.microsoft.com/office/drawing/2014/main" id="{9BBDCDA7-4ECB-42B1-8524-3D30023D6B68}"/>
+                </a:ext>
+                <a:ext uri="{C183D7F6-B498-43B3-948B-1728B52AA6E4}">
+                  <adec:decorative xmlns:adec="http://schemas.microsoft.com/office/drawing/2017/decorative" val="1"/>
+                </a:ext>
+              </a:extLst>
+            </p:cNvPr>
+            <p:cNvCxnSpPr/>
+            <p:nvPr>
+              <p:extLst>
+                <p:ext uri="{386F3935-93C4-4BCD-93E2-E3B085C9AB24}">
+                  <p16:designElem xmlns:p16="http://schemas.microsoft.com/office/powerpoint/2015/main" val="1"/>
+                </p:ext>
+              </p:extLst>
+            </p:nvPr>
+          </p:nvCxnSpPr>
+          <p:spPr>
+            <a:xfrm rot="-720000" flipH="1">
+              <a:off x="8568008" y="387891"/>
+              <a:ext cx="3394" cy="182880"/>
+            </a:xfrm>
+            <a:prstGeom prst="line">
+              <a:avLst/>
+            </a:prstGeom>
+            <a:ln>
+              <a:solidFill>
+                <a:srgbClr val="FFFFFF">
+                  <a:alpha val="30196"/>
+                </a:srgbClr>
+              </a:solidFill>
+            </a:ln>
+          </p:spPr>
+          <p:style>
+            <a:lnRef idx="1">
+              <a:schemeClr val="accent1"/>
+            </a:lnRef>
+            <a:fillRef idx="0">
+              <a:schemeClr val="accent1"/>
+            </a:fillRef>
+            <a:effectRef idx="0">
+              <a:schemeClr val="accent1"/>
+            </a:effectRef>
+            <a:fontRef idx="minor">
+              <a:schemeClr val="tx1"/>
+            </a:fontRef>
+          </p:style>
+        </p:cxnSp>
+        <p:cxnSp>
+          <p:nvCxnSpPr>
+            <p:cNvPr id="115" name="Straight Connector 114">
+              <a:extLst>
+                <a:ext uri="{FF2B5EF4-FFF2-40B4-BE49-F238E27FC236}">
+                  <a16:creationId xmlns:a16="http://schemas.microsoft.com/office/drawing/2014/main" id="{C7483057-DCDA-4BC6-8E99-7EAD94E8786A}"/>
+                </a:ext>
+                <a:ext uri="{C183D7F6-B498-43B3-948B-1728B52AA6E4}">
+                  <adec:decorative xmlns:adec="http://schemas.microsoft.com/office/drawing/2017/decorative" val="1"/>
+                </a:ext>
+              </a:extLst>
+            </p:cNvPr>
+            <p:cNvCxnSpPr/>
+            <p:nvPr>
+              <p:extLst>
+                <p:ext uri="{386F3935-93C4-4BCD-93E2-E3B085C9AB24}">
+                  <p16:designElem xmlns:p16="http://schemas.microsoft.com/office/powerpoint/2015/main" val="1"/>
+                </p:ext>
+              </p:extLst>
+            </p:nvPr>
+          </p:nvCxnSpPr>
+          <p:spPr>
+            <a:xfrm rot="-840000" flipH="1">
+              <a:off x="8429112" y="410063"/>
+              <a:ext cx="3394" cy="182880"/>
+            </a:xfrm>
+            <a:prstGeom prst="line">
+              <a:avLst/>
+            </a:prstGeom>
+            <a:ln>
+              <a:solidFill>
+                <a:srgbClr val="FFFFFF">
+                  <a:alpha val="30196"/>
+                </a:srgbClr>
+              </a:solidFill>
+            </a:ln>
+          </p:spPr>
+          <p:style>
+            <a:lnRef idx="1">
+              <a:schemeClr val="accent1"/>
+            </a:lnRef>
+            <a:fillRef idx="0">
+              <a:schemeClr val="accent1"/>
+            </a:fillRef>
+            <a:effectRef idx="0">
+              <a:schemeClr val="accent1"/>
+            </a:effectRef>
+            <a:fontRef idx="minor">
+              <a:schemeClr val="tx1"/>
+            </a:fontRef>
+          </p:style>
+        </p:cxnSp>
+        <p:cxnSp>
+          <p:nvCxnSpPr>
+            <p:cNvPr id="116" name="Straight Connector 115">
+              <a:extLst>
+                <a:ext uri="{FF2B5EF4-FFF2-40B4-BE49-F238E27FC236}">
+                  <a16:creationId xmlns:a16="http://schemas.microsoft.com/office/drawing/2014/main" id="{E5C35A56-0BFD-443F-8C2B-CA73A3BFE9E5}"/>
+                </a:ext>
+                <a:ext uri="{C183D7F6-B498-43B3-948B-1728B52AA6E4}">
+                  <adec:decorative xmlns:adec="http://schemas.microsoft.com/office/drawing/2017/decorative" val="1"/>
+                </a:ext>
+              </a:extLst>
+            </p:cNvPr>
+            <p:cNvCxnSpPr/>
+            <p:nvPr>
+              <p:extLst>
+                <p:ext uri="{386F3935-93C4-4BCD-93E2-E3B085C9AB24}">
+                  <p16:designElem xmlns:p16="http://schemas.microsoft.com/office/powerpoint/2015/main" val="1"/>
+                </p:ext>
+              </p:extLst>
+            </p:nvPr>
+          </p:nvCxnSpPr>
+          <p:spPr>
+            <a:xfrm rot="-960000" flipH="1">
+              <a:off x="8294968" y="446219"/>
+              <a:ext cx="3394" cy="182880"/>
+            </a:xfrm>
+            <a:prstGeom prst="line">
+              <a:avLst/>
+            </a:prstGeom>
+            <a:ln>
+              <a:solidFill>
+                <a:srgbClr val="FFFFFF">
+                  <a:alpha val="30196"/>
+                </a:srgbClr>
+              </a:solidFill>
+            </a:ln>
+          </p:spPr>
+          <p:style>
+            <a:lnRef idx="1">
+              <a:schemeClr val="accent1"/>
+            </a:lnRef>
+            <a:fillRef idx="0">
+              <a:schemeClr val="accent1"/>
+            </a:fillRef>
+            <a:effectRef idx="0">
+              <a:schemeClr val="accent1"/>
+            </a:effectRef>
+            <a:fontRef idx="minor">
+              <a:schemeClr val="tx1"/>
+            </a:fontRef>
+          </p:style>
+        </p:cxnSp>
+        <p:cxnSp>
+          <p:nvCxnSpPr>
+            <p:cNvPr id="117" name="Straight Connector 116">
+              <a:extLst>
+                <a:ext uri="{FF2B5EF4-FFF2-40B4-BE49-F238E27FC236}">
+                  <a16:creationId xmlns:a16="http://schemas.microsoft.com/office/drawing/2014/main" id="{214A0AE5-3A88-4D5D-845C-5E906888C81F}"/>
+                </a:ext>
+                <a:ext uri="{C183D7F6-B498-43B3-948B-1728B52AA6E4}">
+                  <adec:decorative xmlns:adec="http://schemas.microsoft.com/office/drawing/2017/decorative" val="1"/>
+                </a:ext>
+              </a:extLst>
+            </p:cNvPr>
+            <p:cNvCxnSpPr/>
+            <p:nvPr>
+              <p:extLst>
+                <p:ext uri="{386F3935-93C4-4BCD-93E2-E3B085C9AB24}">
+                  <p16:designElem xmlns:p16="http://schemas.microsoft.com/office/powerpoint/2015/main" val="1"/>
+                </p:ext>
+              </p:extLst>
+            </p:nvPr>
+          </p:nvCxnSpPr>
+          <p:spPr>
+            <a:xfrm rot="-1080000" flipH="1">
+              <a:off x="8160824" y="482375"/>
+              <a:ext cx="3394" cy="182880"/>
+            </a:xfrm>
+            <a:prstGeom prst="line">
+              <a:avLst/>
+            </a:prstGeom>
+            <a:ln>
+              <a:solidFill>
+                <a:srgbClr val="FFFFFF">
+                  <a:alpha val="30196"/>
+                </a:srgbClr>
+              </a:solidFill>
+            </a:ln>
+          </p:spPr>
+          <p:style>
+            <a:lnRef idx="1">
+              <a:schemeClr val="accent1"/>
+            </a:lnRef>
+            <a:fillRef idx="0">
+              <a:schemeClr val="accent1"/>
+            </a:fillRef>
+            <a:effectRef idx="0">
+              <a:schemeClr val="accent1"/>
+            </a:effectRef>
+            <a:fontRef idx="minor">
+              <a:schemeClr val="tx1"/>
+            </a:fontRef>
+          </p:style>
+        </p:cxnSp>
+        <p:cxnSp>
+          <p:nvCxnSpPr>
+            <p:cNvPr id="118" name="Straight Connector 117">
+              <a:extLst>
+                <a:ext uri="{FF2B5EF4-FFF2-40B4-BE49-F238E27FC236}">
+                  <a16:creationId xmlns:a16="http://schemas.microsoft.com/office/drawing/2014/main" id="{44D7BF13-EDB8-4740-A3C5-87E2E7C67669}"/>
+                </a:ext>
+                <a:ext uri="{C183D7F6-B498-43B3-948B-1728B52AA6E4}">
+                  <adec:decorative xmlns:adec="http://schemas.microsoft.com/office/drawing/2017/decorative" val="1"/>
+                </a:ext>
+              </a:extLst>
+            </p:cNvPr>
+            <p:cNvCxnSpPr/>
+            <p:nvPr>
+              <p:extLst>
+                <p:ext uri="{386F3935-93C4-4BCD-93E2-E3B085C9AB24}">
+                  <p16:designElem xmlns:p16="http://schemas.microsoft.com/office/powerpoint/2015/main" val="1"/>
+                </p:ext>
+              </p:extLst>
+            </p:nvPr>
+          </p:nvCxnSpPr>
+          <p:spPr>
+            <a:xfrm rot="-1260000" flipH="1">
+              <a:off x="8027689" y="531848"/>
+              <a:ext cx="3394" cy="182880"/>
+            </a:xfrm>
+            <a:prstGeom prst="line">
+              <a:avLst/>
+            </a:prstGeom>
+            <a:ln>
+              <a:solidFill>
+                <a:srgbClr val="FFFFFF">
+                  <a:alpha val="30196"/>
+                </a:srgbClr>
+              </a:solidFill>
+            </a:ln>
+          </p:spPr>
+          <p:style>
+            <a:lnRef idx="1">
+              <a:schemeClr val="accent1"/>
+            </a:lnRef>
+            <a:fillRef idx="0">
+              <a:schemeClr val="accent1"/>
+            </a:fillRef>
+            <a:effectRef idx="0">
+              <a:schemeClr val="accent1"/>
+            </a:effectRef>
+            <a:fontRef idx="minor">
+              <a:schemeClr val="tx1"/>
+            </a:fontRef>
+          </p:style>
+        </p:cxnSp>
+        <p:cxnSp>
+          <p:nvCxnSpPr>
+            <p:cNvPr id="119" name="Straight Connector 118">
+              <a:extLst>
+                <a:ext uri="{FF2B5EF4-FFF2-40B4-BE49-F238E27FC236}">
+                  <a16:creationId xmlns:a16="http://schemas.microsoft.com/office/drawing/2014/main" id="{16DAB64F-4B49-434F-BFB6-0BEB41AFB610}"/>
+                </a:ext>
+                <a:ext uri="{C183D7F6-B498-43B3-948B-1728B52AA6E4}">
+                  <adec:decorative xmlns:adec="http://schemas.microsoft.com/office/drawing/2017/decorative" val="1"/>
+                </a:ext>
+              </a:extLst>
+            </p:cNvPr>
+            <p:cNvCxnSpPr/>
+            <p:nvPr>
+              <p:extLst>
+                <p:ext uri="{386F3935-93C4-4BCD-93E2-E3B085C9AB24}">
+                  <p16:designElem xmlns:p16="http://schemas.microsoft.com/office/powerpoint/2015/main" val="1"/>
+                </p:ext>
+              </p:extLst>
+            </p:nvPr>
+          </p:nvCxnSpPr>
+          <p:spPr>
+            <a:xfrm rot="-1380000" flipH="1">
+              <a:off x="7894554" y="581321"/>
+              <a:ext cx="3394" cy="182880"/>
+            </a:xfrm>
+            <a:prstGeom prst="line">
+              <a:avLst/>
+            </a:prstGeom>
+            <a:ln>
+              <a:solidFill>
+                <a:srgbClr val="FFFFFF">
+                  <a:alpha val="30196"/>
+                </a:srgbClr>
+              </a:solidFill>
+            </a:ln>
+          </p:spPr>
+          <p:style>
+            <a:lnRef idx="1">
+              <a:schemeClr val="accent1"/>
+            </a:lnRef>
+            <a:fillRef idx="0">
+              <a:schemeClr val="accent1"/>
+            </a:fillRef>
+            <a:effectRef idx="0">
+              <a:schemeClr val="accent1"/>
+            </a:effectRef>
+            <a:fontRef idx="minor">
+              <a:schemeClr val="tx1"/>
+            </a:fontRef>
+          </p:style>
+        </p:cxnSp>
+        <p:cxnSp>
+          <p:nvCxnSpPr>
+            <p:cNvPr id="120" name="Straight Connector 119">
+              <a:extLst>
+                <a:ext uri="{FF2B5EF4-FFF2-40B4-BE49-F238E27FC236}">
+                  <a16:creationId xmlns:a16="http://schemas.microsoft.com/office/drawing/2014/main" id="{93B5AD9A-BDA6-42CE-A1C0-C07210307227}"/>
+                </a:ext>
+                <a:ext uri="{C183D7F6-B498-43B3-948B-1728B52AA6E4}">
+                  <adec:decorative xmlns:adec="http://schemas.microsoft.com/office/drawing/2017/decorative" val="1"/>
+                </a:ext>
+              </a:extLst>
+            </p:cNvPr>
+            <p:cNvCxnSpPr/>
+            <p:nvPr>
+              <p:extLst>
+                <p:ext uri="{386F3935-93C4-4BCD-93E2-E3B085C9AB24}">
+                  <p16:designElem xmlns:p16="http://schemas.microsoft.com/office/powerpoint/2015/main" val="1"/>
+                </p:ext>
+              </p:extLst>
+            </p:nvPr>
+          </p:nvCxnSpPr>
+          <p:spPr>
+            <a:xfrm rot="-1500000" flipH="1">
+              <a:off x="7761419" y="630794"/>
+              <a:ext cx="3394" cy="182880"/>
+            </a:xfrm>
+            <a:prstGeom prst="line">
+              <a:avLst/>
+            </a:prstGeom>
+            <a:ln>
+              <a:solidFill>
+                <a:srgbClr val="FFFFFF">
+                  <a:alpha val="30196"/>
+                </a:srgbClr>
+              </a:solidFill>
+            </a:ln>
+          </p:spPr>
+          <p:style>
+            <a:lnRef idx="1">
+              <a:schemeClr val="accent1"/>
+            </a:lnRef>
+            <a:fillRef idx="0">
+              <a:schemeClr val="accent1"/>
+            </a:fillRef>
+            <a:effectRef idx="0">
+              <a:schemeClr val="accent1"/>
+            </a:effectRef>
+            <a:fontRef idx="minor">
+              <a:schemeClr val="tx1"/>
+            </a:fontRef>
+          </p:style>
+        </p:cxnSp>
+        <p:cxnSp>
+          <p:nvCxnSpPr>
+            <p:cNvPr id="121" name="Straight Connector 120">
+              <a:extLst>
+                <a:ext uri="{FF2B5EF4-FFF2-40B4-BE49-F238E27FC236}">
+                  <a16:creationId xmlns:a16="http://schemas.microsoft.com/office/drawing/2014/main" id="{5FD67DCC-475F-4BED-A634-FCDD63176BB5}"/>
+                </a:ext>
+                <a:ext uri="{C183D7F6-B498-43B3-948B-1728B52AA6E4}">
+                  <adec:decorative xmlns:adec="http://schemas.microsoft.com/office/drawing/2017/decorative" val="1"/>
+                </a:ext>
+              </a:extLst>
+            </p:cNvPr>
+            <p:cNvCxnSpPr/>
+            <p:nvPr>
+              <p:extLst>
+                <p:ext uri="{386F3935-93C4-4BCD-93E2-E3B085C9AB24}">
+                  <p16:designElem xmlns:p16="http://schemas.microsoft.com/office/powerpoint/2015/main" val="1"/>
+                </p:ext>
+              </p:extLst>
+            </p:nvPr>
+          </p:nvCxnSpPr>
+          <p:spPr>
+            <a:xfrm rot="-1620000" flipH="1">
+              <a:off x="7636645" y="689804"/>
+              <a:ext cx="3394" cy="182880"/>
+            </a:xfrm>
+            <a:prstGeom prst="line">
+              <a:avLst/>
+            </a:prstGeom>
+            <a:ln>
+              <a:solidFill>
+                <a:srgbClr val="FFFFFF">
+                  <a:alpha val="30196"/>
+                </a:srgbClr>
+              </a:solidFill>
+            </a:ln>
+          </p:spPr>
+          <p:style>
+            <a:lnRef idx="1">
+              <a:schemeClr val="accent1"/>
+            </a:lnRef>
+            <a:fillRef idx="0">
+              <a:schemeClr val="accent1"/>
+            </a:fillRef>
+            <a:effectRef idx="0">
+              <a:schemeClr val="accent1"/>
+            </a:effectRef>
+            <a:fontRef idx="minor">
+              <a:schemeClr val="tx1"/>
+            </a:fontRef>
+          </p:style>
+        </p:cxnSp>
+        <p:cxnSp>
+          <p:nvCxnSpPr>
+            <p:cNvPr id="122" name="Straight Connector 121">
+              <a:extLst>
+                <a:ext uri="{FF2B5EF4-FFF2-40B4-BE49-F238E27FC236}">
+                  <a16:creationId xmlns:a16="http://schemas.microsoft.com/office/drawing/2014/main" id="{ED276E23-C86D-408D-821A-1E9A44CAEAFC}"/>
+                </a:ext>
+                <a:ext uri="{C183D7F6-B498-43B3-948B-1728B52AA6E4}">
+                  <adec:decorative xmlns:adec="http://schemas.microsoft.com/office/drawing/2017/decorative" val="1"/>
+                </a:ext>
+              </a:extLst>
+            </p:cNvPr>
+            <p:cNvCxnSpPr/>
+            <p:nvPr>
+              <p:extLst>
+                <p:ext uri="{386F3935-93C4-4BCD-93E2-E3B085C9AB24}">
+                  <p16:designElem xmlns:p16="http://schemas.microsoft.com/office/powerpoint/2015/main" val="1"/>
+                </p:ext>
+              </p:extLst>
+            </p:nvPr>
+          </p:nvCxnSpPr>
+          <p:spPr>
+            <a:xfrm rot="-1800000" flipH="1">
+              <a:off x="7511871" y="751195"/>
+              <a:ext cx="3394" cy="182880"/>
+            </a:xfrm>
+            <a:prstGeom prst="line">
+              <a:avLst/>
+            </a:prstGeom>
+            <a:ln>
+              <a:solidFill>
+                <a:srgbClr val="FFFFFF">
+                  <a:alpha val="30196"/>
+                </a:srgbClr>
+              </a:solidFill>
+            </a:ln>
+          </p:spPr>
+          <p:style>
+            <a:lnRef idx="1">
+              <a:schemeClr val="accent1"/>
+            </a:lnRef>
+            <a:fillRef idx="0">
+              <a:schemeClr val="accent1"/>
+            </a:fillRef>
+            <a:effectRef idx="0">
+              <a:schemeClr val="accent1"/>
+            </a:effectRef>
+            <a:fontRef idx="minor">
+              <a:schemeClr val="tx1"/>
+            </a:fontRef>
+          </p:style>
+        </p:cxnSp>
+        <p:cxnSp>
+          <p:nvCxnSpPr>
+            <p:cNvPr id="123" name="Straight Connector 122">
+              <a:extLst>
+                <a:ext uri="{FF2B5EF4-FFF2-40B4-BE49-F238E27FC236}">
+                  <a16:creationId xmlns:a16="http://schemas.microsoft.com/office/drawing/2014/main" id="{A879A029-D911-41C4-B218-E41871762F3A}"/>
+                </a:ext>
+                <a:ext uri="{C183D7F6-B498-43B3-948B-1728B52AA6E4}">
+                  <adec:decorative xmlns:adec="http://schemas.microsoft.com/office/drawing/2017/decorative" val="1"/>
+                </a:ext>
+              </a:extLst>
+            </p:cNvPr>
+            <p:cNvCxnSpPr/>
+            <p:nvPr>
+              <p:extLst>
+                <p:ext uri="{386F3935-93C4-4BCD-93E2-E3B085C9AB24}">
+                  <p16:designElem xmlns:p16="http://schemas.microsoft.com/office/powerpoint/2015/main" val="1"/>
+                </p:ext>
+              </p:extLst>
+            </p:nvPr>
+          </p:nvCxnSpPr>
+          <p:spPr>
+            <a:xfrm rot="-1920000" flipH="1">
+              <a:off x="7387899" y="819771"/>
+              <a:ext cx="3394" cy="182880"/>
+            </a:xfrm>
+            <a:prstGeom prst="line">
+              <a:avLst/>
+            </a:prstGeom>
+            <a:ln>
+              <a:solidFill>
+                <a:srgbClr val="FFFFFF">
+                  <a:alpha val="30196"/>
+                </a:srgbClr>
+              </a:solidFill>
+            </a:ln>
+          </p:spPr>
+          <p:style>
+            <a:lnRef idx="1">
+              <a:schemeClr val="accent1"/>
+            </a:lnRef>
+            <a:fillRef idx="0">
+              <a:schemeClr val="accent1"/>
+            </a:fillRef>
+            <a:effectRef idx="0">
+              <a:schemeClr val="accent1"/>
+            </a:effectRef>
+            <a:fontRef idx="minor">
+              <a:schemeClr val="tx1"/>
+            </a:fontRef>
+          </p:style>
+        </p:cxnSp>
+        <p:cxnSp>
+          <p:nvCxnSpPr>
+            <p:cNvPr id="124" name="Straight Connector 123">
+              <a:extLst>
+                <a:ext uri="{FF2B5EF4-FFF2-40B4-BE49-F238E27FC236}">
+                  <a16:creationId xmlns:a16="http://schemas.microsoft.com/office/drawing/2014/main" id="{E9C7C9F5-65FB-4EF9-9AAD-F7E1FC14B84B}"/>
+                </a:ext>
+                <a:ext uri="{C183D7F6-B498-43B3-948B-1728B52AA6E4}">
+                  <adec:decorative xmlns:adec="http://schemas.microsoft.com/office/drawing/2017/decorative" val="1"/>
+                </a:ext>
+              </a:extLst>
+            </p:cNvPr>
+            <p:cNvCxnSpPr/>
+            <p:nvPr>
+              <p:extLst>
+                <p:ext uri="{386F3935-93C4-4BCD-93E2-E3B085C9AB24}">
+                  <p16:designElem xmlns:p16="http://schemas.microsoft.com/office/powerpoint/2015/main" val="1"/>
+                </p:ext>
+              </p:extLst>
+            </p:nvPr>
+          </p:nvCxnSpPr>
+          <p:spPr>
+            <a:xfrm rot="-2040000" flipH="1">
+              <a:off x="7268530" y="893163"/>
+              <a:ext cx="3394" cy="182880"/>
+            </a:xfrm>
+            <a:prstGeom prst="line">
+              <a:avLst/>
+            </a:prstGeom>
+            <a:ln>
+              <a:solidFill>
+                <a:srgbClr val="FFFFFF">
+                  <a:alpha val="30196"/>
+                </a:srgbClr>
+              </a:solidFill>
+            </a:ln>
+          </p:spPr>
+          <p:style>
+            <a:lnRef idx="1">
+              <a:schemeClr val="accent1"/>
+            </a:lnRef>
+            <a:fillRef idx="0">
+              <a:schemeClr val="accent1"/>
+            </a:fillRef>
+            <a:effectRef idx="0">
+              <a:schemeClr val="accent1"/>
+            </a:effectRef>
+            <a:fontRef idx="minor">
+              <a:schemeClr val="tx1"/>
+            </a:fontRef>
+          </p:style>
+        </p:cxnSp>
+        <p:cxnSp>
+          <p:nvCxnSpPr>
+            <p:cNvPr id="125" name="Straight Connector 124">
+              <a:extLst>
+                <a:ext uri="{FF2B5EF4-FFF2-40B4-BE49-F238E27FC236}">
+                  <a16:creationId xmlns:a16="http://schemas.microsoft.com/office/drawing/2014/main" id="{6115B885-5742-431C-BA48-96FC1F6D2280}"/>
+                </a:ext>
+                <a:ext uri="{C183D7F6-B498-43B3-948B-1728B52AA6E4}">
+                  <adec:decorative xmlns:adec="http://schemas.microsoft.com/office/drawing/2017/decorative" val="1"/>
+                </a:ext>
+              </a:extLst>
+            </p:cNvPr>
+            <p:cNvCxnSpPr/>
+            <p:nvPr>
+              <p:extLst>
+                <p:ext uri="{386F3935-93C4-4BCD-93E2-E3B085C9AB24}">
+                  <p16:designElem xmlns:p16="http://schemas.microsoft.com/office/powerpoint/2015/main" val="1"/>
+                </p:ext>
+              </p:extLst>
+            </p:nvPr>
+          </p:nvCxnSpPr>
+          <p:spPr>
+            <a:xfrm rot="-2160000" flipH="1">
+              <a:off x="7152030" y="976584"/>
+              <a:ext cx="3394" cy="182880"/>
+            </a:xfrm>
+            <a:prstGeom prst="line">
+              <a:avLst/>
+            </a:prstGeom>
+            <a:ln>
+              <a:solidFill>
+                <a:srgbClr val="FFFFFF">
+                  <a:alpha val="30196"/>
+                </a:srgbClr>
+              </a:solidFill>
+            </a:ln>
+          </p:spPr>
+          <p:style>
+            <a:lnRef idx="1">
+              <a:schemeClr val="accent1"/>
+            </a:lnRef>
+            <a:fillRef idx="0">
+              <a:schemeClr val="accent1"/>
+            </a:fillRef>
+            <a:effectRef idx="0">
+              <a:schemeClr val="accent1"/>
+            </a:effectRef>
+            <a:fontRef idx="minor">
+              <a:schemeClr val="tx1"/>
+            </a:fontRef>
+          </p:style>
+        </p:cxnSp>
+        <p:cxnSp>
+          <p:nvCxnSpPr>
+            <p:cNvPr id="126" name="Straight Connector 125">
+              <a:extLst>
+                <a:ext uri="{FF2B5EF4-FFF2-40B4-BE49-F238E27FC236}">
+                  <a16:creationId xmlns:a16="http://schemas.microsoft.com/office/drawing/2014/main" id="{6ACE37A6-0062-4B86-B4E6-18088040CDC9}"/>
+                </a:ext>
+                <a:ext uri="{C183D7F6-B498-43B3-948B-1728B52AA6E4}">
+                  <adec:decorative xmlns:adec="http://schemas.microsoft.com/office/drawing/2017/decorative" val="1"/>
+                </a:ext>
+              </a:extLst>
+            </p:cNvPr>
+            <p:cNvCxnSpPr/>
+            <p:nvPr>
+              <p:extLst>
+                <p:ext uri="{386F3935-93C4-4BCD-93E2-E3B085C9AB24}">
+                  <p16:designElem xmlns:p16="http://schemas.microsoft.com/office/powerpoint/2015/main" val="1"/>
+                </p:ext>
+              </p:extLst>
+            </p:nvPr>
+          </p:nvCxnSpPr>
+          <p:spPr>
+            <a:xfrm rot="-2340000" flipH="1">
+              <a:off x="7041695" y="1060025"/>
+              <a:ext cx="3394" cy="182880"/>
+            </a:xfrm>
+            <a:prstGeom prst="line">
+              <a:avLst/>
+            </a:prstGeom>
+            <a:ln>
+              <a:solidFill>
+                <a:srgbClr val="FFFFFF">
+                  <a:alpha val="30196"/>
+                </a:srgbClr>
+              </a:solidFill>
+            </a:ln>
+          </p:spPr>
+          <p:style>
+            <a:lnRef idx="1">
+              <a:schemeClr val="accent1"/>
+            </a:lnRef>
+            <a:fillRef idx="0">
+              <a:schemeClr val="accent1"/>
+            </a:fillRef>
+            <a:effectRef idx="0">
+              <a:schemeClr val="accent1"/>
+            </a:effectRef>
+            <a:fontRef idx="minor">
+              <a:schemeClr val="tx1"/>
+            </a:fontRef>
+          </p:style>
+        </p:cxnSp>
+        <p:cxnSp>
+          <p:nvCxnSpPr>
+            <p:cNvPr id="127" name="Straight Connector 126">
+              <a:extLst>
+                <a:ext uri="{FF2B5EF4-FFF2-40B4-BE49-F238E27FC236}">
+                  <a16:creationId xmlns:a16="http://schemas.microsoft.com/office/drawing/2014/main" id="{0A8679B4-56BA-43AB-A0A2-E2DA3E205303}"/>
+                </a:ext>
+                <a:ext uri="{C183D7F6-B498-43B3-948B-1728B52AA6E4}">
+                  <adec:decorative xmlns:adec="http://schemas.microsoft.com/office/drawing/2017/decorative" val="1"/>
+                </a:ext>
+              </a:extLst>
+            </p:cNvPr>
+            <p:cNvCxnSpPr/>
+            <p:nvPr>
+              <p:extLst>
+                <p:ext uri="{386F3935-93C4-4BCD-93E2-E3B085C9AB24}">
+                  <p16:designElem xmlns:p16="http://schemas.microsoft.com/office/powerpoint/2015/main" val="1"/>
+                </p:ext>
+              </p:extLst>
+            </p:nvPr>
+          </p:nvCxnSpPr>
+          <p:spPr>
+            <a:xfrm rot="-2460000" flipH="1">
+              <a:off x="6931360" y="1143466"/>
+              <a:ext cx="3394" cy="182880"/>
+            </a:xfrm>
+            <a:prstGeom prst="line">
+              <a:avLst/>
+            </a:prstGeom>
+            <a:ln>
+              <a:solidFill>
+                <a:srgbClr val="FFFFFF">
+                  <a:alpha val="30196"/>
+                </a:srgbClr>
+              </a:solidFill>
+            </a:ln>
+          </p:spPr>
+          <p:style>
+            <a:lnRef idx="1">
+              <a:schemeClr val="accent1"/>
+            </a:lnRef>
+            <a:fillRef idx="0">
+              <a:schemeClr val="accent1"/>
+            </a:fillRef>
+            <a:effectRef idx="0">
+              <a:schemeClr val="accent1"/>
+            </a:effectRef>
+            <a:fontRef idx="minor">
+              <a:schemeClr val="tx1"/>
+            </a:fontRef>
+          </p:style>
+        </p:cxnSp>
+        <p:cxnSp>
+          <p:nvCxnSpPr>
+            <p:cNvPr id="128" name="Straight Connector 127">
+              <a:extLst>
+                <a:ext uri="{FF2B5EF4-FFF2-40B4-BE49-F238E27FC236}">
+                  <a16:creationId xmlns:a16="http://schemas.microsoft.com/office/drawing/2014/main" id="{80DE24D2-627B-4C47-A858-A572BCDBACF6}"/>
+                </a:ext>
+                <a:ext uri="{C183D7F6-B498-43B3-948B-1728B52AA6E4}">
+                  <adec:decorative xmlns:adec="http://schemas.microsoft.com/office/drawing/2017/decorative" val="1"/>
+                </a:ext>
+              </a:extLst>
+            </p:cNvPr>
+            <p:cNvCxnSpPr/>
+            <p:nvPr>
+              <p:extLst>
+                <p:ext uri="{386F3935-93C4-4BCD-93E2-E3B085C9AB24}">
+                  <p16:designElem xmlns:p16="http://schemas.microsoft.com/office/powerpoint/2015/main" val="1"/>
+                </p:ext>
+              </p:extLst>
+            </p:nvPr>
+          </p:nvCxnSpPr>
+          <p:spPr>
+            <a:xfrm rot="-2580000" flipH="1">
+              <a:off x="6819070" y="1235864"/>
+              <a:ext cx="3394" cy="182880"/>
+            </a:xfrm>
+            <a:prstGeom prst="line">
+              <a:avLst/>
+            </a:prstGeom>
+            <a:ln>
+              <a:solidFill>
+                <a:srgbClr val="FFFFFF">
+                  <a:alpha val="30196"/>
+                </a:srgbClr>
+              </a:solidFill>
+            </a:ln>
+          </p:spPr>
+          <p:style>
+            <a:lnRef idx="1">
+              <a:schemeClr val="accent1"/>
+            </a:lnRef>
+            <a:fillRef idx="0">
+              <a:schemeClr val="accent1"/>
+            </a:fillRef>
+            <a:effectRef idx="0">
+              <a:schemeClr val="accent1"/>
+            </a:effectRef>
+            <a:fontRef idx="minor">
+              <a:schemeClr val="tx1"/>
+            </a:fontRef>
+          </p:style>
+        </p:cxnSp>
+        <p:cxnSp>
+          <p:nvCxnSpPr>
+            <p:cNvPr id="129" name="Straight Connector 128">
+              <a:extLst>
+                <a:ext uri="{FF2B5EF4-FFF2-40B4-BE49-F238E27FC236}">
+                  <a16:creationId xmlns:a16="http://schemas.microsoft.com/office/drawing/2014/main" id="{B612A33E-5DE0-4E4D-9469-0BD0B3E0E72E}"/>
+                </a:ext>
+                <a:ext uri="{C183D7F6-B498-43B3-948B-1728B52AA6E4}">
+                  <adec:decorative xmlns:adec="http://schemas.microsoft.com/office/drawing/2017/decorative" val="1"/>
+                </a:ext>
+              </a:extLst>
+            </p:cNvPr>
+            <p:cNvCxnSpPr/>
+            <p:nvPr>
+              <p:extLst>
+                <p:ext uri="{386F3935-93C4-4BCD-93E2-E3B085C9AB24}">
+                  <p16:designElem xmlns:p16="http://schemas.microsoft.com/office/powerpoint/2015/main" val="1"/>
+                </p:ext>
+              </p:extLst>
+            </p:nvPr>
+          </p:nvCxnSpPr>
+          <p:spPr>
+            <a:xfrm rot="-2700000" flipH="1">
+              <a:off x="6721359" y="1332746"/>
+              <a:ext cx="3394" cy="182880"/>
+            </a:xfrm>
+            <a:prstGeom prst="line">
+              <a:avLst/>
+            </a:prstGeom>
+            <a:ln>
+              <a:solidFill>
+                <a:srgbClr val="FFFFFF">
+                  <a:alpha val="30196"/>
+                </a:srgbClr>
+              </a:solidFill>
+            </a:ln>
+          </p:spPr>
+          <p:style>
+            <a:lnRef idx="1">
+              <a:schemeClr val="accent1"/>
+            </a:lnRef>
+            <a:fillRef idx="0">
+              <a:schemeClr val="accent1"/>
+            </a:fillRef>
+            <a:effectRef idx="0">
+              <a:schemeClr val="accent1"/>
+            </a:effectRef>
+            <a:fontRef idx="minor">
+              <a:schemeClr val="tx1"/>
+            </a:fontRef>
+          </p:style>
+        </p:cxnSp>
+        <p:cxnSp>
+          <p:nvCxnSpPr>
+            <p:cNvPr id="130" name="Straight Connector 129">
+              <a:extLst>
+                <a:ext uri="{FF2B5EF4-FFF2-40B4-BE49-F238E27FC236}">
+                  <a16:creationId xmlns:a16="http://schemas.microsoft.com/office/drawing/2014/main" id="{91673515-5E42-490F-85A0-45658D81C6CA}"/>
+                </a:ext>
+                <a:ext uri="{C183D7F6-B498-43B3-948B-1728B52AA6E4}">
+                  <adec:decorative xmlns:adec="http://schemas.microsoft.com/office/drawing/2017/decorative" val="1"/>
+                </a:ext>
+              </a:extLst>
+            </p:cNvPr>
+            <p:cNvCxnSpPr/>
+            <p:nvPr>
+              <p:extLst>
+                <p:ext uri="{386F3935-93C4-4BCD-93E2-E3B085C9AB24}">
+                  <p16:designElem xmlns:p16="http://schemas.microsoft.com/office/powerpoint/2015/main" val="1"/>
+                </p:ext>
+              </p:extLst>
+            </p:nvPr>
+          </p:nvCxnSpPr>
+          <p:spPr>
+            <a:xfrm rot="-2880000" flipH="1">
+              <a:off x="6617467" y="1429423"/>
+              <a:ext cx="3394" cy="182880"/>
+            </a:xfrm>
+            <a:prstGeom prst="line">
+              <a:avLst/>
+            </a:prstGeom>
+            <a:ln>
+              <a:solidFill>
+                <a:srgbClr val="FFFFFF">
+                  <a:alpha val="30196"/>
+                </a:srgbClr>
+              </a:solidFill>
+            </a:ln>
+          </p:spPr>
+          <p:style>
+            <a:lnRef idx="1">
+              <a:schemeClr val="accent1"/>
+            </a:lnRef>
+            <a:fillRef idx="0">
+              <a:schemeClr val="accent1"/>
+            </a:fillRef>
+            <a:effectRef idx="0">
+              <a:schemeClr val="accent1"/>
+            </a:effectRef>
+            <a:fontRef idx="minor">
+              <a:schemeClr val="tx1"/>
+            </a:fontRef>
+          </p:style>
+        </p:cxnSp>
+        <p:cxnSp>
+          <p:nvCxnSpPr>
+            <p:cNvPr id="131" name="Straight Connector 130">
+              <a:extLst>
+                <a:ext uri="{FF2B5EF4-FFF2-40B4-BE49-F238E27FC236}">
+                  <a16:creationId xmlns:a16="http://schemas.microsoft.com/office/drawing/2014/main" id="{6B048C17-3768-4DAF-A7AE-B2E717497021}"/>
+                </a:ext>
+                <a:ext uri="{C183D7F6-B498-43B3-948B-1728B52AA6E4}">
+                  <adec:decorative xmlns:adec="http://schemas.microsoft.com/office/drawing/2017/decorative" val="1"/>
+                </a:ext>
+              </a:extLst>
+            </p:cNvPr>
+            <p:cNvCxnSpPr/>
+            <p:nvPr>
+              <p:extLst>
+                <p:ext uri="{386F3935-93C4-4BCD-93E2-E3B085C9AB24}">
+                  <p16:designElem xmlns:p16="http://schemas.microsoft.com/office/powerpoint/2015/main" val="1"/>
+                </p:ext>
+              </p:extLst>
+            </p:nvPr>
+          </p:nvCxnSpPr>
+          <p:spPr>
+            <a:xfrm rot="-3000000" flipH="1">
+              <a:off x="6520032" y="1527285"/>
+              <a:ext cx="3394" cy="182880"/>
+            </a:xfrm>
+            <a:prstGeom prst="line">
+              <a:avLst/>
+            </a:prstGeom>
+            <a:ln>
+              <a:solidFill>
+                <a:srgbClr val="FFFFFF">
+                  <a:alpha val="30196"/>
+                </a:srgbClr>
+              </a:solidFill>
+            </a:ln>
+          </p:spPr>
+          <p:style>
+            <a:lnRef idx="1">
+              <a:schemeClr val="accent1"/>
+            </a:lnRef>
+            <a:fillRef idx="0">
+              <a:schemeClr val="accent1"/>
+            </a:fillRef>
+            <a:effectRef idx="0">
+              <a:schemeClr val="accent1"/>
+            </a:effectRef>
+            <a:fontRef idx="minor">
+              <a:schemeClr val="tx1"/>
+            </a:fontRef>
+          </p:style>
+        </p:cxnSp>
+        <p:cxnSp>
+          <p:nvCxnSpPr>
+            <p:cNvPr id="132" name="Straight Connector 131">
+              <a:extLst>
+                <a:ext uri="{FF2B5EF4-FFF2-40B4-BE49-F238E27FC236}">
+                  <a16:creationId xmlns:a16="http://schemas.microsoft.com/office/drawing/2014/main" id="{BAA4E6AA-9D65-4EED-91CB-87A5762ED0A4}"/>
+                </a:ext>
+                <a:ext uri="{C183D7F6-B498-43B3-948B-1728B52AA6E4}">
+                  <adec:decorative xmlns:adec="http://schemas.microsoft.com/office/drawing/2017/decorative" val="1"/>
+                </a:ext>
+              </a:extLst>
+            </p:cNvPr>
+            <p:cNvCxnSpPr/>
+            <p:nvPr>
+              <p:extLst>
+                <p:ext uri="{386F3935-93C4-4BCD-93E2-E3B085C9AB24}">
+                  <p16:designElem xmlns:p16="http://schemas.microsoft.com/office/powerpoint/2015/main" val="1"/>
+                </p:ext>
+              </p:extLst>
+            </p:nvPr>
+          </p:nvCxnSpPr>
+          <p:spPr>
+            <a:xfrm rot="-3120000" flipH="1">
+              <a:off x="6429579" y="1641610"/>
+              <a:ext cx="3394" cy="182880"/>
+            </a:xfrm>
+            <a:prstGeom prst="line">
+              <a:avLst/>
+            </a:prstGeom>
+            <a:ln>
+              <a:solidFill>
+                <a:srgbClr val="FFFFFF">
+                  <a:alpha val="30196"/>
+                </a:srgbClr>
+              </a:solidFill>
+            </a:ln>
+          </p:spPr>
+          <p:style>
+            <a:lnRef idx="1">
+              <a:schemeClr val="accent1"/>
+            </a:lnRef>
+            <a:fillRef idx="0">
+              <a:schemeClr val="accent1"/>
+            </a:fillRef>
+            <a:effectRef idx="0">
+              <a:schemeClr val="accent1"/>
+            </a:effectRef>
+            <a:fontRef idx="minor">
+              <a:schemeClr val="tx1"/>
+            </a:fontRef>
+          </p:style>
+        </p:cxnSp>
+        <p:cxnSp>
+          <p:nvCxnSpPr>
+            <p:cNvPr id="133" name="Straight Connector 132">
+              <a:extLst>
+                <a:ext uri="{FF2B5EF4-FFF2-40B4-BE49-F238E27FC236}">
+                  <a16:creationId xmlns:a16="http://schemas.microsoft.com/office/drawing/2014/main" id="{DB48B9EB-BBF2-48D7-A1D7-720D94506BF3}"/>
+                </a:ext>
+                <a:ext uri="{C183D7F6-B498-43B3-948B-1728B52AA6E4}">
+                  <adec:decorative xmlns:adec="http://schemas.microsoft.com/office/drawing/2017/decorative" val="1"/>
+                </a:ext>
+              </a:extLst>
+            </p:cNvPr>
+            <p:cNvCxnSpPr/>
+            <p:nvPr>
+              <p:extLst>
+                <p:ext uri="{386F3935-93C4-4BCD-93E2-E3B085C9AB24}">
+                  <p16:designElem xmlns:p16="http://schemas.microsoft.com/office/powerpoint/2015/main" val="1"/>
+                </p:ext>
+              </p:extLst>
+            </p:nvPr>
+          </p:nvCxnSpPr>
+          <p:spPr>
+            <a:xfrm rot="-3240000" flipH="1">
+              <a:off x="6340532" y="1750423"/>
+              <a:ext cx="3394" cy="182880"/>
+            </a:xfrm>
+            <a:prstGeom prst="line">
+              <a:avLst/>
+            </a:prstGeom>
+            <a:ln>
+              <a:solidFill>
+                <a:srgbClr val="FFFFFF">
+                  <a:alpha val="30196"/>
+                </a:srgbClr>
+              </a:solidFill>
+            </a:ln>
+          </p:spPr>
+          <p:style>
+            <a:lnRef idx="1">
+              <a:schemeClr val="accent1"/>
+            </a:lnRef>
+            <a:fillRef idx="0">
+              <a:schemeClr val="accent1"/>
+            </a:fillRef>
+            <a:effectRef idx="0">
+              <a:schemeClr val="accent1"/>
+            </a:effectRef>
+            <a:fontRef idx="minor">
+              <a:schemeClr val="tx1"/>
+            </a:fontRef>
+          </p:style>
+        </p:cxnSp>
+        <p:cxnSp>
+          <p:nvCxnSpPr>
+            <p:cNvPr id="134" name="Straight Connector 133">
+              <a:extLst>
+                <a:ext uri="{FF2B5EF4-FFF2-40B4-BE49-F238E27FC236}">
+                  <a16:creationId xmlns:a16="http://schemas.microsoft.com/office/drawing/2014/main" id="{21492B79-7338-4309-8667-BB29A7BC7B07}"/>
+                </a:ext>
+                <a:ext uri="{C183D7F6-B498-43B3-948B-1728B52AA6E4}">
+                  <adec:decorative xmlns:adec="http://schemas.microsoft.com/office/drawing/2017/decorative" val="1"/>
+                </a:ext>
+              </a:extLst>
+            </p:cNvPr>
+            <p:cNvCxnSpPr/>
+            <p:nvPr>
+              <p:extLst>
+                <p:ext uri="{386F3935-93C4-4BCD-93E2-E3B085C9AB24}">
+                  <p16:designElem xmlns:p16="http://schemas.microsoft.com/office/powerpoint/2015/main" val="1"/>
+                </p:ext>
+              </p:extLst>
+            </p:nvPr>
+          </p:nvCxnSpPr>
+          <p:spPr>
+            <a:xfrm rot="-3420000" flipH="1">
+              <a:off x="6261757" y="1860178"/>
+              <a:ext cx="3394" cy="182880"/>
+            </a:xfrm>
+            <a:prstGeom prst="line">
+              <a:avLst/>
+            </a:prstGeom>
+            <a:ln>
+              <a:solidFill>
+                <a:srgbClr val="FFFFFF">
+                  <a:alpha val="30196"/>
+                </a:srgbClr>
+              </a:solidFill>
+            </a:ln>
+          </p:spPr>
+          <p:style>
+            <a:lnRef idx="1">
+              <a:schemeClr val="accent1"/>
+            </a:lnRef>
+            <a:fillRef idx="0">
+              <a:schemeClr val="accent1"/>
+            </a:fillRef>
+            <a:effectRef idx="0">
+              <a:schemeClr val="accent1"/>
+            </a:effectRef>
+            <a:fontRef idx="minor">
+              <a:schemeClr val="tx1"/>
+            </a:fontRef>
+          </p:style>
+        </p:cxnSp>
+        <p:cxnSp>
+          <p:nvCxnSpPr>
+            <p:cNvPr id="135" name="Straight Connector 134">
+              <a:extLst>
+                <a:ext uri="{FF2B5EF4-FFF2-40B4-BE49-F238E27FC236}">
+                  <a16:creationId xmlns:a16="http://schemas.microsoft.com/office/drawing/2014/main" id="{0352FD87-EC9C-4EB5-9ACC-A152F78FC815}"/>
+                </a:ext>
+                <a:ext uri="{C183D7F6-B498-43B3-948B-1728B52AA6E4}">
+                  <adec:decorative xmlns:adec="http://schemas.microsoft.com/office/drawing/2017/decorative" val="1"/>
+                </a:ext>
+              </a:extLst>
+            </p:cNvPr>
+            <p:cNvCxnSpPr/>
+            <p:nvPr>
+              <p:extLst>
+                <p:ext uri="{386F3935-93C4-4BCD-93E2-E3B085C9AB24}">
+                  <p16:designElem xmlns:p16="http://schemas.microsoft.com/office/powerpoint/2015/main" val="1"/>
+                </p:ext>
+              </p:extLst>
+            </p:nvPr>
+          </p:nvCxnSpPr>
+          <p:spPr>
+            <a:xfrm rot="-3540000" flipH="1">
+              <a:off x="6184144" y="1979619"/>
+              <a:ext cx="3394" cy="182880"/>
+            </a:xfrm>
+            <a:prstGeom prst="line">
+              <a:avLst/>
+            </a:prstGeom>
+            <a:ln>
+              <a:solidFill>
+                <a:srgbClr val="FFFFFF">
+                  <a:alpha val="30196"/>
+                </a:srgbClr>
+              </a:solidFill>
+            </a:ln>
+          </p:spPr>
+          <p:style>
+            <a:lnRef idx="1">
+              <a:schemeClr val="accent1"/>
+            </a:lnRef>
+            <a:fillRef idx="0">
+              <a:schemeClr val="accent1"/>
+            </a:fillRef>
+            <a:effectRef idx="0">
+              <a:schemeClr val="accent1"/>
+            </a:effectRef>
+            <a:fontRef idx="minor">
+              <a:schemeClr val="tx1"/>
+            </a:fontRef>
+          </p:style>
+        </p:cxnSp>
+        <p:cxnSp>
+          <p:nvCxnSpPr>
+            <p:cNvPr id="136" name="Straight Connector 135">
+              <a:extLst>
+                <a:ext uri="{FF2B5EF4-FFF2-40B4-BE49-F238E27FC236}">
+                  <a16:creationId xmlns:a16="http://schemas.microsoft.com/office/drawing/2014/main" id="{FF2CEA1F-EFA8-4353-B5F8-CCE27955A123}"/>
+                </a:ext>
+                <a:ext uri="{C183D7F6-B498-43B3-948B-1728B52AA6E4}">
+                  <adec:decorative xmlns:adec="http://schemas.microsoft.com/office/drawing/2017/decorative" val="1"/>
+                </a:ext>
+              </a:extLst>
+            </p:cNvPr>
+            <p:cNvCxnSpPr/>
+            <p:nvPr>
+              <p:extLst>
+                <p:ext uri="{386F3935-93C4-4BCD-93E2-E3B085C9AB24}">
+                  <p16:designElem xmlns:p16="http://schemas.microsoft.com/office/powerpoint/2015/main" val="1"/>
+                </p:ext>
+              </p:extLst>
+            </p:nvPr>
+          </p:nvCxnSpPr>
+          <p:spPr>
+            <a:xfrm rot="-3660000" flipH="1">
+              <a:off x="6106531" y="2099060"/>
+              <a:ext cx="3394" cy="182880"/>
+            </a:xfrm>
+            <a:prstGeom prst="line">
+              <a:avLst/>
+            </a:prstGeom>
+            <a:ln>
+              <a:solidFill>
+                <a:srgbClr val="FFFFFF">
+                  <a:alpha val="30196"/>
+                </a:srgbClr>
+              </a:solidFill>
+            </a:ln>
+          </p:spPr>
+          <p:style>
+            <a:lnRef idx="1">
+              <a:schemeClr val="accent1"/>
+            </a:lnRef>
+            <a:fillRef idx="0">
+              <a:schemeClr val="accent1"/>
+            </a:fillRef>
+            <a:effectRef idx="0">
+              <a:schemeClr val="accent1"/>
+            </a:effectRef>
+            <a:fontRef idx="minor">
+              <a:schemeClr val="tx1"/>
+            </a:fontRef>
+          </p:style>
+        </p:cxnSp>
+        <p:cxnSp>
+          <p:nvCxnSpPr>
+            <p:cNvPr id="137" name="Straight Connector 136">
+              <a:extLst>
+                <a:ext uri="{FF2B5EF4-FFF2-40B4-BE49-F238E27FC236}">
+                  <a16:creationId xmlns:a16="http://schemas.microsoft.com/office/drawing/2014/main" id="{63E2723F-2530-4636-9A19-8F11B156628C}"/>
+                </a:ext>
+                <a:ext uri="{C183D7F6-B498-43B3-948B-1728B52AA6E4}">
+                  <adec:decorative xmlns:adec="http://schemas.microsoft.com/office/drawing/2017/decorative" val="1"/>
+                </a:ext>
+              </a:extLst>
+            </p:cNvPr>
+            <p:cNvCxnSpPr/>
+            <p:nvPr>
+              <p:extLst>
+                <p:ext uri="{386F3935-93C4-4BCD-93E2-E3B085C9AB24}">
+                  <p16:designElem xmlns:p16="http://schemas.microsoft.com/office/powerpoint/2015/main" val="1"/>
+                </p:ext>
+              </p:extLst>
+            </p:nvPr>
+          </p:nvCxnSpPr>
+          <p:spPr>
+            <a:xfrm rot="-3780000" flipH="1">
+              <a:off x="6043206" y="2222556"/>
+              <a:ext cx="3394" cy="182880"/>
+            </a:xfrm>
+            <a:prstGeom prst="line">
+              <a:avLst/>
+            </a:prstGeom>
+            <a:ln>
+              <a:solidFill>
+                <a:srgbClr val="FFFFFF">
+                  <a:alpha val="30196"/>
+                </a:srgbClr>
+              </a:solidFill>
+            </a:ln>
+          </p:spPr>
+          <p:style>
+            <a:lnRef idx="1">
+              <a:schemeClr val="accent1"/>
+            </a:lnRef>
+            <a:fillRef idx="0">
+              <a:schemeClr val="accent1"/>
+            </a:fillRef>
+            <a:effectRef idx="0">
+              <a:schemeClr val="accent1"/>
+            </a:effectRef>
+            <a:fontRef idx="minor">
+              <a:schemeClr val="tx1"/>
+            </a:fontRef>
+          </p:style>
+        </p:cxnSp>
+        <p:cxnSp>
+          <p:nvCxnSpPr>
+            <p:cNvPr id="138" name="Straight Connector 137">
+              <a:extLst>
+                <a:ext uri="{FF2B5EF4-FFF2-40B4-BE49-F238E27FC236}">
+                  <a16:creationId xmlns:a16="http://schemas.microsoft.com/office/drawing/2014/main" id="{4A9EE901-51C9-4292-BB45-5EDB8568A000}"/>
+                </a:ext>
+                <a:ext uri="{C183D7F6-B498-43B3-948B-1728B52AA6E4}">
+                  <adec:decorative xmlns:adec="http://schemas.microsoft.com/office/drawing/2017/decorative" val="1"/>
+                </a:ext>
+              </a:extLst>
+            </p:cNvPr>
+            <p:cNvCxnSpPr/>
+            <p:nvPr>
+              <p:extLst>
+                <p:ext uri="{386F3935-93C4-4BCD-93E2-E3B085C9AB24}">
+                  <p16:designElem xmlns:p16="http://schemas.microsoft.com/office/powerpoint/2015/main" val="1"/>
+                </p:ext>
+              </p:extLst>
+            </p:nvPr>
+          </p:nvCxnSpPr>
+          <p:spPr>
+            <a:xfrm rot="-3960000" flipH="1">
+              <a:off x="5978913" y="2344301"/>
+              <a:ext cx="3394" cy="182880"/>
+            </a:xfrm>
+            <a:prstGeom prst="line">
+              <a:avLst/>
+            </a:prstGeom>
+            <a:ln>
+              <a:solidFill>
+                <a:srgbClr val="FFFFFF">
+                  <a:alpha val="30196"/>
+                </a:srgbClr>
+              </a:solidFill>
+            </a:ln>
+          </p:spPr>
+          <p:style>
+            <a:lnRef idx="1">
+              <a:schemeClr val="accent1"/>
+            </a:lnRef>
+            <a:fillRef idx="0">
+              <a:schemeClr val="accent1"/>
+            </a:fillRef>
+            <a:effectRef idx="0">
+              <a:schemeClr val="accent1"/>
+            </a:effectRef>
+            <a:fontRef idx="minor">
+              <a:schemeClr val="tx1"/>
+            </a:fontRef>
+          </p:style>
+        </p:cxnSp>
+        <p:cxnSp>
+          <p:nvCxnSpPr>
+            <p:cNvPr id="139" name="Straight Connector 138">
+              <a:extLst>
+                <a:ext uri="{FF2B5EF4-FFF2-40B4-BE49-F238E27FC236}">
+                  <a16:creationId xmlns:a16="http://schemas.microsoft.com/office/drawing/2014/main" id="{555407C2-7321-48CD-811F-92C71F701C28}"/>
+                </a:ext>
+                <a:ext uri="{C183D7F6-B498-43B3-948B-1728B52AA6E4}">
+                  <adec:decorative xmlns:adec="http://schemas.microsoft.com/office/drawing/2017/decorative" val="1"/>
+                </a:ext>
+              </a:extLst>
+            </p:cNvPr>
+            <p:cNvCxnSpPr/>
+            <p:nvPr>
+              <p:extLst>
+                <p:ext uri="{386F3935-93C4-4BCD-93E2-E3B085C9AB24}">
+                  <p16:designElem xmlns:p16="http://schemas.microsoft.com/office/powerpoint/2015/main" val="1"/>
+                </p:ext>
+              </p:extLst>
+            </p:nvPr>
+          </p:nvCxnSpPr>
+          <p:spPr>
+            <a:xfrm rot="-4080000" flipH="1">
+              <a:off x="5912438" y="2470678"/>
+              <a:ext cx="3394" cy="182880"/>
+            </a:xfrm>
+            <a:prstGeom prst="line">
+              <a:avLst/>
+            </a:prstGeom>
+            <a:ln>
+              <a:solidFill>
+                <a:srgbClr val="FFFFFF">
+                  <a:alpha val="30196"/>
+                </a:srgbClr>
+              </a:solidFill>
+            </a:ln>
+          </p:spPr>
+          <p:style>
+            <a:lnRef idx="1">
+              <a:schemeClr val="accent1"/>
+            </a:lnRef>
+            <a:fillRef idx="0">
+              <a:schemeClr val="accent1"/>
+            </a:fillRef>
+            <a:effectRef idx="0">
+              <a:schemeClr val="accent1"/>
+            </a:effectRef>
+            <a:fontRef idx="minor">
+              <a:schemeClr val="tx1"/>
+            </a:fontRef>
+          </p:style>
+        </p:cxnSp>
+        <p:cxnSp>
+          <p:nvCxnSpPr>
+            <p:cNvPr id="140" name="Straight Connector 139">
+              <a:extLst>
+                <a:ext uri="{FF2B5EF4-FFF2-40B4-BE49-F238E27FC236}">
+                  <a16:creationId xmlns:a16="http://schemas.microsoft.com/office/drawing/2014/main" id="{E5298A8A-2787-4153-BDA2-E939BFD51412}"/>
+                </a:ext>
+                <a:ext uri="{C183D7F6-B498-43B3-948B-1728B52AA6E4}">
+                  <adec:decorative xmlns:adec="http://schemas.microsoft.com/office/drawing/2017/decorative" val="1"/>
+                </a:ext>
+              </a:extLst>
+            </p:cNvPr>
+            <p:cNvCxnSpPr/>
+            <p:nvPr>
+              <p:extLst>
+                <p:ext uri="{386F3935-93C4-4BCD-93E2-E3B085C9AB24}">
+                  <p16:designElem xmlns:p16="http://schemas.microsoft.com/office/powerpoint/2015/main" val="1"/>
+                </p:ext>
+              </p:extLst>
+            </p:nvPr>
+          </p:nvCxnSpPr>
+          <p:spPr>
+            <a:xfrm rot="-4200000" flipH="1">
+              <a:off x="5858875" y="2600922"/>
+              <a:ext cx="3394" cy="182880"/>
+            </a:xfrm>
+            <a:prstGeom prst="line">
+              <a:avLst/>
+            </a:prstGeom>
+            <a:ln>
+              <a:solidFill>
+                <a:srgbClr val="FFFFFF">
+                  <a:alpha val="30196"/>
+                </a:srgbClr>
+              </a:solidFill>
+            </a:ln>
+          </p:spPr>
+          <p:style>
+            <a:lnRef idx="1">
+              <a:schemeClr val="accent1"/>
+            </a:lnRef>
+            <a:fillRef idx="0">
+              <a:schemeClr val="accent1"/>
+            </a:fillRef>
+            <a:effectRef idx="0">
+              <a:schemeClr val="accent1"/>
+            </a:effectRef>
+            <a:fontRef idx="minor">
+              <a:schemeClr val="tx1"/>
+            </a:fontRef>
+          </p:style>
+        </p:cxnSp>
+        <p:cxnSp>
+          <p:nvCxnSpPr>
+            <p:cNvPr id="141" name="Straight Connector 140">
+              <a:extLst>
+                <a:ext uri="{FF2B5EF4-FFF2-40B4-BE49-F238E27FC236}">
+                  <a16:creationId xmlns:a16="http://schemas.microsoft.com/office/drawing/2014/main" id="{C45057B3-3FAB-42ED-AF52-F00BB07FA52B}"/>
+                </a:ext>
+                <a:ext uri="{C183D7F6-B498-43B3-948B-1728B52AA6E4}">
+                  <adec:decorative xmlns:adec="http://schemas.microsoft.com/office/drawing/2017/decorative" val="1"/>
+                </a:ext>
+              </a:extLst>
+            </p:cNvPr>
+            <p:cNvCxnSpPr/>
+            <p:nvPr>
+              <p:extLst>
+                <p:ext uri="{386F3935-93C4-4BCD-93E2-E3B085C9AB24}">
+                  <p16:designElem xmlns:p16="http://schemas.microsoft.com/office/powerpoint/2015/main" val="1"/>
+                </p:ext>
+              </p:extLst>
+            </p:nvPr>
+          </p:nvCxnSpPr>
+          <p:spPr>
+            <a:xfrm rot="-4320000" flipH="1">
+              <a:off x="5808182" y="2734040"/>
+              <a:ext cx="3394" cy="182880"/>
+            </a:xfrm>
+            <a:prstGeom prst="line">
+              <a:avLst/>
+            </a:prstGeom>
+            <a:ln>
+              <a:solidFill>
+                <a:srgbClr val="FFFFFF">
+                  <a:alpha val="30196"/>
+                </a:srgbClr>
+              </a:solidFill>
+            </a:ln>
+          </p:spPr>
+          <p:style>
+            <a:lnRef idx="1">
+              <a:schemeClr val="accent1"/>
+            </a:lnRef>
+            <a:fillRef idx="0">
+              <a:schemeClr val="accent1"/>
+            </a:fillRef>
+            <a:effectRef idx="0">
+              <a:schemeClr val="accent1"/>
+            </a:effectRef>
+            <a:fontRef idx="minor">
+              <a:schemeClr val="tx1"/>
+            </a:fontRef>
+          </p:style>
+        </p:cxnSp>
+        <p:cxnSp>
+          <p:nvCxnSpPr>
+            <p:cNvPr id="142" name="Straight Connector 141">
+              <a:extLst>
+                <a:ext uri="{FF2B5EF4-FFF2-40B4-BE49-F238E27FC236}">
+                  <a16:creationId xmlns:a16="http://schemas.microsoft.com/office/drawing/2014/main" id="{DA3F09E9-F476-4352-90E3-6A15C74268B9}"/>
+                </a:ext>
+                <a:ext uri="{C183D7F6-B498-43B3-948B-1728B52AA6E4}">
+                  <adec:decorative xmlns:adec="http://schemas.microsoft.com/office/drawing/2017/decorative" val="1"/>
+                </a:ext>
+              </a:extLst>
+            </p:cNvPr>
+            <p:cNvCxnSpPr/>
+            <p:nvPr>
+              <p:extLst>
+                <p:ext uri="{386F3935-93C4-4BCD-93E2-E3B085C9AB24}">
+                  <p16:designElem xmlns:p16="http://schemas.microsoft.com/office/powerpoint/2015/main" val="1"/>
+                </p:ext>
+              </p:extLst>
+            </p:nvPr>
+          </p:nvCxnSpPr>
+          <p:spPr>
+            <a:xfrm rot="-4500000" flipH="1">
+              <a:off x="5773263" y="2866860"/>
+              <a:ext cx="3394" cy="182880"/>
+            </a:xfrm>
+            <a:prstGeom prst="line">
+              <a:avLst/>
+            </a:prstGeom>
+            <a:ln>
+              <a:solidFill>
+                <a:srgbClr val="FFFFFF">
+                  <a:alpha val="30196"/>
+                </a:srgbClr>
+              </a:solidFill>
+            </a:ln>
+          </p:spPr>
+          <p:style>
+            <a:lnRef idx="1">
+              <a:schemeClr val="accent1"/>
+            </a:lnRef>
+            <a:fillRef idx="0">
+              <a:schemeClr val="accent1"/>
+            </a:fillRef>
+            <a:effectRef idx="0">
+              <a:schemeClr val="accent1"/>
+            </a:effectRef>
+            <a:fontRef idx="minor">
+              <a:schemeClr val="tx1"/>
+            </a:fontRef>
+          </p:style>
+        </p:cxnSp>
+        <p:cxnSp>
+          <p:nvCxnSpPr>
+            <p:cNvPr id="143" name="Straight Connector 142">
+              <a:extLst>
+                <a:ext uri="{FF2B5EF4-FFF2-40B4-BE49-F238E27FC236}">
+                  <a16:creationId xmlns:a16="http://schemas.microsoft.com/office/drawing/2014/main" id="{128F7C5C-CECC-45A8-8A1F-D679534D4CBA}"/>
+                </a:ext>
+                <a:ext uri="{C183D7F6-B498-43B3-948B-1728B52AA6E4}">
+                  <adec:decorative xmlns:adec="http://schemas.microsoft.com/office/drawing/2017/decorative" val="1"/>
+                </a:ext>
+              </a:extLst>
+            </p:cNvPr>
+            <p:cNvCxnSpPr/>
+            <p:nvPr>
+              <p:extLst>
+                <p:ext uri="{386F3935-93C4-4BCD-93E2-E3B085C9AB24}">
+                  <p16:designElem xmlns:p16="http://schemas.microsoft.com/office/powerpoint/2015/main" val="1"/>
+                </p:ext>
+              </p:extLst>
+            </p:nvPr>
+          </p:nvCxnSpPr>
+          <p:spPr>
+            <a:xfrm rot="-4620000" flipH="1">
+              <a:off x="5735963" y="3002061"/>
+              <a:ext cx="3394" cy="182880"/>
+            </a:xfrm>
+            <a:prstGeom prst="line">
+              <a:avLst/>
+            </a:prstGeom>
+            <a:ln>
+              <a:solidFill>
+                <a:srgbClr val="FFFFFF">
+                  <a:alpha val="30196"/>
+                </a:srgbClr>
+              </a:solidFill>
+            </a:ln>
+          </p:spPr>
+          <p:style>
+            <a:lnRef idx="1">
+              <a:schemeClr val="accent1"/>
+            </a:lnRef>
+            <a:fillRef idx="0">
+              <a:schemeClr val="accent1"/>
+            </a:fillRef>
+            <a:effectRef idx="0">
+              <a:schemeClr val="accent1"/>
+            </a:effectRef>
+            <a:fontRef idx="minor">
+              <a:schemeClr val="tx1"/>
+            </a:fontRef>
+          </p:style>
+        </p:cxnSp>
+        <p:cxnSp>
+          <p:nvCxnSpPr>
+            <p:cNvPr id="144" name="Straight Connector 143">
+              <a:extLst>
+                <a:ext uri="{FF2B5EF4-FFF2-40B4-BE49-F238E27FC236}">
+                  <a16:creationId xmlns:a16="http://schemas.microsoft.com/office/drawing/2014/main" id="{FFFDFE9C-2017-4831-9F1B-6A03B58B10DE}"/>
+                </a:ext>
+                <a:ext uri="{C183D7F6-B498-43B3-948B-1728B52AA6E4}">
+                  <adec:decorative xmlns:adec="http://schemas.microsoft.com/office/drawing/2017/decorative" val="1"/>
+                </a:ext>
+              </a:extLst>
+            </p:cNvPr>
+            <p:cNvCxnSpPr/>
+            <p:nvPr>
+              <p:extLst>
+                <p:ext uri="{386F3935-93C4-4BCD-93E2-E3B085C9AB24}">
+                  <p16:designElem xmlns:p16="http://schemas.microsoft.com/office/powerpoint/2015/main" val="1"/>
+                </p:ext>
+              </p:extLst>
+            </p:nvPr>
+          </p:nvCxnSpPr>
+          <p:spPr>
+            <a:xfrm rot="-4740000" flipH="1">
+              <a:off x="5700105" y="3138910"/>
+              <a:ext cx="3394" cy="182880"/>
+            </a:xfrm>
+            <a:prstGeom prst="line">
+              <a:avLst/>
+            </a:prstGeom>
+            <a:ln>
+              <a:solidFill>
+                <a:srgbClr val="FFFFFF">
+                  <a:alpha val="30196"/>
+                </a:srgbClr>
+              </a:solidFill>
+            </a:ln>
+          </p:spPr>
+          <p:style>
+            <a:lnRef idx="1">
+              <a:schemeClr val="accent1"/>
+            </a:lnRef>
+            <a:fillRef idx="0">
+              <a:schemeClr val="accent1"/>
+            </a:fillRef>
+            <a:effectRef idx="0">
+              <a:schemeClr val="accent1"/>
+            </a:effectRef>
+            <a:fontRef idx="minor">
+              <a:schemeClr val="tx1"/>
+            </a:fontRef>
+          </p:style>
+        </p:cxnSp>
+        <p:cxnSp>
+          <p:nvCxnSpPr>
+            <p:cNvPr id="145" name="Straight Connector 144">
+              <a:extLst>
+                <a:ext uri="{FF2B5EF4-FFF2-40B4-BE49-F238E27FC236}">
+                  <a16:creationId xmlns:a16="http://schemas.microsoft.com/office/drawing/2014/main" id="{01BC942F-09CF-4A51-85A5-E23E2D71C8C8}"/>
+                </a:ext>
+                <a:ext uri="{C183D7F6-B498-43B3-948B-1728B52AA6E4}">
+                  <adec:decorative xmlns:adec="http://schemas.microsoft.com/office/drawing/2017/decorative" val="1"/>
+                </a:ext>
+              </a:extLst>
+            </p:cNvPr>
+            <p:cNvCxnSpPr/>
+            <p:nvPr>
+              <p:extLst>
+                <p:ext uri="{386F3935-93C4-4BCD-93E2-E3B085C9AB24}">
+                  <p16:designElem xmlns:p16="http://schemas.microsoft.com/office/powerpoint/2015/main" val="1"/>
+                </p:ext>
+              </p:extLst>
+            </p:nvPr>
+          </p:nvCxnSpPr>
+          <p:spPr>
+            <a:xfrm rot="-4860000" flipH="1">
+              <a:off x="5665939" y="3275489"/>
+              <a:ext cx="3394" cy="182880"/>
+            </a:xfrm>
+            <a:prstGeom prst="line">
+              <a:avLst/>
+            </a:prstGeom>
+            <a:ln>
+              <a:solidFill>
+                <a:srgbClr val="FFFFFF">
+                  <a:alpha val="30196"/>
+                </a:srgbClr>
+              </a:solidFill>
+            </a:ln>
+          </p:spPr>
+          <p:style>
+            <a:lnRef idx="1">
+              <a:schemeClr val="accent1"/>
+            </a:lnRef>
+            <a:fillRef idx="0">
+              <a:schemeClr val="accent1"/>
+            </a:fillRef>
+            <a:effectRef idx="0">
+              <a:schemeClr val="accent1"/>
+            </a:effectRef>
+            <a:fontRef idx="minor">
+              <a:schemeClr val="tx1"/>
+            </a:fontRef>
+          </p:style>
+        </p:cxnSp>
+        <p:cxnSp>
+          <p:nvCxnSpPr>
+            <p:cNvPr id="146" name="Straight Connector 145">
+              <a:extLst>
+                <a:ext uri="{FF2B5EF4-FFF2-40B4-BE49-F238E27FC236}">
+                  <a16:creationId xmlns:a16="http://schemas.microsoft.com/office/drawing/2014/main" id="{1456B520-137F-484D-A1B1-7DA5C3F823E6}"/>
+                </a:ext>
+                <a:ext uri="{C183D7F6-B498-43B3-948B-1728B52AA6E4}">
+                  <adec:decorative xmlns:adec="http://schemas.microsoft.com/office/drawing/2017/decorative" val="1"/>
+                </a:ext>
+              </a:extLst>
+            </p:cNvPr>
+            <p:cNvCxnSpPr/>
+            <p:nvPr>
+              <p:extLst>
+                <p:ext uri="{386F3935-93C4-4BCD-93E2-E3B085C9AB24}">
+                  <p16:designElem xmlns:p16="http://schemas.microsoft.com/office/powerpoint/2015/main" val="1"/>
+                </p:ext>
+              </p:extLst>
+            </p:nvPr>
+          </p:nvCxnSpPr>
+          <p:spPr>
+            <a:xfrm rot="-5040000" flipH="1">
+              <a:off x="5644476" y="3414251"/>
+              <a:ext cx="3394" cy="182880"/>
+            </a:xfrm>
+            <a:prstGeom prst="line">
+              <a:avLst/>
+            </a:prstGeom>
+            <a:ln>
+              <a:solidFill>
+                <a:srgbClr val="FFFFFF">
+                  <a:alpha val="30196"/>
+                </a:srgbClr>
+              </a:solidFill>
+            </a:ln>
+          </p:spPr>
+          <p:style>
+            <a:lnRef idx="1">
+              <a:schemeClr val="accent1"/>
+            </a:lnRef>
+            <a:fillRef idx="0">
+              <a:schemeClr val="accent1"/>
+            </a:fillRef>
+            <a:effectRef idx="0">
+              <a:schemeClr val="accent1"/>
+            </a:effectRef>
+            <a:fontRef idx="minor">
+              <a:schemeClr val="tx1"/>
+            </a:fontRef>
+          </p:style>
+        </p:cxnSp>
+        <p:cxnSp>
+          <p:nvCxnSpPr>
+            <p:cNvPr id="147" name="Straight Connector 146">
+              <a:extLst>
+                <a:ext uri="{FF2B5EF4-FFF2-40B4-BE49-F238E27FC236}">
+                  <a16:creationId xmlns:a16="http://schemas.microsoft.com/office/drawing/2014/main" id="{9ECA29F0-381E-4770-97BF-54C4E52201C4}"/>
+                </a:ext>
+                <a:ext uri="{C183D7F6-B498-43B3-948B-1728B52AA6E4}">
+                  <adec:decorative xmlns:adec="http://schemas.microsoft.com/office/drawing/2017/decorative" val="1"/>
+                </a:ext>
+              </a:extLst>
+            </p:cNvPr>
+            <p:cNvCxnSpPr/>
+            <p:nvPr>
+              <p:extLst>
+                <p:ext uri="{386F3935-93C4-4BCD-93E2-E3B085C9AB24}">
+                  <p16:designElem xmlns:p16="http://schemas.microsoft.com/office/powerpoint/2015/main" val="1"/>
+                </p:ext>
+              </p:extLst>
+            </p:nvPr>
+          </p:nvCxnSpPr>
+          <p:spPr>
+            <a:xfrm rot="-5160000" flipH="1">
+              <a:off x="5626530" y="3554628"/>
+              <a:ext cx="3394" cy="182880"/>
+            </a:xfrm>
+            <a:prstGeom prst="line">
+              <a:avLst/>
+            </a:prstGeom>
+            <a:ln>
+              <a:solidFill>
+                <a:srgbClr val="FFFFFF">
+                  <a:alpha val="30196"/>
+                </a:srgbClr>
+              </a:solidFill>
+            </a:ln>
+          </p:spPr>
+          <p:style>
+            <a:lnRef idx="1">
+              <a:schemeClr val="accent1"/>
+            </a:lnRef>
+            <a:fillRef idx="0">
+              <a:schemeClr val="accent1"/>
+            </a:fillRef>
+            <a:effectRef idx="0">
+              <a:schemeClr val="accent1"/>
+            </a:effectRef>
+            <a:fontRef idx="minor">
+              <a:schemeClr val="tx1"/>
+            </a:fontRef>
+          </p:style>
+        </p:cxnSp>
+        <p:cxnSp>
+          <p:nvCxnSpPr>
+            <p:cNvPr id="148" name="Straight Connector 147">
+              <a:extLst>
+                <a:ext uri="{FF2B5EF4-FFF2-40B4-BE49-F238E27FC236}">
+                  <a16:creationId xmlns:a16="http://schemas.microsoft.com/office/drawing/2014/main" id="{D43CCF9F-8F11-4676-82F3-DEE8A48C8567}"/>
+                </a:ext>
+                <a:ext uri="{C183D7F6-B498-43B3-948B-1728B52AA6E4}">
+                  <adec:decorative xmlns:adec="http://schemas.microsoft.com/office/drawing/2017/decorative" val="1"/>
+                </a:ext>
+              </a:extLst>
+            </p:cNvPr>
+            <p:cNvCxnSpPr/>
+            <p:nvPr>
+              <p:extLst>
+                <p:ext uri="{386F3935-93C4-4BCD-93E2-E3B085C9AB24}">
+                  <p16:designElem xmlns:p16="http://schemas.microsoft.com/office/powerpoint/2015/main" val="1"/>
+                </p:ext>
+              </p:extLst>
+            </p:nvPr>
+          </p:nvCxnSpPr>
+          <p:spPr>
+            <a:xfrm rot="-5280000" flipH="1">
+              <a:off x="5616429" y="3691831"/>
+              <a:ext cx="3394" cy="182880"/>
+            </a:xfrm>
+            <a:prstGeom prst="line">
+              <a:avLst/>
+            </a:prstGeom>
+            <a:ln>
+              <a:solidFill>
+                <a:srgbClr val="FFFFFF">
+                  <a:alpha val="30196"/>
+                </a:srgbClr>
+              </a:solidFill>
+            </a:ln>
+          </p:spPr>
+          <p:style>
+            <a:lnRef idx="1">
+              <a:schemeClr val="accent1"/>
+            </a:lnRef>
+            <a:fillRef idx="0">
+              <a:schemeClr val="accent1"/>
+            </a:fillRef>
+            <a:effectRef idx="0">
+              <a:schemeClr val="accent1"/>
+            </a:effectRef>
+            <a:fontRef idx="minor">
+              <a:schemeClr val="tx1"/>
+            </a:fontRef>
+          </p:style>
+        </p:cxnSp>
+        <p:cxnSp>
+          <p:nvCxnSpPr>
+            <p:cNvPr id="149" name="Straight Connector 148">
+              <a:extLst>
+                <a:ext uri="{FF2B5EF4-FFF2-40B4-BE49-F238E27FC236}">
+                  <a16:creationId xmlns:a16="http://schemas.microsoft.com/office/drawing/2014/main" id="{6FA620FD-6A45-4754-BF42-A9FA44966DD9}"/>
+                </a:ext>
+                <a:ext uri="{C183D7F6-B498-43B3-948B-1728B52AA6E4}">
+                  <adec:decorative xmlns:adec="http://schemas.microsoft.com/office/drawing/2017/decorative" val="1"/>
+                </a:ext>
+              </a:extLst>
+            </p:cNvPr>
+            <p:cNvCxnSpPr/>
+            <p:nvPr>
+              <p:extLst>
+                <p:ext uri="{386F3935-93C4-4BCD-93E2-E3B085C9AB24}">
+                  <p16:designElem xmlns:p16="http://schemas.microsoft.com/office/powerpoint/2015/main" val="1"/>
+                </p:ext>
+              </p:extLst>
+            </p:nvPr>
+          </p:nvCxnSpPr>
+          <p:spPr>
+            <a:xfrm rot="-5400000" flipH="1">
+              <a:off x="5611319" y="3835374"/>
+              <a:ext cx="3394" cy="182880"/>
+            </a:xfrm>
+            <a:prstGeom prst="line">
+              <a:avLst/>
+            </a:prstGeom>
+            <a:ln>
+              <a:solidFill>
+                <a:srgbClr val="FFFFFF">
+                  <a:alpha val="30196"/>
+                </a:srgbClr>
+              </a:solidFill>
+            </a:ln>
+          </p:spPr>
+          <p:style>
+            <a:lnRef idx="1">
+              <a:schemeClr val="accent1"/>
+            </a:lnRef>
+            <a:fillRef idx="0">
+              <a:schemeClr val="accent1"/>
+            </a:fillRef>
+            <a:effectRef idx="0">
+              <a:schemeClr val="accent1"/>
+            </a:effectRef>
+            <a:fontRef idx="minor">
+              <a:schemeClr val="tx1"/>
+            </a:fontRef>
+          </p:style>
+        </p:cxnSp>
+        <p:cxnSp>
+          <p:nvCxnSpPr>
+            <p:cNvPr id="150" name="Straight Connector 149">
+              <a:extLst>
+                <a:ext uri="{FF2B5EF4-FFF2-40B4-BE49-F238E27FC236}">
+                  <a16:creationId xmlns:a16="http://schemas.microsoft.com/office/drawing/2014/main" id="{DC4D38F3-F3A2-42F4-8B57-DE978EC4AD5A}"/>
+                </a:ext>
+                <a:ext uri="{C183D7F6-B498-43B3-948B-1728B52AA6E4}">
+                  <adec:decorative xmlns:adec="http://schemas.microsoft.com/office/drawing/2017/decorative" val="1"/>
+                </a:ext>
+              </a:extLst>
+            </p:cNvPr>
+            <p:cNvCxnSpPr/>
+            <p:nvPr>
+              <p:extLst>
+                <p:ext uri="{386F3935-93C4-4BCD-93E2-E3B085C9AB24}">
+                  <p16:designElem xmlns:p16="http://schemas.microsoft.com/office/powerpoint/2015/main" val="1"/>
+                </p:ext>
+              </p:extLst>
+            </p:nvPr>
+          </p:nvCxnSpPr>
+          <p:spPr>
+            <a:xfrm rot="-5580000" flipH="1">
+              <a:off x="5608540" y="3975726"/>
+              <a:ext cx="3394" cy="182880"/>
+            </a:xfrm>
+            <a:prstGeom prst="line">
+              <a:avLst/>
+            </a:prstGeom>
+            <a:ln>
+              <a:solidFill>
+                <a:srgbClr val="FFFFFF">
+                  <a:alpha val="30196"/>
+                </a:srgbClr>
+              </a:solidFill>
+            </a:ln>
+          </p:spPr>
+          <p:style>
+            <a:lnRef idx="1">
+              <a:schemeClr val="accent1"/>
+            </a:lnRef>
+            <a:fillRef idx="0">
+              <a:schemeClr val="accent1"/>
+            </a:fillRef>
+            <a:effectRef idx="0">
+              <a:schemeClr val="accent1"/>
+            </a:effectRef>
+            <a:fontRef idx="minor">
+              <a:schemeClr val="tx1"/>
+            </a:fontRef>
+          </p:style>
+        </p:cxnSp>
+        <p:cxnSp>
+          <p:nvCxnSpPr>
+            <p:cNvPr id="151" name="Straight Connector 150">
+              <a:extLst>
+                <a:ext uri="{FF2B5EF4-FFF2-40B4-BE49-F238E27FC236}">
+                  <a16:creationId xmlns:a16="http://schemas.microsoft.com/office/drawing/2014/main" id="{3C26D30E-A91E-4A5B-A419-0B9D79D57CED}"/>
+                </a:ext>
+                <a:ext uri="{C183D7F6-B498-43B3-948B-1728B52AA6E4}">
+                  <adec:decorative xmlns:adec="http://schemas.microsoft.com/office/drawing/2017/decorative" val="1"/>
+                </a:ext>
+              </a:extLst>
+            </p:cNvPr>
+            <p:cNvCxnSpPr/>
+            <p:nvPr>
+              <p:extLst>
+                <p:ext uri="{386F3935-93C4-4BCD-93E2-E3B085C9AB24}">
+                  <p16:designElem xmlns:p16="http://schemas.microsoft.com/office/powerpoint/2015/main" val="1"/>
+                </p:ext>
+              </p:extLst>
+            </p:nvPr>
+          </p:nvCxnSpPr>
+          <p:spPr>
+            <a:xfrm rot="-5700000" flipH="1">
+              <a:off x="5605761" y="4116078"/>
+              <a:ext cx="3394" cy="182880"/>
+            </a:xfrm>
+            <a:prstGeom prst="line">
+              <a:avLst/>
+            </a:prstGeom>
+            <a:ln>
+              <a:solidFill>
+                <a:srgbClr val="FFFFFF">
+                  <a:alpha val="30196"/>
+                </a:srgbClr>
+              </a:solidFill>
+            </a:ln>
+          </p:spPr>
+          <p:style>
+            <a:lnRef idx="1">
+              <a:schemeClr val="accent1"/>
+            </a:lnRef>
+            <a:fillRef idx="0">
+              <a:schemeClr val="accent1"/>
+            </a:fillRef>
+            <a:effectRef idx="0">
+              <a:schemeClr val="accent1"/>
+            </a:effectRef>
+            <a:fontRef idx="minor">
+              <a:schemeClr val="tx1"/>
+            </a:fontRef>
+          </p:style>
+        </p:cxnSp>
+        <p:cxnSp>
+          <p:nvCxnSpPr>
+            <p:cNvPr id="152" name="Straight Connector 151">
+              <a:extLst>
+                <a:ext uri="{FF2B5EF4-FFF2-40B4-BE49-F238E27FC236}">
+                  <a16:creationId xmlns:a16="http://schemas.microsoft.com/office/drawing/2014/main" id="{ADAB3EBC-722A-462E-AAAE-506E50038ED8}"/>
+                </a:ext>
+                <a:ext uri="{C183D7F6-B498-43B3-948B-1728B52AA6E4}">
+                  <adec:decorative xmlns:adec="http://schemas.microsoft.com/office/drawing/2017/decorative" val="1"/>
+                </a:ext>
+              </a:extLst>
+            </p:cNvPr>
+            <p:cNvCxnSpPr/>
+            <p:nvPr>
+              <p:extLst>
+                <p:ext uri="{386F3935-93C4-4BCD-93E2-E3B085C9AB24}">
+                  <p16:designElem xmlns:p16="http://schemas.microsoft.com/office/powerpoint/2015/main" val="1"/>
+                </p:ext>
+              </p:extLst>
+            </p:nvPr>
+          </p:nvCxnSpPr>
+          <p:spPr>
+            <a:xfrm rot="-5820000" flipH="1">
+              <a:off x="5624195" y="4254218"/>
+              <a:ext cx="3394" cy="182880"/>
+            </a:xfrm>
+            <a:prstGeom prst="line">
+              <a:avLst/>
+            </a:prstGeom>
+            <a:ln>
+              <a:solidFill>
+                <a:srgbClr val="FFFFFF">
+                  <a:alpha val="30196"/>
+                </a:srgbClr>
+              </a:solidFill>
+            </a:ln>
+          </p:spPr>
+          <p:style>
+            <a:lnRef idx="1">
+              <a:schemeClr val="accent1"/>
+            </a:lnRef>
+            <a:fillRef idx="0">
+              <a:schemeClr val="accent1"/>
+            </a:fillRef>
+            <a:effectRef idx="0">
+              <a:schemeClr val="accent1"/>
+            </a:effectRef>
+            <a:fontRef idx="minor">
+              <a:schemeClr val="tx1"/>
+            </a:fontRef>
+          </p:style>
+        </p:cxnSp>
+        <p:cxnSp>
+          <p:nvCxnSpPr>
+            <p:cNvPr id="153" name="Straight Connector 152">
+              <a:extLst>
+                <a:ext uri="{FF2B5EF4-FFF2-40B4-BE49-F238E27FC236}">
+                  <a16:creationId xmlns:a16="http://schemas.microsoft.com/office/drawing/2014/main" id="{CBAABC17-832F-48CF-B0D7-0F7DE54607F5}"/>
+                </a:ext>
+                <a:ext uri="{C183D7F6-B498-43B3-948B-1728B52AA6E4}">
+                  <adec:decorative xmlns:adec="http://schemas.microsoft.com/office/drawing/2017/decorative" val="1"/>
+                </a:ext>
+              </a:extLst>
+            </p:cNvPr>
+            <p:cNvCxnSpPr/>
+            <p:nvPr>
+              <p:extLst>
+                <p:ext uri="{386F3935-93C4-4BCD-93E2-E3B085C9AB24}">
+                  <p16:designElem xmlns:p16="http://schemas.microsoft.com/office/powerpoint/2015/main" val="1"/>
+                </p:ext>
+              </p:extLst>
+            </p:nvPr>
+          </p:nvCxnSpPr>
+          <p:spPr>
+            <a:xfrm rot="-5940000" flipH="1">
+              <a:off x="5642629" y="4392358"/>
+              <a:ext cx="3394" cy="182880"/>
+            </a:xfrm>
+            <a:prstGeom prst="line">
+              <a:avLst/>
+            </a:prstGeom>
+            <a:ln>
+              <a:solidFill>
+                <a:srgbClr val="FFFFFF">
+                  <a:alpha val="30196"/>
+                </a:srgbClr>
+              </a:solidFill>
+            </a:ln>
+          </p:spPr>
+          <p:style>
+            <a:lnRef idx="1">
+              <a:schemeClr val="accent1"/>
+            </a:lnRef>
+            <a:fillRef idx="0">
+              <a:schemeClr val="accent1"/>
+            </a:fillRef>
+            <a:effectRef idx="0">
+              <a:schemeClr val="accent1"/>
+            </a:effectRef>
+            <a:fontRef idx="minor">
+              <a:schemeClr val="tx1"/>
+            </a:fontRef>
+          </p:style>
+        </p:cxnSp>
+        <p:cxnSp>
+          <p:nvCxnSpPr>
+            <p:cNvPr id="154" name="Straight Connector 153">
+              <a:extLst>
+                <a:ext uri="{FF2B5EF4-FFF2-40B4-BE49-F238E27FC236}">
+                  <a16:creationId xmlns:a16="http://schemas.microsoft.com/office/drawing/2014/main" id="{E1FCA513-75D7-414B-BE8F-D780746A1A66}"/>
+                </a:ext>
+                <a:ext uri="{C183D7F6-B498-43B3-948B-1728B52AA6E4}">
+                  <adec:decorative xmlns:adec="http://schemas.microsoft.com/office/drawing/2017/decorative" val="1"/>
+                </a:ext>
+              </a:extLst>
+            </p:cNvPr>
+            <p:cNvCxnSpPr/>
+            <p:nvPr>
+              <p:extLst>
+                <p:ext uri="{386F3935-93C4-4BCD-93E2-E3B085C9AB24}">
+                  <p16:designElem xmlns:p16="http://schemas.microsoft.com/office/powerpoint/2015/main" val="1"/>
+                </p:ext>
+              </p:extLst>
+            </p:nvPr>
+          </p:nvCxnSpPr>
+          <p:spPr>
+            <a:xfrm rot="-6120000" flipH="1">
+              <a:off x="5654818" y="4536385"/>
+              <a:ext cx="3394" cy="182880"/>
+            </a:xfrm>
+            <a:prstGeom prst="line">
+              <a:avLst/>
+            </a:prstGeom>
+            <a:ln>
+              <a:solidFill>
+                <a:srgbClr val="FFFFFF">
+                  <a:alpha val="30196"/>
+                </a:srgbClr>
+              </a:solidFill>
+            </a:ln>
+          </p:spPr>
+          <p:style>
+            <a:lnRef idx="1">
+              <a:schemeClr val="accent1"/>
+            </a:lnRef>
+            <a:fillRef idx="0">
+              <a:schemeClr val="accent1"/>
+            </a:fillRef>
+            <a:effectRef idx="0">
+              <a:schemeClr val="accent1"/>
+            </a:effectRef>
+            <a:fontRef idx="minor">
+              <a:schemeClr val="tx1"/>
+            </a:fontRef>
+          </p:style>
+        </p:cxnSp>
+        <p:cxnSp>
+          <p:nvCxnSpPr>
+            <p:cNvPr id="155" name="Straight Connector 154">
+              <a:extLst>
+                <a:ext uri="{FF2B5EF4-FFF2-40B4-BE49-F238E27FC236}">
+                  <a16:creationId xmlns:a16="http://schemas.microsoft.com/office/drawing/2014/main" id="{F2EDEC73-B6F5-473F-934A-CEF57604A8A4}"/>
+                </a:ext>
+                <a:ext uri="{C183D7F6-B498-43B3-948B-1728B52AA6E4}">
+                  <adec:decorative xmlns:adec="http://schemas.microsoft.com/office/drawing/2017/decorative" val="1"/>
+                </a:ext>
+              </a:extLst>
+            </p:cNvPr>
+            <p:cNvCxnSpPr/>
+            <p:nvPr>
+              <p:extLst>
+                <p:ext uri="{386F3935-93C4-4BCD-93E2-E3B085C9AB24}">
+                  <p16:designElem xmlns:p16="http://schemas.microsoft.com/office/powerpoint/2015/main" val="1"/>
+                </p:ext>
+              </p:extLst>
+            </p:nvPr>
+          </p:nvCxnSpPr>
+          <p:spPr>
+            <a:xfrm rot="-6240000" flipH="1">
+              <a:off x="5684446" y="4671367"/>
+              <a:ext cx="3394" cy="182880"/>
+            </a:xfrm>
+            <a:prstGeom prst="line">
+              <a:avLst/>
+            </a:prstGeom>
+            <a:ln>
+              <a:solidFill>
+                <a:srgbClr val="FFFFFF">
+                  <a:alpha val="30196"/>
+                </a:srgbClr>
+              </a:solidFill>
+            </a:ln>
+          </p:spPr>
+          <p:style>
+            <a:lnRef idx="1">
+              <a:schemeClr val="accent1"/>
+            </a:lnRef>
+            <a:fillRef idx="0">
+              <a:schemeClr val="accent1"/>
+            </a:fillRef>
+            <a:effectRef idx="0">
+              <a:schemeClr val="accent1"/>
+            </a:effectRef>
+            <a:fontRef idx="minor">
+              <a:schemeClr val="tx1"/>
+            </a:fontRef>
+          </p:style>
+        </p:cxnSp>
+        <p:cxnSp>
+          <p:nvCxnSpPr>
+            <p:cNvPr id="156" name="Straight Connector 155">
+              <a:extLst>
+                <a:ext uri="{FF2B5EF4-FFF2-40B4-BE49-F238E27FC236}">
+                  <a16:creationId xmlns:a16="http://schemas.microsoft.com/office/drawing/2014/main" id="{5B987884-C452-4492-A9F8-2770D3373BF9}"/>
+                </a:ext>
+                <a:ext uri="{C183D7F6-B498-43B3-948B-1728B52AA6E4}">
+                  <adec:decorative xmlns:adec="http://schemas.microsoft.com/office/drawing/2017/decorative" val="1"/>
+                </a:ext>
+              </a:extLst>
+            </p:cNvPr>
+            <p:cNvCxnSpPr/>
+            <p:nvPr>
+              <p:extLst>
+                <p:ext uri="{386F3935-93C4-4BCD-93E2-E3B085C9AB24}">
+                  <p16:designElem xmlns:p16="http://schemas.microsoft.com/office/powerpoint/2015/main" val="1"/>
+                </p:ext>
+              </p:extLst>
+            </p:nvPr>
+          </p:nvCxnSpPr>
+          <p:spPr>
+            <a:xfrm rot="-6360000" flipH="1">
+              <a:off x="5714074" y="4808730"/>
+              <a:ext cx="3394" cy="182880"/>
+            </a:xfrm>
+            <a:prstGeom prst="line">
+              <a:avLst/>
+            </a:prstGeom>
+            <a:ln>
+              <a:solidFill>
+                <a:srgbClr val="FFFFFF">
+                  <a:alpha val="30196"/>
+                </a:srgbClr>
+              </a:solidFill>
+            </a:ln>
+          </p:spPr>
+          <p:style>
+            <a:lnRef idx="1">
+              <a:schemeClr val="accent1"/>
+            </a:lnRef>
+            <a:fillRef idx="0">
+              <a:schemeClr val="accent1"/>
+            </a:fillRef>
+            <a:effectRef idx="0">
+              <a:schemeClr val="accent1"/>
+            </a:effectRef>
+            <a:fontRef idx="minor">
+              <a:schemeClr val="tx1"/>
+            </a:fontRef>
+          </p:style>
+        </p:cxnSp>
+        <p:cxnSp>
+          <p:nvCxnSpPr>
+            <p:cNvPr id="157" name="Straight Connector 156">
+              <a:extLst>
+                <a:ext uri="{FF2B5EF4-FFF2-40B4-BE49-F238E27FC236}">
+                  <a16:creationId xmlns:a16="http://schemas.microsoft.com/office/drawing/2014/main" id="{9D978AF2-B7BB-4E05-81F1-1A5DBD1CB4EF}"/>
+                </a:ext>
+                <a:ext uri="{C183D7F6-B498-43B3-948B-1728B52AA6E4}">
+                  <adec:decorative xmlns:adec="http://schemas.microsoft.com/office/drawing/2017/decorative" val="1"/>
+                </a:ext>
+              </a:extLst>
+            </p:cNvPr>
+            <p:cNvCxnSpPr/>
+            <p:nvPr>
+              <p:extLst>
+                <p:ext uri="{386F3935-93C4-4BCD-93E2-E3B085C9AB24}">
+                  <p16:designElem xmlns:p16="http://schemas.microsoft.com/office/powerpoint/2015/main" val="1"/>
+                </p:ext>
+              </p:extLst>
+            </p:nvPr>
+          </p:nvCxnSpPr>
+          <p:spPr>
+            <a:xfrm rot="-6480000" flipH="1">
+              <a:off x="5748464" y="4948474"/>
+              <a:ext cx="3394" cy="182880"/>
+            </a:xfrm>
+            <a:prstGeom prst="line">
+              <a:avLst/>
+            </a:prstGeom>
+            <a:ln>
+              <a:solidFill>
+                <a:srgbClr val="FFFFFF">
+                  <a:alpha val="30196"/>
+                </a:srgbClr>
+              </a:solidFill>
+            </a:ln>
+          </p:spPr>
+          <p:style>
+            <a:lnRef idx="1">
+              <a:schemeClr val="accent1"/>
+            </a:lnRef>
+            <a:fillRef idx="0">
+              <a:schemeClr val="accent1"/>
+            </a:fillRef>
+            <a:effectRef idx="0">
+              <a:schemeClr val="accent1"/>
+            </a:effectRef>
+            <a:fontRef idx="minor">
+              <a:schemeClr val="tx1"/>
+            </a:fontRef>
+          </p:style>
+        </p:cxnSp>
+        <p:cxnSp>
+          <p:nvCxnSpPr>
+            <p:cNvPr id="158" name="Straight Connector 157">
+              <a:extLst>
+                <a:ext uri="{FF2B5EF4-FFF2-40B4-BE49-F238E27FC236}">
+                  <a16:creationId xmlns:a16="http://schemas.microsoft.com/office/drawing/2014/main" id="{D7AD4D45-C3AB-458E-B826-0FACBD0DF3AF}"/>
+                </a:ext>
+                <a:ext uri="{C183D7F6-B498-43B3-948B-1728B52AA6E4}">
+                  <adec:decorative xmlns:adec="http://schemas.microsoft.com/office/drawing/2017/decorative" val="1"/>
+                </a:ext>
+              </a:extLst>
+            </p:cNvPr>
+            <p:cNvCxnSpPr/>
+            <p:nvPr>
+              <p:extLst>
+                <p:ext uri="{386F3935-93C4-4BCD-93E2-E3B085C9AB24}">
+                  <p16:designElem xmlns:p16="http://schemas.microsoft.com/office/powerpoint/2015/main" val="1"/>
+                </p:ext>
+              </p:extLst>
+            </p:nvPr>
+          </p:nvCxnSpPr>
+          <p:spPr>
+            <a:xfrm rot="-6660000" flipH="1">
+              <a:off x="5792091" y="5077607"/>
+              <a:ext cx="3394" cy="182880"/>
+            </a:xfrm>
+            <a:prstGeom prst="line">
+              <a:avLst/>
+            </a:prstGeom>
+            <a:ln>
+              <a:solidFill>
+                <a:srgbClr val="FFFFFF">
+                  <a:alpha val="30196"/>
+                </a:srgbClr>
+              </a:solidFill>
+            </a:ln>
+          </p:spPr>
+          <p:style>
+            <a:lnRef idx="1">
+              <a:schemeClr val="accent1"/>
+            </a:lnRef>
+            <a:fillRef idx="0">
+              <a:schemeClr val="accent1"/>
+            </a:fillRef>
+            <a:effectRef idx="0">
+              <a:schemeClr val="accent1"/>
+            </a:effectRef>
+            <a:fontRef idx="minor">
+              <a:schemeClr val="tx1"/>
+            </a:fontRef>
+          </p:style>
+        </p:cxnSp>
+        <p:cxnSp>
+          <p:nvCxnSpPr>
+            <p:cNvPr id="159" name="Straight Connector 158">
+              <a:extLst>
+                <a:ext uri="{FF2B5EF4-FFF2-40B4-BE49-F238E27FC236}">
+                  <a16:creationId xmlns:a16="http://schemas.microsoft.com/office/drawing/2014/main" id="{A6E15555-6738-463C-B7DF-86429F2F9677}"/>
+                </a:ext>
+                <a:ext uri="{C183D7F6-B498-43B3-948B-1728B52AA6E4}">
+                  <adec:decorative xmlns:adec="http://schemas.microsoft.com/office/drawing/2017/decorative" val="1"/>
+                </a:ext>
+              </a:extLst>
+            </p:cNvPr>
+            <p:cNvCxnSpPr/>
+            <p:nvPr>
+              <p:extLst>
+                <p:ext uri="{386F3935-93C4-4BCD-93E2-E3B085C9AB24}">
+                  <p16:designElem xmlns:p16="http://schemas.microsoft.com/office/powerpoint/2015/main" val="1"/>
+                </p:ext>
+              </p:extLst>
+            </p:nvPr>
+          </p:nvCxnSpPr>
+          <p:spPr>
+            <a:xfrm rot="-6780000" flipH="1">
+              <a:off x="5847441" y="5211223"/>
+              <a:ext cx="3394" cy="182880"/>
+            </a:xfrm>
+            <a:prstGeom prst="line">
+              <a:avLst/>
+            </a:prstGeom>
+            <a:ln>
+              <a:solidFill>
+                <a:srgbClr val="FFFFFF">
+                  <a:alpha val="30196"/>
+                </a:srgbClr>
+              </a:solidFill>
+            </a:ln>
+          </p:spPr>
+          <p:style>
+            <a:lnRef idx="1">
+              <a:schemeClr val="accent1"/>
+            </a:lnRef>
+            <a:fillRef idx="0">
+              <a:schemeClr val="accent1"/>
+            </a:fillRef>
+            <a:effectRef idx="0">
+              <a:schemeClr val="accent1"/>
+            </a:effectRef>
+            <a:fontRef idx="minor">
+              <a:schemeClr val="tx1"/>
+            </a:fontRef>
+          </p:style>
+        </p:cxnSp>
+        <p:cxnSp>
+          <p:nvCxnSpPr>
+            <p:cNvPr id="160" name="Straight Connector 159">
+              <a:extLst>
+                <a:ext uri="{FF2B5EF4-FFF2-40B4-BE49-F238E27FC236}">
+                  <a16:creationId xmlns:a16="http://schemas.microsoft.com/office/drawing/2014/main" id="{AE487172-B4C3-4D13-A562-EF0BA3DD961F}"/>
+                </a:ext>
+                <a:ext uri="{C183D7F6-B498-43B3-948B-1728B52AA6E4}">
+                  <adec:decorative xmlns:adec="http://schemas.microsoft.com/office/drawing/2017/decorative" val="1"/>
+                </a:ext>
+              </a:extLst>
+            </p:cNvPr>
+            <p:cNvCxnSpPr/>
+            <p:nvPr>
+              <p:extLst>
+                <p:ext uri="{386F3935-93C4-4BCD-93E2-E3B085C9AB24}">
+                  <p16:designElem xmlns:p16="http://schemas.microsoft.com/office/powerpoint/2015/main" val="1"/>
+                </p:ext>
+              </p:extLst>
+            </p:nvPr>
+          </p:nvCxnSpPr>
+          <p:spPr>
+            <a:xfrm rot="-6900000" flipH="1">
+              <a:off x="5900410" y="5342458"/>
+              <a:ext cx="3394" cy="182880"/>
+            </a:xfrm>
+            <a:prstGeom prst="line">
+              <a:avLst/>
+            </a:prstGeom>
+            <a:ln>
+              <a:solidFill>
+                <a:srgbClr val="FFFFFF">
+                  <a:alpha val="30196"/>
+                </a:srgbClr>
+              </a:solidFill>
+            </a:ln>
+          </p:spPr>
+          <p:style>
+            <a:lnRef idx="1">
+              <a:schemeClr val="accent1"/>
+            </a:lnRef>
+            <a:fillRef idx="0">
+              <a:schemeClr val="accent1"/>
+            </a:fillRef>
+            <a:effectRef idx="0">
+              <a:schemeClr val="accent1"/>
+            </a:effectRef>
+            <a:fontRef idx="minor">
+              <a:schemeClr val="tx1"/>
+            </a:fontRef>
+          </p:style>
+        </p:cxnSp>
+        <p:cxnSp>
+          <p:nvCxnSpPr>
+            <p:cNvPr id="161" name="Straight Connector 160">
+              <a:extLst>
+                <a:ext uri="{FF2B5EF4-FFF2-40B4-BE49-F238E27FC236}">
+                  <a16:creationId xmlns:a16="http://schemas.microsoft.com/office/drawing/2014/main" id="{08E66297-1295-432A-AA84-7BB2341C1932}"/>
+                </a:ext>
+                <a:ext uri="{C183D7F6-B498-43B3-948B-1728B52AA6E4}">
+                  <adec:decorative xmlns:adec="http://schemas.microsoft.com/office/drawing/2017/decorative" val="1"/>
+                </a:ext>
+              </a:extLst>
+            </p:cNvPr>
+            <p:cNvCxnSpPr/>
+            <p:nvPr>
+              <p:extLst>
+                <p:ext uri="{386F3935-93C4-4BCD-93E2-E3B085C9AB24}">
+                  <p16:designElem xmlns:p16="http://schemas.microsoft.com/office/powerpoint/2015/main" val="1"/>
+                </p:ext>
+              </p:extLst>
+            </p:nvPr>
+          </p:nvCxnSpPr>
+          <p:spPr>
+            <a:xfrm rot="-7020000" flipH="1">
+              <a:off x="5955760" y="5473693"/>
+              <a:ext cx="3394" cy="182880"/>
+            </a:xfrm>
+            <a:prstGeom prst="line">
+              <a:avLst/>
+            </a:prstGeom>
+            <a:ln>
+              <a:solidFill>
+                <a:srgbClr val="FFFFFF">
+                  <a:alpha val="30196"/>
+                </a:srgbClr>
+              </a:solidFill>
+            </a:ln>
+          </p:spPr>
+          <p:style>
+            <a:lnRef idx="1">
+              <a:schemeClr val="accent1"/>
+            </a:lnRef>
+            <a:fillRef idx="0">
+              <a:schemeClr val="accent1"/>
+            </a:fillRef>
+            <a:effectRef idx="0">
+              <a:schemeClr val="accent1"/>
+            </a:effectRef>
+            <a:fontRef idx="minor">
+              <a:schemeClr val="tx1"/>
+            </a:fontRef>
+          </p:style>
+        </p:cxnSp>
+      </p:grpSp>
+      <p:sp>
+        <p:nvSpPr>
+          <p:cNvPr id="12" name="AutoShape 12" descr=".net MVC">
+            <a:extLst>
+              <a:ext uri="{FF2B5EF4-FFF2-40B4-BE49-F238E27FC236}">
+                <a16:creationId xmlns:a16="http://schemas.microsoft.com/office/drawing/2014/main" id="{99069BB0-7566-6042-ACE0-3BDCCF6F3B7C}"/>
+              </a:ext>
+            </a:extLst>
+          </p:cNvPr>
+          <p:cNvSpPr>
+            <a:spLocks noChangeAspect="1" noChangeArrowheads="1"/>
+          </p:cNvSpPr>
+          <p:nvPr/>
+        </p:nvSpPr>
+        <p:spPr bwMode="auto">
+          <a:xfrm>
+            <a:off x="0" y="228600"/>
+            <a:ext cx="12192000" cy="6400800"/>
+          </a:xfrm>
+          <a:prstGeom prst="rect">
+            <a:avLst/>
+          </a:prstGeom>
+          <a:noFill/>
+          <a:extLst>
+            <a:ext uri="{909E8E84-426E-40DD-AFC4-6F175D3DCCD1}">
+              <a14:hiddenFill xmlns:a14="http://schemas.microsoft.com/office/drawing/2010/main">
+                <a:solidFill>
+                  <a:srgbClr val="FFFFFF"/>
+                </a:solidFill>
+              </a14:hiddenFill>
+            </a:ext>
+          </a:extLst>
+        </p:spPr>
+        <p:txBody>
+          <a:bodyPr vert="horz" wrap="square" lIns="91440" tIns="45720" rIns="91440" bIns="45720" numCol="1" anchor="t" anchorCtr="0" compatLnSpc="1">
+            <a:prstTxWarp prst="textNoShape">
+              <a:avLst/>
+            </a:prstTxWarp>
+          </a:bodyPr>
+          <a:lstStyle/>
+          <a:p>
+            <a:endParaRPr lang="fr-FR"/>
+          </a:p>
+        </p:txBody>
+      </p:sp>
+      <p:sp>
+        <p:nvSpPr>
+          <p:cNvPr id="13" name="AutoShape 14" descr=".net MVC">
+            <a:extLst>
+              <a:ext uri="{FF2B5EF4-FFF2-40B4-BE49-F238E27FC236}">
+                <a16:creationId xmlns:a16="http://schemas.microsoft.com/office/drawing/2014/main" id="{294FC388-7050-C243-8445-10B1D09F1B22}"/>
+              </a:ext>
+            </a:extLst>
+          </p:cNvPr>
+          <p:cNvSpPr>
+            <a:spLocks noChangeAspect="1" noChangeArrowheads="1"/>
+          </p:cNvSpPr>
+          <p:nvPr/>
+        </p:nvSpPr>
+        <p:spPr bwMode="auto">
+          <a:xfrm>
+            <a:off x="152400" y="381000"/>
+            <a:ext cx="12192000" cy="6400800"/>
+          </a:xfrm>
+          <a:prstGeom prst="rect">
+            <a:avLst/>
+          </a:prstGeom>
+          <a:noFill/>
+          <a:extLst>
+            <a:ext uri="{909E8E84-426E-40DD-AFC4-6F175D3DCCD1}">
+              <a14:hiddenFill xmlns:a14="http://schemas.microsoft.com/office/drawing/2010/main">
+                <a:solidFill>
+                  <a:srgbClr val="FFFFFF"/>
+                </a:solidFill>
+              </a14:hiddenFill>
+            </a:ext>
+          </a:extLst>
+        </p:spPr>
+        <p:txBody>
+          <a:bodyPr vert="horz" wrap="square" lIns="91440" tIns="45720" rIns="91440" bIns="45720" numCol="1" anchor="t" anchorCtr="0" compatLnSpc="1">
+            <a:prstTxWarp prst="textNoShape">
+              <a:avLst/>
+            </a:prstTxWarp>
+          </a:bodyPr>
+          <a:lstStyle/>
+          <a:p>
+            <a:endParaRPr lang="fr-FR"/>
+          </a:p>
+        </p:txBody>
+      </p:sp>
+      <p:sp>
+        <p:nvSpPr>
+          <p:cNvPr id="14" name="AutoShape 16" descr=".net MVC">
+            <a:extLst>
+              <a:ext uri="{FF2B5EF4-FFF2-40B4-BE49-F238E27FC236}">
+                <a16:creationId xmlns:a16="http://schemas.microsoft.com/office/drawing/2014/main" id="{69F9BC1C-1B12-5D4A-8659-6A1789B214B8}"/>
+              </a:ext>
+            </a:extLst>
+          </p:cNvPr>
+          <p:cNvSpPr>
+            <a:spLocks noChangeAspect="1" noChangeArrowheads="1"/>
+          </p:cNvSpPr>
+          <p:nvPr/>
+        </p:nvSpPr>
+        <p:spPr bwMode="auto">
+          <a:xfrm>
+            <a:off x="304800" y="533400"/>
+            <a:ext cx="12192000" cy="6400800"/>
+          </a:xfrm>
+          <a:prstGeom prst="rect">
+            <a:avLst/>
+          </a:prstGeom>
+          <a:noFill/>
+          <a:extLst>
+            <a:ext uri="{909E8E84-426E-40DD-AFC4-6F175D3DCCD1}">
+              <a14:hiddenFill xmlns:a14="http://schemas.microsoft.com/office/drawing/2010/main">
+                <a:solidFill>
+                  <a:srgbClr val="FFFFFF"/>
+                </a:solidFill>
+              </a14:hiddenFill>
+            </a:ext>
+          </a:extLst>
+        </p:spPr>
+        <p:txBody>
+          <a:bodyPr vert="horz" wrap="square" lIns="91440" tIns="45720" rIns="91440" bIns="45720" numCol="1" anchor="t" anchorCtr="0" compatLnSpc="1">
+            <a:prstTxWarp prst="textNoShape">
+              <a:avLst/>
+            </a:prstTxWarp>
+          </a:bodyPr>
+          <a:lstStyle/>
+          <a:p>
+            <a:endParaRPr lang="fr-FR"/>
+          </a:p>
+        </p:txBody>
+      </p:sp>
+      <p:sp>
+        <p:nvSpPr>
+          <p:cNvPr id="15" name="AutoShape 18">
+            <a:extLst>
+              <a:ext uri="{FF2B5EF4-FFF2-40B4-BE49-F238E27FC236}">
+                <a16:creationId xmlns:a16="http://schemas.microsoft.com/office/drawing/2014/main" id="{C31A98C5-537B-4044-8056-EEC94418009D}"/>
+              </a:ext>
+            </a:extLst>
+          </p:cNvPr>
+          <p:cNvSpPr>
+            <a:spLocks noChangeAspect="1" noChangeArrowheads="1"/>
+          </p:cNvSpPr>
+          <p:nvPr/>
+        </p:nvSpPr>
+        <p:spPr bwMode="auto">
+          <a:xfrm>
+            <a:off x="5943600" y="3276600"/>
+            <a:ext cx="304800" cy="304800"/>
+          </a:xfrm>
+          <a:prstGeom prst="rect">
+            <a:avLst/>
+          </a:prstGeom>
+          <a:noFill/>
+          <a:extLst>
+            <a:ext uri="{909E8E84-426E-40DD-AFC4-6F175D3DCCD1}">
+              <a14:hiddenFill xmlns:a14="http://schemas.microsoft.com/office/drawing/2010/main">
+                <a:solidFill>
+                  <a:srgbClr val="FFFFFF"/>
+                </a:solidFill>
+              </a14:hiddenFill>
+            </a:ext>
+          </a:extLst>
+        </p:spPr>
+        <p:txBody>
+          <a:bodyPr vert="horz" wrap="square" lIns="91440" tIns="45720" rIns="91440" bIns="45720" numCol="1" anchor="t" anchorCtr="0" compatLnSpc="1">
+            <a:prstTxWarp prst="textNoShape">
+              <a:avLst/>
+            </a:prstTxWarp>
+          </a:bodyPr>
+          <a:lstStyle/>
+          <a:p>
+            <a:endParaRPr lang="fr-FR"/>
+          </a:p>
+        </p:txBody>
+      </p:sp>
+      <p:sp>
+        <p:nvSpPr>
+          <p:cNvPr id="16" name="ZoneTexte 15">
+            <a:extLst>
+              <a:ext uri="{FF2B5EF4-FFF2-40B4-BE49-F238E27FC236}">
+                <a16:creationId xmlns:a16="http://schemas.microsoft.com/office/drawing/2014/main" id="{93040050-B2BD-DE47-8A57-751380433AF0}"/>
+              </a:ext>
+            </a:extLst>
+          </p:cNvPr>
+          <p:cNvSpPr txBox="1"/>
+          <p:nvPr/>
+        </p:nvSpPr>
+        <p:spPr>
+          <a:xfrm>
+            <a:off x="3889684" y="5732480"/>
+            <a:ext cx="343364" cy="369332"/>
+          </a:xfrm>
+          <a:prstGeom prst="rect">
+            <a:avLst/>
+          </a:prstGeom>
+          <a:noFill/>
+        </p:spPr>
+        <p:txBody>
+          <a:bodyPr wrap="none" rtlCol="0">
+            <a:spAutoFit/>
+          </a:bodyPr>
+          <a:lstStyle/>
+          <a:p>
+            <a:r>
+              <a:rPr lang="fr-FR" dirty="0"/>
+              <a:t>…</a:t>
+            </a:r>
+          </a:p>
+        </p:txBody>
+      </p:sp>
+      <p:pic>
+        <p:nvPicPr>
           <p:cNvPr id="6" name="Image 5">
             <a:extLst>
               <a:ext uri="{FF2B5EF4-FFF2-40B4-BE49-F238E27FC236}">
@@ -10864,7 +15961,7 @@
     </p:spTree>
     <p:extLst>
       <p:ext uri="{BB962C8B-B14F-4D97-AF65-F5344CB8AC3E}">
-        <p14:creationId xmlns:p14="http://schemas.microsoft.com/office/powerpoint/2010/main" val="3152852766"/>
+        <p14:creationId xmlns:p14="http://schemas.microsoft.com/office/powerpoint/2010/main" val="3671163123"/>
       </p:ext>
     </p:extLst>
   </p:cSld>
@@ -10874,7 +15971,7 @@
 </p:sld>
 </file>
 
-<file path=ppt/slides/slide3.xml><?xml version="1.0" encoding="utf-8"?>
+<file path=ppt/slides/slide4.xml><?xml version="1.0" encoding="utf-8"?>
 <p:sld xmlns:a="http://schemas.openxmlformats.org/drawingml/2006/main" xmlns:r="http://schemas.openxmlformats.org/officeDocument/2006/relationships" xmlns:p="http://schemas.openxmlformats.org/presentationml/2006/main">
   <p:cSld>
     <p:spTree>
@@ -11683,7 +16780,7 @@
 </p:sld>
 </file>
 
-<file path=ppt/slides/slide4.xml><?xml version="1.0" encoding="utf-8"?>
+<file path=ppt/slides/slide5.xml><?xml version="1.0" encoding="utf-8"?>
 <p:sld xmlns:a="http://schemas.openxmlformats.org/drawingml/2006/main" xmlns:r="http://schemas.openxmlformats.org/officeDocument/2006/relationships" xmlns:p="http://schemas.openxmlformats.org/presentationml/2006/main">
   <p:cSld>
     <p:spTree>
@@ -12322,7 +17419,7 @@
         <p:spPr>
           <a:xfrm>
             <a:off x="4125332" y="2877720"/>
-            <a:ext cx="878767" cy="369332"/>
+            <a:ext cx="788999" cy="369332"/>
           </a:xfrm>
           <a:prstGeom prst="rect">
             <a:avLst/>
@@ -12337,7 +17434,7 @@
           <a:p>
             <a:r>
               <a:rPr lang="fr-FR" dirty="0"/>
-              <a:t>Actions</a:t>
+              <a:t>Action</a:t>
             </a:r>
           </a:p>
         </p:txBody>
@@ -12475,7 +17572,7 @@
 </p:sld>
 </file>
 
-<file path=ppt/slides/slide5.xml><?xml version="1.0" encoding="utf-8"?>
+<file path=ppt/slides/slide6.xml><?xml version="1.0" encoding="utf-8"?>
 <p:sld xmlns:a="http://schemas.openxmlformats.org/drawingml/2006/main" xmlns:r="http://schemas.openxmlformats.org/officeDocument/2006/relationships" xmlns:p="http://schemas.openxmlformats.org/presentationml/2006/main">
   <p:cSld>
     <p:spTree>
